--- a/수업자료/06_자바 기본 문법.pptx
+++ b/수업자료/06_자바 기본 문법.pptx
@@ -135,7 +135,7 @@
   </p:defaultTextStyle>
   <p:extLst>
     <p:ext uri="{EFAFB233-063F-42B5-8137-9DF3F51BA10A}">
-      <p15:sldGuideLst xmlns:p15="http://schemas.microsoft.com/office/powerpoint/2012/main">
+      <p15:sldGuideLst xmlns="" xmlns:p15="http://schemas.microsoft.com/office/powerpoint/2012/main">
         <p15:guide id="1" orient="horz" pos="2160">
           <p15:clr>
             <a:srgbClr val="A4A3A4"/>
@@ -235,7 +235,7 @@
             <a:fld id="{533164E2-541E-45D9-AF32-08622E33600A}" type="datetimeFigureOut">
               <a:rPr lang="ko-KR" altLang="en-US" smtClean="0"/>
               <a:pPr/>
-              <a:t>2018-08-22</a:t>
+              <a:t>2018-09-04</a:t>
             </a:fld>
             <a:endParaRPr lang="ko-KR" altLang="en-US"/>
           </a:p>
@@ -2897,7 +2897,7 @@
           <a:p>
             <a:fld id="{5B224BE5-D226-49F3-AB40-B9C377A86165}" type="datetime1">
               <a:rPr lang="ko-KR" altLang="en-US" smtClean="0"/>
-              <a:t>2018-08-22</a:t>
+              <a:t>2018-09-04</a:t>
             </a:fld>
             <a:endParaRPr lang="ko-KR" altLang="en-US"/>
           </a:p>
@@ -3063,7 +3063,7 @@
           <a:p>
             <a:fld id="{E531B096-71EC-4E39-87EC-87DE91DFDAD5}" type="datetime1">
               <a:rPr lang="ko-KR" altLang="en-US" smtClean="0"/>
-              <a:t>2018-08-22</a:t>
+              <a:t>2018-09-04</a:t>
             </a:fld>
             <a:endParaRPr lang="ko-KR" altLang="en-US"/>
           </a:p>
@@ -3239,7 +3239,7 @@
           <a:p>
             <a:fld id="{87998491-270F-4155-ABF1-CC9E2FA131CA}" type="datetime1">
               <a:rPr lang="ko-KR" altLang="en-US" smtClean="0"/>
-              <a:t>2018-08-22</a:t>
+              <a:t>2018-09-04</a:t>
             </a:fld>
             <a:endParaRPr lang="ko-KR" altLang="en-US"/>
           </a:p>
@@ -3330,7 +3330,7 @@
           <a:p>
             <a:fld id="{3A8D6124-CF2E-4D0B-929F-6E18AB953AD4}" type="datetime1">
               <a:rPr lang="ko-KR" altLang="en-US" smtClean="0"/>
-              <a:t>2018-08-22</a:t>
+              <a:t>2018-09-04</a:t>
             </a:fld>
             <a:endParaRPr lang="ko-KR" altLang="en-US"/>
           </a:p>
@@ -3572,7 +3572,7 @@
           <a:p>
             <a:fld id="{90CD4FF4-A25C-4B8C-BC7E-9158BC871168}" type="datetime1">
               <a:rPr lang="ko-KR" altLang="en-US" smtClean="0"/>
-              <a:t>2018-08-22</a:t>
+              <a:t>2018-09-04</a:t>
             </a:fld>
             <a:endParaRPr lang="ko-KR" altLang="en-US"/>
           </a:p>
@@ -3856,7 +3856,7 @@
           <a:p>
             <a:fld id="{F79FBE8D-B19F-4A94-B19B-26909D8E1969}" type="datetime1">
               <a:rPr lang="ko-KR" altLang="en-US" smtClean="0"/>
-              <a:t>2018-08-22</a:t>
+              <a:t>2018-09-04</a:t>
             </a:fld>
             <a:endParaRPr lang="ko-KR" altLang="en-US"/>
           </a:p>
@@ -4274,7 +4274,7 @@
           <a:p>
             <a:fld id="{413B4439-0DD4-4C39-A83D-F9B3BDA7DFA8}" type="datetime1">
               <a:rPr lang="ko-KR" altLang="en-US" smtClean="0"/>
-              <a:t>2018-08-22</a:t>
+              <a:t>2018-09-04</a:t>
             </a:fld>
             <a:endParaRPr lang="ko-KR" altLang="en-US"/>
           </a:p>
@@ -4388,7 +4388,7 @@
           <a:p>
             <a:fld id="{6BA39EF4-8235-4B33-8ED4-370B88BBE966}" type="datetime1">
               <a:rPr lang="ko-KR" altLang="en-US" smtClean="0"/>
-              <a:t>2018-08-22</a:t>
+              <a:t>2018-09-04</a:t>
             </a:fld>
             <a:endParaRPr lang="ko-KR" altLang="en-US"/>
           </a:p>
@@ -4479,7 +4479,7 @@
           <a:p>
             <a:fld id="{4AE8D239-193A-4AE8-ABF2-5BFD45FBF3B0}" type="datetime1">
               <a:rPr lang="ko-KR" altLang="en-US" smtClean="0"/>
-              <a:t>2018-08-22</a:t>
+              <a:t>2018-09-04</a:t>
             </a:fld>
             <a:endParaRPr lang="ko-KR" altLang="en-US"/>
           </a:p>
@@ -4752,7 +4752,7 @@
           <a:p>
             <a:fld id="{9FC46919-B9A5-422E-AC9E-830197846D7D}" type="datetime1">
               <a:rPr lang="ko-KR" altLang="en-US" smtClean="0"/>
-              <a:t>2018-08-22</a:t>
+              <a:t>2018-09-04</a:t>
             </a:fld>
             <a:endParaRPr lang="ko-KR" altLang="en-US"/>
           </a:p>
@@ -5001,7 +5001,7 @@
           <a:p>
             <a:fld id="{41DD7485-075A-440B-9AAE-969EB727F004}" type="datetime1">
               <a:rPr lang="ko-KR" altLang="en-US" smtClean="0"/>
-              <a:t>2018-08-22</a:t>
+              <a:t>2018-09-04</a:t>
             </a:fld>
             <a:endParaRPr lang="ko-KR" altLang="en-US"/>
           </a:p>
@@ -5210,7 +5210,7 @@
           <a:p>
             <a:fld id="{3895310E-B5AE-4952-A007-08EF1D8FAE3A}" type="datetime1">
               <a:rPr lang="ko-KR" altLang="en-US" smtClean="0"/>
-              <a:t>2018-08-22</a:t>
+              <a:t>2018-09-04</a:t>
             </a:fld>
             <a:endParaRPr lang="ko-KR" altLang="en-US"/>
           </a:p>
@@ -7423,20 +7423,20 @@
                   <a:schemeClr val="tx1"/>
                 </a:solidFill>
               </a:rPr>
-              <a:t> a </a:t>
+              <a:t> a = </a:t>
             </a:r>
             <a:r>
               <a:rPr lang="en-US" altLang="ko-KR" b="1" dirty="0" smtClean="0">
                 <a:solidFill>
-                  <a:schemeClr val="tx1"/>
-                </a:solidFill>
-              </a:rPr>
-              <a:t>= (</a:t>
+                  <a:srgbClr val="FF0000"/>
+                </a:solidFill>
+              </a:rPr>
+              <a:t>(</a:t>
             </a:r>
             <a:r>
               <a:rPr lang="en-US" altLang="ko-KR" b="1" dirty="0" err="1" smtClean="0">
                 <a:solidFill>
-                  <a:schemeClr val="tx1"/>
+                  <a:srgbClr val="FF0000"/>
                 </a:solidFill>
               </a:rPr>
               <a:t>int</a:t>
@@ -7444,16 +7444,19 @@
             <a:r>
               <a:rPr lang="en-US" altLang="ko-KR" b="1" dirty="0" smtClean="0">
                 <a:solidFill>
-                  <a:schemeClr val="tx1"/>
-                </a:solidFill>
-              </a:rPr>
-              <a:t>)(2 + 3.14);</a:t>
-            </a:r>
-            <a:endParaRPr lang="en-US" altLang="ko-KR" b="1" dirty="0" smtClean="0">
-              <a:solidFill>
-                <a:schemeClr val="tx1"/>
-              </a:solidFill>
-            </a:endParaRPr>
+                  <a:srgbClr val="FF0000"/>
+                </a:solidFill>
+              </a:rPr>
+              <a:t>)</a:t>
+            </a:r>
+            <a:r>
+              <a:rPr lang="en-US" altLang="ko-KR" b="1" dirty="0" smtClean="0">
+                <a:solidFill>
+                  <a:schemeClr val="tx1"/>
+                </a:solidFill>
+              </a:rPr>
+              <a:t>(2 + 3.14);</a:t>
+            </a:r>
           </a:p>
         </p:txBody>
       </p:sp>
@@ -7549,11 +7552,6 @@
               </a:rPr>
               <a:t>float c=2*3.14*10;</a:t>
             </a:r>
-            <a:endParaRPr lang="en-US" altLang="ko-KR" sz="1200" b="1" dirty="0" smtClean="0">
-              <a:solidFill>
-                <a:schemeClr val="tx1"/>
-              </a:solidFill>
-            </a:endParaRPr>
           </a:p>
         </p:txBody>
       </p:sp>
@@ -7877,23 +7875,7 @@
                   <a:schemeClr val="tx1"/>
                 </a:solidFill>
               </a:rPr>
-              <a:t>다음 코드에서 잘못된 부분을 찾아 </a:t>
-            </a:r>
-            <a:r>
-              <a:rPr lang="ko-KR" altLang="en-US" b="1" dirty="0" smtClean="0">
-                <a:solidFill>
-                  <a:schemeClr val="tx1"/>
-                </a:solidFill>
-              </a:rPr>
-              <a:t>첨삭</a:t>
-            </a:r>
-            <a:r>
-              <a:rPr lang="ko-KR" altLang="en-US" b="1" dirty="0" smtClean="0">
-                <a:solidFill>
-                  <a:schemeClr val="tx1"/>
-                </a:solidFill>
-              </a:rPr>
-              <a:t>하시오</a:t>
+              <a:t>다음 코드에서 잘못된 부분을 찾아 첨삭하시오</a:t>
             </a:r>
             <a:r>
               <a:rPr lang="en-US" altLang="ko-KR" b="1" dirty="0" smtClean="0">
@@ -8185,8 +8167,8 @@
         </p:nvSpPr>
         <p:spPr>
           <a:xfrm>
-            <a:off x="7375082" y="961933"/>
-            <a:ext cx="1768918" cy="336751"/>
+            <a:off x="7164288" y="961933"/>
+            <a:ext cx="1979712" cy="336751"/>
           </a:xfrm>
           <a:prstGeom prst="flowChartProcess">
             <a:avLst/>
@@ -8225,7 +8207,23 @@
                   <a:srgbClr val="0070C0"/>
                 </a:solidFill>
               </a:rPr>
-              <a:t>실수 나머지 연산 가능</a:t>
+              <a:t>실수 </a:t>
+            </a:r>
+            <a:r>
+              <a:rPr lang="ko-KR" altLang="en-US" sz="1200" b="1" smtClean="0">
+                <a:solidFill>
+                  <a:srgbClr val="0070C0"/>
+                </a:solidFill>
+              </a:rPr>
+              <a:t>나머지 연산도 </a:t>
+            </a:r>
+            <a:r>
+              <a:rPr lang="ko-KR" altLang="en-US" sz="1200" b="1" dirty="0" smtClean="0">
+                <a:solidFill>
+                  <a:srgbClr val="0070C0"/>
+                </a:solidFill>
+              </a:rPr>
+              <a:t>가능</a:t>
             </a:r>
             <a:endParaRPr lang="ko-KR" altLang="en-US" sz="1200" b="1" dirty="0">
               <a:solidFill>
@@ -9101,15 +9099,7 @@
                   <a:srgbClr val="0070C0"/>
                 </a:solidFill>
               </a:rPr>
-              <a:t>비트가 </a:t>
-            </a:r>
-            <a:r>
-              <a:rPr lang="ko-KR" altLang="en-US" sz="1200" b="1" dirty="0" smtClean="0">
-                <a:solidFill>
-                  <a:srgbClr val="0070C0"/>
-                </a:solidFill>
-              </a:rPr>
-              <a:t>서로 다르면 </a:t>
+              <a:t>비트가 서로 다르면 </a:t>
             </a:r>
             <a:r>
               <a:rPr lang="en-US" altLang="ko-KR" sz="1200" b="1" dirty="0" smtClean="0">
@@ -10821,7 +10811,7 @@
         <p:spPr>
           <a:xfrm>
             <a:off x="683568" y="613483"/>
-            <a:ext cx="7920880" cy="5479813"/>
+            <a:ext cx="8136904" cy="5911861"/>
           </a:xfrm>
           <a:prstGeom prst="flowChartProcess">
             <a:avLst/>
@@ -12349,14 +12339,310 @@
               <a:t>g2</a:t>
             </a:r>
             <a:r>
+              <a:rPr lang="en-US" altLang="ko-KR" sz="1200" b="1" i="1" dirty="0" smtClean="0">
+                <a:solidFill>
+                  <a:srgbClr val="000000"/>
+                </a:solidFill>
+                <a:latin typeface="Consolas" panose="020B0609020204030204" pitchFamily="49" charset="0"/>
+              </a:rPr>
+              <a:t>));</a:t>
+            </a:r>
+          </a:p>
+          <a:p>
+            <a:pPr defTabSz="363538">
+              <a:lnSpc>
+                <a:spcPts val="1700"/>
+              </a:lnSpc>
+            </a:pPr>
+            <a:r>
+              <a:rPr lang="en-US" altLang="ko-KR" sz="1200" dirty="0">
+                <a:solidFill>
+                  <a:srgbClr val="000000"/>
+                </a:solidFill>
+                <a:latin typeface="Consolas" panose="020B0609020204030204" pitchFamily="49" charset="0"/>
+              </a:rPr>
+              <a:t>		</a:t>
+            </a:r>
+            <a:r>
+              <a:rPr lang="en-US" altLang="ko-KR" sz="1200" dirty="0" err="1" smtClean="0">
+                <a:solidFill>
+                  <a:srgbClr val="000000"/>
+                </a:solidFill>
+                <a:latin typeface="Consolas" panose="020B0609020204030204" pitchFamily="49" charset="0"/>
+              </a:rPr>
+              <a:t>System.</a:t>
+            </a:r>
+            <a:r>
+              <a:rPr lang="en-US" altLang="ko-KR" sz="1200" b="1" i="1" dirty="0" err="1" smtClean="0">
+                <a:solidFill>
+                  <a:srgbClr val="0000C0"/>
+                </a:solidFill>
+                <a:latin typeface="Consolas" panose="020B0609020204030204" pitchFamily="49" charset="0"/>
+              </a:rPr>
+              <a:t>out</a:t>
+            </a:r>
+            <a:r>
+              <a:rPr lang="en-US" altLang="ko-KR" sz="1200" b="1" i="1" dirty="0" err="1" smtClean="0">
+                <a:solidFill>
+                  <a:srgbClr val="000000"/>
+                </a:solidFill>
+                <a:latin typeface="Consolas" panose="020B0609020204030204" pitchFamily="49" charset="0"/>
+              </a:rPr>
+              <a:t>.println</a:t>
+            </a:r>
+            <a:r>
+              <a:rPr lang="en-US" altLang="ko-KR" sz="1200" b="1" i="1" dirty="0" smtClean="0">
+                <a:solidFill>
+                  <a:srgbClr val="000000"/>
+                </a:solidFill>
+                <a:latin typeface="Consolas" panose="020B0609020204030204" pitchFamily="49" charset="0"/>
+              </a:rPr>
+              <a:t>(</a:t>
+            </a:r>
+            <a:r>
+              <a:rPr lang="en-US" altLang="ko-KR" sz="1200" b="1" i="1" dirty="0" err="1" smtClean="0">
+                <a:solidFill>
+                  <a:srgbClr val="000000"/>
+                </a:solidFill>
+                <a:latin typeface="Consolas" panose="020B0609020204030204" pitchFamily="49" charset="0"/>
+              </a:rPr>
+              <a:t>System.identityHashCode</a:t>
+            </a:r>
+            <a:r>
+              <a:rPr lang="en-US" altLang="ko-KR" sz="1200" b="1" i="1" dirty="0" smtClean="0">
+                <a:solidFill>
+                  <a:srgbClr val="000000"/>
+                </a:solidFill>
+                <a:latin typeface="Consolas" panose="020B0609020204030204" pitchFamily="49" charset="0"/>
+              </a:rPr>
+              <a:t>(</a:t>
+            </a:r>
+            <a:r>
+              <a:rPr lang="en-US" altLang="ko-KR" sz="1200" b="1" i="1" dirty="0" smtClean="0">
+                <a:solidFill>
+                  <a:srgbClr val="6A3E3E"/>
+                </a:solidFill>
+                <a:latin typeface="Consolas" panose="020B0609020204030204" pitchFamily="49" charset="0"/>
+              </a:rPr>
+              <a:t>f1</a:t>
+            </a:r>
+            <a:r>
+              <a:rPr lang="en-US" altLang="ko-KR" sz="1200" b="1" i="1" dirty="0" smtClean="0">
+                <a:solidFill>
+                  <a:srgbClr val="000000"/>
+                </a:solidFill>
+                <a:latin typeface="Consolas" panose="020B0609020204030204" pitchFamily="49" charset="0"/>
+              </a:rPr>
+              <a:t>) </a:t>
+            </a:r>
+            <a:r>
               <a:rPr lang="en-US" altLang="ko-KR" sz="1200" b="1" i="1" dirty="0">
                 <a:solidFill>
                   <a:srgbClr val="000000"/>
                 </a:solidFill>
                 <a:latin typeface="Consolas" panose="020B0609020204030204" pitchFamily="49" charset="0"/>
               </a:rPr>
+              <a:t>+ </a:t>
+            </a:r>
+            <a:r>
+              <a:rPr lang="en-US" altLang="ko-KR" sz="1200" b="1" i="1" dirty="0" smtClean="0">
+                <a:solidFill>
+                  <a:srgbClr val="2A00FF"/>
+                </a:solidFill>
+                <a:latin typeface="Consolas" panose="020B0609020204030204" pitchFamily="49" charset="0"/>
+              </a:rPr>
+              <a:t>“,"</a:t>
+            </a:r>
+            <a:r>
+              <a:rPr lang="en-US" altLang="ko-KR" sz="1200" b="1" i="1" dirty="0" smtClean="0">
+                <a:solidFill>
+                  <a:srgbClr val="000000"/>
+                </a:solidFill>
+                <a:latin typeface="Consolas" panose="020B0609020204030204" pitchFamily="49" charset="0"/>
+              </a:rPr>
+              <a:t> </a:t>
+            </a:r>
+            <a:r>
+              <a:rPr lang="en-US" altLang="ko-KR" sz="1200" b="1" i="1" dirty="0">
+                <a:solidFill>
+                  <a:srgbClr val="000000"/>
+                </a:solidFill>
+                <a:latin typeface="Consolas" panose="020B0609020204030204" pitchFamily="49" charset="0"/>
+              </a:rPr>
+              <a:t>+ </a:t>
+            </a:r>
+            <a:r>
+              <a:rPr lang="en-US" altLang="ko-KR" sz="1200" b="1" i="1" dirty="0" err="1" smtClean="0">
+                <a:solidFill>
+                  <a:srgbClr val="000000"/>
+                </a:solidFill>
+                <a:latin typeface="Consolas" panose="020B0609020204030204" pitchFamily="49" charset="0"/>
+              </a:rPr>
+              <a:t>System.identityHashCode</a:t>
+            </a:r>
+            <a:r>
+              <a:rPr lang="en-US" altLang="ko-KR" sz="1200" b="1" i="1" dirty="0" smtClean="0">
+                <a:solidFill>
+                  <a:srgbClr val="000000"/>
+                </a:solidFill>
+                <a:latin typeface="Consolas" panose="020B0609020204030204" pitchFamily="49" charset="0"/>
+              </a:rPr>
+              <a:t>(</a:t>
+            </a:r>
+            <a:r>
+              <a:rPr lang="en-US" altLang="ko-KR" sz="1200" b="1" i="1" dirty="0" smtClean="0">
+                <a:solidFill>
+                  <a:srgbClr val="6A3E3E"/>
+                </a:solidFill>
+                <a:latin typeface="Consolas" panose="020B0609020204030204" pitchFamily="49" charset="0"/>
+              </a:rPr>
+              <a:t>f2</a:t>
+            </a:r>
+            <a:r>
+              <a:rPr lang="en-US" altLang="ko-KR" sz="1200" b="1" i="1" dirty="0" smtClean="0">
+                <a:solidFill>
+                  <a:srgbClr val="000000"/>
+                </a:solidFill>
+                <a:latin typeface="Consolas" panose="020B0609020204030204" pitchFamily="49" charset="0"/>
+              </a:rPr>
+              <a:t>) </a:t>
+            </a:r>
+            <a:r>
+              <a:rPr lang="en-US" altLang="ko-KR" sz="1200" b="1" i="1" dirty="0">
+                <a:solidFill>
+                  <a:srgbClr val="000000"/>
+                </a:solidFill>
+                <a:latin typeface="Consolas" panose="020B0609020204030204" pitchFamily="49" charset="0"/>
+              </a:rPr>
+              <a:t>+ </a:t>
+            </a:r>
+            <a:endParaRPr lang="en-US" altLang="ko-KR" sz="1200" b="1" i="1" dirty="0" smtClean="0">
+              <a:solidFill>
+                <a:srgbClr val="000000"/>
+              </a:solidFill>
+              <a:latin typeface="Consolas" panose="020B0609020204030204" pitchFamily="49" charset="0"/>
+            </a:endParaRPr>
+          </a:p>
+          <a:p>
+            <a:pPr defTabSz="363538">
+              <a:lnSpc>
+                <a:spcPts val="1700"/>
+              </a:lnSpc>
+            </a:pPr>
+            <a:r>
+              <a:rPr lang="en-US" altLang="ko-KR" sz="1200" b="1" i="1" dirty="0">
+                <a:solidFill>
+                  <a:srgbClr val="000000"/>
+                </a:solidFill>
+                <a:latin typeface="Consolas" panose="020B0609020204030204" pitchFamily="49" charset="0"/>
+              </a:rPr>
+              <a:t> </a:t>
+            </a:r>
+            <a:r>
+              <a:rPr lang="en-US" altLang="ko-KR" sz="1200" b="1" i="1" dirty="0" smtClean="0">
+                <a:solidFill>
+                  <a:srgbClr val="000000"/>
+                </a:solidFill>
+                <a:latin typeface="Consolas" panose="020B0609020204030204" pitchFamily="49" charset="0"/>
+              </a:rPr>
+              <a:t>                           </a:t>
+            </a:r>
+            <a:r>
+              <a:rPr lang="en-US" altLang="ko-KR" sz="1200" b="1" i="1" dirty="0" err="1" smtClean="0">
+                <a:solidFill>
+                  <a:srgbClr val="000000"/>
+                </a:solidFill>
+                <a:latin typeface="Consolas" panose="020B0609020204030204" pitchFamily="49" charset="0"/>
+              </a:rPr>
+              <a:t>System.identityHashCode</a:t>
+            </a:r>
+            <a:r>
+              <a:rPr lang="en-US" altLang="ko-KR" sz="1200" b="1" i="1" dirty="0" smtClean="0">
+                <a:solidFill>
+                  <a:srgbClr val="000000"/>
+                </a:solidFill>
+                <a:latin typeface="Consolas" panose="020B0609020204030204" pitchFamily="49" charset="0"/>
+              </a:rPr>
+              <a:t>(</a:t>
+            </a:r>
+            <a:r>
+              <a:rPr lang="en-US" altLang="ko-KR" sz="1200" b="1" i="1" dirty="0" smtClean="0">
+                <a:solidFill>
+                  <a:srgbClr val="6A3E3E"/>
+                </a:solidFill>
+                <a:latin typeface="Consolas" panose="020B0609020204030204" pitchFamily="49" charset="0"/>
+              </a:rPr>
+              <a:t>g1</a:t>
+            </a:r>
+            <a:r>
+              <a:rPr lang="en-US" altLang="ko-KR" sz="1200" b="1" i="1" dirty="0">
+                <a:solidFill>
+                  <a:srgbClr val="000000"/>
+                </a:solidFill>
+                <a:latin typeface="Consolas" panose="020B0609020204030204" pitchFamily="49" charset="0"/>
+              </a:rPr>
+              <a:t>) + </a:t>
+            </a:r>
+            <a:r>
+              <a:rPr lang="en-US" altLang="ko-KR" sz="1200" b="1" i="1" dirty="0" smtClean="0">
+                <a:solidFill>
+                  <a:srgbClr val="2A00FF"/>
+                </a:solidFill>
+                <a:latin typeface="Consolas" panose="020B0609020204030204" pitchFamily="49" charset="0"/>
+              </a:rPr>
+              <a:t>“,"</a:t>
+            </a:r>
+            <a:r>
+              <a:rPr lang="en-US" altLang="ko-KR" sz="1200" b="1" i="1" dirty="0">
+                <a:solidFill>
+                  <a:srgbClr val="000000"/>
+                </a:solidFill>
+                <a:latin typeface="Consolas" panose="020B0609020204030204" pitchFamily="49" charset="0"/>
+              </a:rPr>
+              <a:t> + </a:t>
+            </a:r>
+            <a:r>
+              <a:rPr lang="en-US" altLang="ko-KR" sz="1200" b="1" i="1" dirty="0" err="1" smtClean="0">
+                <a:solidFill>
+                  <a:srgbClr val="000000"/>
+                </a:solidFill>
+                <a:latin typeface="Consolas" panose="020B0609020204030204" pitchFamily="49" charset="0"/>
+              </a:rPr>
+              <a:t>System.identityHashCode</a:t>
+            </a:r>
+            <a:r>
+              <a:rPr lang="en-US" altLang="ko-KR" sz="1200" b="1" i="1" dirty="0" smtClean="0">
+                <a:solidFill>
+                  <a:srgbClr val="000000"/>
+                </a:solidFill>
+                <a:latin typeface="Consolas" panose="020B0609020204030204" pitchFamily="49" charset="0"/>
+              </a:rPr>
+              <a:t>(</a:t>
+            </a:r>
+            <a:r>
+              <a:rPr lang="en-US" altLang="ko-KR" sz="1200" b="1" i="1" dirty="0" smtClean="0">
+                <a:solidFill>
+                  <a:srgbClr val="6A3E3E"/>
+                </a:solidFill>
+                <a:latin typeface="Consolas" panose="020B0609020204030204" pitchFamily="49" charset="0"/>
+              </a:rPr>
+              <a:t>g2</a:t>
+            </a:r>
+            <a:r>
+              <a:rPr lang="en-US" altLang="ko-KR" sz="1200" b="1" i="1" dirty="0" smtClean="0">
+                <a:solidFill>
+                  <a:srgbClr val="000000"/>
+                </a:solidFill>
+                <a:latin typeface="Consolas" panose="020B0609020204030204" pitchFamily="49" charset="0"/>
+              </a:rPr>
               <a:t>));</a:t>
             </a:r>
+            <a:endParaRPr lang="en-US" altLang="ko-KR" sz="1200" b="1" i="1" dirty="0">
+              <a:solidFill>
+                <a:srgbClr val="000000"/>
+              </a:solidFill>
+              <a:latin typeface="Consolas" panose="020B0609020204030204" pitchFamily="49" charset="0"/>
+            </a:endParaRPr>
           </a:p>
           <a:p>
             <a:pPr defTabSz="363538">
@@ -14532,23 +14818,7 @@
                   <a:schemeClr val="tx1"/>
                 </a:solidFill>
               </a:rPr>
-              <a:t>(2) </a:t>
-            </a:r>
-            <a:r>
-              <a:rPr lang="en-US" altLang="ko-KR" b="1" dirty="0" smtClean="0">
-                <a:solidFill>
-                  <a:schemeClr val="tx1"/>
-                </a:solidFill>
-              </a:rPr>
-              <a:t>while</a:t>
-            </a:r>
-            <a:r>
-              <a:rPr lang="en-US" altLang="ko-KR" b="1" dirty="0" smtClean="0">
-                <a:solidFill>
-                  <a:schemeClr val="tx1"/>
-                </a:solidFill>
-              </a:rPr>
-              <a:t> </a:t>
+              <a:t>(2) while </a:t>
             </a:r>
             <a:r>
               <a:rPr lang="ko-KR" altLang="en-US" b="1" dirty="0" smtClean="0">
@@ -16075,15 +16345,7 @@
                   <a:schemeClr val="tx1"/>
                 </a:solidFill>
               </a:rPr>
-              <a:t>do~</a:t>
-            </a:r>
-            <a:r>
-              <a:rPr lang="en-US" altLang="ko-KR" b="1" dirty="0" err="1" smtClean="0">
-                <a:solidFill>
-                  <a:schemeClr val="tx1"/>
-                </a:solidFill>
-              </a:rPr>
-              <a:t>while</a:t>
+              <a:t>do~while</a:t>
             </a:r>
             <a:r>
               <a:rPr lang="en-US" altLang="ko-KR" b="1" dirty="0" smtClean="0">
@@ -21762,15 +22024,7 @@
                   <a:schemeClr val="tx1"/>
                 </a:solidFill>
               </a:rPr>
-              <a:t>b</a:t>
-            </a:r>
-            <a:r>
-              <a:rPr lang="en-US" altLang="ko-KR" sz="2400" b="1" dirty="0" smtClean="0">
-                <a:solidFill>
-                  <a:schemeClr val="tx1"/>
-                </a:solidFill>
-              </a:rPr>
-              <a:t>[0][2] = 30;</a:t>
+              <a:t>b[0][2] = 30;</a:t>
             </a:r>
             <a:endParaRPr lang="ko-KR" altLang="en-US" sz="2400" b="1" dirty="0">
               <a:solidFill>
@@ -22260,15 +22514,7 @@
                   <a:schemeClr val="tx1"/>
                 </a:solidFill>
               </a:rPr>
-              <a:t>배열</a:t>
-            </a:r>
-            <a:r>
-              <a:rPr lang="ko-KR" altLang="en-US" b="1" dirty="0" smtClean="0">
-                <a:solidFill>
-                  <a:schemeClr val="tx1"/>
-                </a:solidFill>
-              </a:rPr>
-              <a:t>의 크기 속성</a:t>
+              <a:t>배열의 크기 속성</a:t>
             </a:r>
             <a:r>
               <a:rPr lang="en-US" altLang="ko-KR" b="1" dirty="0" smtClean="0">
@@ -24392,15 +24638,7 @@
                   <a:schemeClr val="tx1"/>
                 </a:solidFill>
               </a:rPr>
-              <a:t>배열</a:t>
-            </a:r>
-            <a:r>
-              <a:rPr lang="ko-KR" altLang="en-US" b="1" dirty="0" smtClean="0">
-                <a:solidFill>
-                  <a:schemeClr val="tx1"/>
-                </a:solidFill>
-              </a:rPr>
-              <a:t> 실습</a:t>
+              <a:t>배열 실습</a:t>
             </a:r>
             <a:endParaRPr lang="ko-KR" altLang="en-US" b="1" dirty="0">
               <a:solidFill>
@@ -31055,6 +31293,24 @@
             <a:r>
               <a:rPr lang="en-US" altLang="ko-KR" sz="1200" b="1" i="1" dirty="0" err="1" smtClean="0">
                 <a:solidFill>
+                  <a:srgbClr val="000000"/>
+                </a:solidFill>
+                <a:latin typeface="Consolas" panose="020B0609020204030204" pitchFamily="49" charset="0"/>
+              </a:rPr>
+              <a:t>System.identityHashCode</a:t>
+            </a:r>
+            <a:r>
+              <a:rPr lang="en-US" altLang="ko-KR" sz="1200" b="1" i="1" dirty="0" smtClean="0">
+                <a:solidFill>
+                  <a:srgbClr val="000000"/>
+                </a:solidFill>
+                <a:latin typeface="Consolas" panose="020B0609020204030204" pitchFamily="49" charset="0"/>
+              </a:rPr>
+              <a:t>(</a:t>
+            </a:r>
+            <a:r>
+              <a:rPr lang="en-US" altLang="ko-KR" sz="1200" b="1" i="1" dirty="0" smtClean="0">
+                <a:solidFill>
                   <a:srgbClr val="6A3E3E"/>
                 </a:solidFill>
                 <a:latin typeface="Consolas" panose="020B0609020204030204" pitchFamily="49" charset="0"/>
@@ -31062,13 +31318,13 @@
               <a:t>a</a:t>
             </a:r>
             <a:r>
-              <a:rPr lang="en-US" altLang="ko-KR" sz="1200" b="1" i="1" dirty="0" err="1" smtClean="0">
-                <a:solidFill>
-                  <a:srgbClr val="000000"/>
-                </a:solidFill>
-                <a:latin typeface="Consolas" panose="020B0609020204030204" pitchFamily="49" charset="0"/>
-              </a:rPr>
-              <a:t>.hashCode</a:t>
+              <a:rPr lang="en-US" altLang="ko-KR" sz="1200" b="1" i="1" dirty="0" smtClean="0">
+                <a:solidFill>
+                  <a:srgbClr val="000000"/>
+                </a:solidFill>
+                <a:latin typeface="Consolas" panose="020B0609020204030204" pitchFamily="49" charset="0"/>
+              </a:rPr>
+              <a:t>) </a:t>
             </a:r>
             <a:r>
               <a:rPr lang="en-US" altLang="ko-KR" sz="1200" b="1" i="1" dirty="0">
@@ -31077,7 +31333,7 @@
                 </a:solidFill>
                 <a:latin typeface="Consolas" panose="020B0609020204030204" pitchFamily="49" charset="0"/>
               </a:rPr>
-              <a:t>() + </a:t>
+              <a:t>+ </a:t>
             </a:r>
             <a:r>
               <a:rPr lang="en-US" altLang="ko-KR" sz="1200" b="1" i="1" dirty="0">
@@ -31170,6 +31426,24 @@
             <a:r>
               <a:rPr lang="en-US" altLang="ko-KR" sz="1200" b="1" i="1" dirty="0" err="1" smtClean="0">
                 <a:solidFill>
+                  <a:srgbClr val="000000"/>
+                </a:solidFill>
+                <a:latin typeface="Consolas" panose="020B0609020204030204" pitchFamily="49" charset="0"/>
+              </a:rPr>
+              <a:t>System.identityHashCode</a:t>
+            </a:r>
+            <a:r>
+              <a:rPr lang="en-US" altLang="ko-KR" sz="1200" b="1" i="1" dirty="0" smtClean="0">
+                <a:solidFill>
+                  <a:srgbClr val="000000"/>
+                </a:solidFill>
+                <a:latin typeface="Consolas" panose="020B0609020204030204" pitchFamily="49" charset="0"/>
+              </a:rPr>
+              <a:t>(</a:t>
+            </a:r>
+            <a:r>
+              <a:rPr lang="en-US" altLang="ko-KR" sz="1200" b="1" i="1" dirty="0" smtClean="0">
+                <a:solidFill>
                   <a:srgbClr val="6A3E3E"/>
                 </a:solidFill>
                 <a:latin typeface="Consolas" panose="020B0609020204030204" pitchFamily="49" charset="0"/>
@@ -31177,13 +31451,13 @@
               <a:t>b</a:t>
             </a:r>
             <a:r>
-              <a:rPr lang="en-US" altLang="ko-KR" sz="1200" b="1" i="1" dirty="0" err="1" smtClean="0">
-                <a:solidFill>
-                  <a:srgbClr val="000000"/>
-                </a:solidFill>
-                <a:latin typeface="Consolas" panose="020B0609020204030204" pitchFamily="49" charset="0"/>
-              </a:rPr>
-              <a:t>.hashCode</a:t>
+              <a:rPr lang="en-US" altLang="ko-KR" sz="1200" b="1" i="1" dirty="0" smtClean="0">
+                <a:solidFill>
+                  <a:srgbClr val="000000"/>
+                </a:solidFill>
+                <a:latin typeface="Consolas" panose="020B0609020204030204" pitchFamily="49" charset="0"/>
+              </a:rPr>
+              <a:t>) </a:t>
             </a:r>
             <a:r>
               <a:rPr lang="en-US" altLang="ko-KR" sz="1200" b="1" i="1" dirty="0">
@@ -31192,7 +31466,7 @@
                 </a:solidFill>
                 <a:latin typeface="Consolas" panose="020B0609020204030204" pitchFamily="49" charset="0"/>
               </a:rPr>
-              <a:t>() + </a:t>
+              <a:t>+ </a:t>
             </a:r>
             <a:r>
               <a:rPr lang="en-US" altLang="ko-KR" sz="1200" b="1" i="1" dirty="0">
@@ -31321,6 +31595,24 @@
             <a:r>
               <a:rPr lang="en-US" altLang="ko-KR" sz="1200" b="1" i="1" dirty="0" err="1" smtClean="0">
                 <a:solidFill>
+                  <a:srgbClr val="000000"/>
+                </a:solidFill>
+                <a:latin typeface="Consolas" panose="020B0609020204030204" pitchFamily="49" charset="0"/>
+              </a:rPr>
+              <a:t>System.identityHashCode</a:t>
+            </a:r>
+            <a:r>
+              <a:rPr lang="en-US" altLang="ko-KR" sz="1200" b="1" i="1" dirty="0" smtClean="0">
+                <a:solidFill>
+                  <a:srgbClr val="000000"/>
+                </a:solidFill>
+                <a:latin typeface="Consolas" panose="020B0609020204030204" pitchFamily="49" charset="0"/>
+              </a:rPr>
+              <a:t>(</a:t>
+            </a:r>
+            <a:r>
+              <a:rPr lang="en-US" altLang="ko-KR" sz="1200" b="1" i="1" dirty="0" smtClean="0">
+                <a:solidFill>
                   <a:srgbClr val="6A3E3E"/>
                 </a:solidFill>
                 <a:latin typeface="Consolas" panose="020B0609020204030204" pitchFamily="49" charset="0"/>
@@ -31328,13 +31620,13 @@
               <a:t>c</a:t>
             </a:r>
             <a:r>
-              <a:rPr lang="en-US" altLang="ko-KR" sz="1200" b="1" i="1" dirty="0" err="1" smtClean="0">
-                <a:solidFill>
-                  <a:srgbClr val="000000"/>
-                </a:solidFill>
-                <a:latin typeface="Consolas" panose="020B0609020204030204" pitchFamily="49" charset="0"/>
-              </a:rPr>
-              <a:t>.hashCode</a:t>
+              <a:rPr lang="en-US" altLang="ko-KR" sz="1200" b="1" i="1" dirty="0" smtClean="0">
+                <a:solidFill>
+                  <a:srgbClr val="000000"/>
+                </a:solidFill>
+                <a:latin typeface="Consolas" panose="020B0609020204030204" pitchFamily="49" charset="0"/>
+              </a:rPr>
+              <a:t>) </a:t>
             </a:r>
             <a:r>
               <a:rPr lang="en-US" altLang="ko-KR" sz="1200" b="1" i="1" dirty="0">
@@ -31343,7 +31635,7 @@
                 </a:solidFill>
                 <a:latin typeface="Consolas" panose="020B0609020204030204" pitchFamily="49" charset="0"/>
               </a:rPr>
-              <a:t>() + </a:t>
+              <a:t>+ </a:t>
             </a:r>
             <a:r>
               <a:rPr lang="en-US" altLang="ko-KR" sz="1200" b="1" i="1" dirty="0">
@@ -33629,23 +33921,7 @@
                   <a:schemeClr val="tx1"/>
                 </a:solidFill>
               </a:rPr>
-              <a:t>다음 코드에서 잘못된 부분을 찾아 </a:t>
-            </a:r>
-            <a:r>
-              <a:rPr lang="ko-KR" altLang="en-US" b="1" dirty="0" smtClean="0">
-                <a:solidFill>
-                  <a:schemeClr val="tx1"/>
-                </a:solidFill>
-              </a:rPr>
-              <a:t>첨삭</a:t>
-            </a:r>
-            <a:r>
-              <a:rPr lang="ko-KR" altLang="en-US" b="1" dirty="0" smtClean="0">
-                <a:solidFill>
-                  <a:schemeClr val="tx1"/>
-                </a:solidFill>
-              </a:rPr>
-              <a:t>하시오</a:t>
+              <a:t>다음 코드에서 잘못된 부분을 찾아 첨삭하시오</a:t>
             </a:r>
             <a:r>
               <a:rPr lang="en-US" altLang="ko-KR" b="1" dirty="0" smtClean="0">

--- a/수업자료/06_자바 기본 문법.pptx
+++ b/수업자료/06_자바 기본 문법.pptx
@@ -5,7 +5,7 @@
     <p:sldMasterId id="2147483648" r:id="rId1"/>
   </p:sldMasterIdLst>
   <p:notesMasterIdLst>
-    <p:notesMasterId r:id="rId29"/>
+    <p:notesMasterId r:id="rId30"/>
   </p:notesMasterIdLst>
   <p:sldIdLst>
     <p:sldId id="408" r:id="rId2"/>
@@ -23,18 +23,19 @@
     <p:sldId id="532" r:id="rId14"/>
     <p:sldId id="530" r:id="rId15"/>
     <p:sldId id="546" r:id="rId16"/>
-    <p:sldId id="533" r:id="rId17"/>
-    <p:sldId id="534" r:id="rId18"/>
-    <p:sldId id="535" r:id="rId19"/>
-    <p:sldId id="536" r:id="rId20"/>
-    <p:sldId id="537" r:id="rId21"/>
-    <p:sldId id="544" r:id="rId22"/>
-    <p:sldId id="547" r:id="rId23"/>
-    <p:sldId id="538" r:id="rId24"/>
-    <p:sldId id="540" r:id="rId25"/>
-    <p:sldId id="541" r:id="rId26"/>
-    <p:sldId id="542" r:id="rId27"/>
-    <p:sldId id="543" r:id="rId28"/>
+    <p:sldId id="548" r:id="rId17"/>
+    <p:sldId id="533" r:id="rId18"/>
+    <p:sldId id="534" r:id="rId19"/>
+    <p:sldId id="535" r:id="rId20"/>
+    <p:sldId id="536" r:id="rId21"/>
+    <p:sldId id="537" r:id="rId22"/>
+    <p:sldId id="544" r:id="rId23"/>
+    <p:sldId id="547" r:id="rId24"/>
+    <p:sldId id="538" r:id="rId25"/>
+    <p:sldId id="540" r:id="rId26"/>
+    <p:sldId id="541" r:id="rId27"/>
+    <p:sldId id="542" r:id="rId28"/>
+    <p:sldId id="543" r:id="rId29"/>
   </p:sldIdLst>
   <p:sldSz cx="9144000" cy="6858000" type="screen4x3"/>
   <p:notesSz cx="6858000" cy="9144000"/>
@@ -135,7 +136,7 @@
   </p:defaultTextStyle>
   <p:extLst>
     <p:ext uri="{EFAFB233-063F-42B5-8137-9DF3F51BA10A}">
-      <p15:sldGuideLst xmlns="" xmlns:p15="http://schemas.microsoft.com/office/powerpoint/2012/main">
+      <p15:sldGuideLst xmlns:p15="http://schemas.microsoft.com/office/powerpoint/2012/main" xmlns="">
         <p15:guide id="1" orient="horz" pos="2160">
           <p15:clr>
             <a:srgbClr val="A4A3A4"/>
@@ -1091,7 +1092,7 @@
     </p:spTree>
     <p:extLst>
       <p:ext uri="{BB962C8B-B14F-4D97-AF65-F5344CB8AC3E}">
-        <p14:creationId xmlns:p14="http://schemas.microsoft.com/office/powerpoint/2010/main" val="554185889"/>
+        <p14:creationId xmlns:p14="http://schemas.microsoft.com/office/powerpoint/2010/main" val="2018969101"/>
       </p:ext>
     </p:extLst>
   </p:cSld>
@@ -1176,7 +1177,7 @@
     </p:spTree>
     <p:extLst>
       <p:ext uri="{BB962C8B-B14F-4D97-AF65-F5344CB8AC3E}">
-        <p14:creationId xmlns:p14="http://schemas.microsoft.com/office/powerpoint/2010/main" val="2767413742"/>
+        <p14:creationId xmlns:p14="http://schemas.microsoft.com/office/powerpoint/2010/main" val="554185889"/>
       </p:ext>
     </p:extLst>
   </p:cSld>
@@ -1261,7 +1262,7 @@
     </p:spTree>
     <p:extLst>
       <p:ext uri="{BB962C8B-B14F-4D97-AF65-F5344CB8AC3E}">
-        <p14:creationId xmlns:p14="http://schemas.microsoft.com/office/powerpoint/2010/main" val="3978836211"/>
+        <p14:creationId xmlns:p14="http://schemas.microsoft.com/office/powerpoint/2010/main" val="2767413742"/>
       </p:ext>
     </p:extLst>
   </p:cSld>
@@ -1346,7 +1347,7 @@
     </p:spTree>
     <p:extLst>
       <p:ext uri="{BB962C8B-B14F-4D97-AF65-F5344CB8AC3E}">
-        <p14:creationId xmlns:p14="http://schemas.microsoft.com/office/powerpoint/2010/main" val="182988172"/>
+        <p14:creationId xmlns:p14="http://schemas.microsoft.com/office/powerpoint/2010/main" val="3978836211"/>
       </p:ext>
     </p:extLst>
   </p:cSld>
@@ -1431,7 +1432,7 @@
     </p:spTree>
     <p:extLst>
       <p:ext uri="{BB962C8B-B14F-4D97-AF65-F5344CB8AC3E}">
-        <p14:creationId xmlns:p14="http://schemas.microsoft.com/office/powerpoint/2010/main" val="1248613474"/>
+        <p14:creationId xmlns:p14="http://schemas.microsoft.com/office/powerpoint/2010/main" val="182988172"/>
       </p:ext>
     </p:extLst>
   </p:cSld>
@@ -1601,7 +1602,7 @@
     </p:spTree>
     <p:extLst>
       <p:ext uri="{BB962C8B-B14F-4D97-AF65-F5344CB8AC3E}">
-        <p14:creationId xmlns:p14="http://schemas.microsoft.com/office/powerpoint/2010/main" val="1715420640"/>
+        <p14:creationId xmlns:p14="http://schemas.microsoft.com/office/powerpoint/2010/main" val="1248613474"/>
       </p:ext>
     </p:extLst>
   </p:cSld>
@@ -1686,7 +1687,7 @@
     </p:spTree>
     <p:extLst>
       <p:ext uri="{BB962C8B-B14F-4D97-AF65-F5344CB8AC3E}">
-        <p14:creationId xmlns:p14="http://schemas.microsoft.com/office/powerpoint/2010/main" val="2933946620"/>
+        <p14:creationId xmlns:p14="http://schemas.microsoft.com/office/powerpoint/2010/main" val="1715420640"/>
       </p:ext>
     </p:extLst>
   </p:cSld>
@@ -1771,7 +1772,7 @@
     </p:spTree>
     <p:extLst>
       <p:ext uri="{BB962C8B-B14F-4D97-AF65-F5344CB8AC3E}">
-        <p14:creationId xmlns:p14="http://schemas.microsoft.com/office/powerpoint/2010/main" val="3851808806"/>
+        <p14:creationId xmlns:p14="http://schemas.microsoft.com/office/powerpoint/2010/main" val="2933946620"/>
       </p:ext>
     </p:extLst>
   </p:cSld>
@@ -1856,7 +1857,7 @@
     </p:spTree>
     <p:extLst>
       <p:ext uri="{BB962C8B-B14F-4D97-AF65-F5344CB8AC3E}">
-        <p14:creationId xmlns:p14="http://schemas.microsoft.com/office/powerpoint/2010/main" val="246907184"/>
+        <p14:creationId xmlns:p14="http://schemas.microsoft.com/office/powerpoint/2010/main" val="3851808806"/>
       </p:ext>
     </p:extLst>
   </p:cSld>
@@ -1941,7 +1942,7 @@
     </p:spTree>
     <p:extLst>
       <p:ext uri="{BB962C8B-B14F-4D97-AF65-F5344CB8AC3E}">
-        <p14:creationId xmlns:p14="http://schemas.microsoft.com/office/powerpoint/2010/main" val="2467661831"/>
+        <p14:creationId xmlns:p14="http://schemas.microsoft.com/office/powerpoint/2010/main" val="246907184"/>
       </p:ext>
     </p:extLst>
   </p:cSld>
@@ -2026,7 +2027,7 @@
     </p:spTree>
     <p:extLst>
       <p:ext uri="{BB962C8B-B14F-4D97-AF65-F5344CB8AC3E}">
-        <p14:creationId xmlns:p14="http://schemas.microsoft.com/office/powerpoint/2010/main" val="1095229370"/>
+        <p14:creationId xmlns:p14="http://schemas.microsoft.com/office/powerpoint/2010/main" val="2467661831"/>
       </p:ext>
     </p:extLst>
   </p:cSld>
@@ -2103,6 +2104,91 @@
               <a:rPr lang="ko-KR" altLang="en-US" smtClean="0"/>
               <a:pPr/>
               <a:t>27</a:t>
+            </a:fld>
+            <a:endParaRPr lang="ko-KR" altLang="en-US"/>
+          </a:p>
+        </p:txBody>
+      </p:sp>
+    </p:spTree>
+    <p:extLst>
+      <p:ext uri="{BB962C8B-B14F-4D97-AF65-F5344CB8AC3E}">
+        <p14:creationId xmlns:p14="http://schemas.microsoft.com/office/powerpoint/2010/main" val="1095229370"/>
+      </p:ext>
+    </p:extLst>
+  </p:cSld>
+  <p:clrMapOvr>
+    <a:masterClrMapping/>
+  </p:clrMapOvr>
+</p:notes>
+</file>
+
+<file path=ppt/notesSlides/notesSlide27.xml><?xml version="1.0" encoding="utf-8"?>
+<p:notes xmlns:a="http://schemas.openxmlformats.org/drawingml/2006/main" xmlns:r="http://schemas.openxmlformats.org/officeDocument/2006/relationships" xmlns:p="http://schemas.openxmlformats.org/presentationml/2006/main">
+  <p:cSld>
+    <p:spTree>
+      <p:nvGrpSpPr>
+        <p:cNvPr id="1" name=""/>
+        <p:cNvGrpSpPr/>
+        <p:nvPr/>
+      </p:nvGrpSpPr>
+      <p:grpSpPr>
+        <a:xfrm>
+          <a:off x="0" y="0"/>
+          <a:ext cx="0" cy="0"/>
+          <a:chOff x="0" y="0"/>
+          <a:chExt cx="0" cy="0"/>
+        </a:xfrm>
+      </p:grpSpPr>
+      <p:sp>
+        <p:nvSpPr>
+          <p:cNvPr id="2" name="슬라이드 이미지 개체 틀 1"/>
+          <p:cNvSpPr>
+            <a:spLocks noGrp="1" noRot="1" noChangeAspect="1"/>
+          </p:cNvSpPr>
+          <p:nvPr>
+            <p:ph type="sldImg"/>
+          </p:nvPr>
+        </p:nvSpPr>
+        <p:spPr/>
+      </p:sp>
+      <p:sp>
+        <p:nvSpPr>
+          <p:cNvPr id="3" name="슬라이드 노트 개체 틀 2"/>
+          <p:cNvSpPr>
+            <a:spLocks noGrp="1"/>
+          </p:cNvSpPr>
+          <p:nvPr>
+            <p:ph type="body" idx="1"/>
+          </p:nvPr>
+        </p:nvSpPr>
+        <p:spPr/>
+        <p:txBody>
+          <a:bodyPr/>
+          <a:lstStyle/>
+          <a:p>
+            <a:endParaRPr lang="ko-KR" altLang="en-US"/>
+          </a:p>
+        </p:txBody>
+      </p:sp>
+      <p:sp>
+        <p:nvSpPr>
+          <p:cNvPr id="4" name="슬라이드 번호 개체 틀 3"/>
+          <p:cNvSpPr>
+            <a:spLocks noGrp="1"/>
+          </p:cNvSpPr>
+          <p:nvPr>
+            <p:ph type="sldNum" sz="quarter" idx="10"/>
+          </p:nvPr>
+        </p:nvSpPr>
+        <p:spPr/>
+        <p:txBody>
+          <a:bodyPr/>
+          <a:lstStyle/>
+          <a:p>
+            <a:fld id="{FD647C8B-A48C-430F-B3BB-621873518486}" type="slidenum">
+              <a:rPr lang="ko-KR" altLang="en-US" smtClean="0"/>
+              <a:pPr/>
+              <a:t>28</a:t>
             </a:fld>
             <a:endParaRPr lang="ko-KR" altLang="en-US"/>
           </a:p>
@@ -10811,7 +10897,7 @@
         <p:spPr>
           <a:xfrm>
             <a:off x="683568" y="613483"/>
-            <a:ext cx="8136904" cy="5911861"/>
+            <a:ext cx="8136904" cy="5407805"/>
           </a:xfrm>
           <a:prstGeom prst="flowChartProcess">
             <a:avLst/>
@@ -12445,13 +12531,22 @@
               <a:t>+ </a:t>
             </a:r>
             <a:r>
+              <a:rPr lang="en-US" altLang="ko-KR" sz="1200" b="1" i="1" dirty="0">
+                <a:solidFill>
+                  <a:srgbClr val="2A00FF"/>
+                </a:solidFill>
+                <a:latin typeface="Consolas" panose="020B0609020204030204" pitchFamily="49" charset="0"/>
+              </a:rPr>
+              <a:t>",</a:t>
+            </a:r>
+            <a:r>
               <a:rPr lang="en-US" altLang="ko-KR" sz="1200" b="1" i="1" dirty="0" smtClean="0">
                 <a:solidFill>
                   <a:srgbClr val="2A00FF"/>
                 </a:solidFill>
                 <a:latin typeface="Consolas" panose="020B0609020204030204" pitchFamily="49" charset="0"/>
               </a:rPr>
-              <a:t>“,"</a:t>
+              <a:t>"</a:t>
             </a:r>
             <a:r>
               <a:rPr lang="en-US" altLang="ko-KR" sz="1200" b="1" i="1" dirty="0" smtClean="0">
@@ -12584,13 +12679,26 @@
               <a:t>) + </a:t>
             </a:r>
             <a:r>
+              <a:rPr lang="en-US" altLang="ko-KR" sz="1200" dirty="0" smtClean="0"/>
+              <a:t>"</a:t>
+            </a:r>
+            <a:r>
               <a:rPr lang="en-US" altLang="ko-KR" sz="1200" b="1" i="1" dirty="0" smtClean="0">
                 <a:solidFill>
                   <a:srgbClr val="2A00FF"/>
                 </a:solidFill>
                 <a:latin typeface="Consolas" panose="020B0609020204030204" pitchFamily="49" charset="0"/>
               </a:rPr>
-              <a:t>“,"</a:t>
+              <a:t>,"</a:t>
+            </a:r>
+            <a:r>
+              <a:rPr lang="en-US" altLang="ko-KR" sz="1200" b="1" i="1" dirty="0" smtClean="0">
+                <a:solidFill>
+                  <a:srgbClr val="000000"/>
+                </a:solidFill>
+                <a:latin typeface="Consolas" panose="020B0609020204030204" pitchFamily="49" charset="0"/>
+              </a:rPr>
+              <a:t> </a:t>
             </a:r>
             <a:r>
               <a:rPr lang="en-US" altLang="ko-KR" sz="1200" b="1" i="1" dirty="0">
@@ -12599,7 +12707,7 @@
                 </a:solidFill>
                 <a:latin typeface="Consolas" panose="020B0609020204030204" pitchFamily="49" charset="0"/>
               </a:rPr>
-              <a:t> + </a:t>
+              <a:t>+ </a:t>
             </a:r>
             <a:r>
               <a:rPr lang="en-US" altLang="ko-KR" sz="1200" b="1" i="1" dirty="0" err="1" smtClean="0">
@@ -12638,50 +12746,6 @@
               <a:t>));</a:t>
             </a:r>
             <a:endParaRPr lang="en-US" altLang="ko-KR" sz="1200" b="1" i="1" dirty="0">
-              <a:solidFill>
-                <a:srgbClr val="000000"/>
-              </a:solidFill>
-              <a:latin typeface="Consolas" panose="020B0609020204030204" pitchFamily="49" charset="0"/>
-            </a:endParaRPr>
-          </a:p>
-          <a:p>
-            <a:pPr defTabSz="363538">
-              <a:lnSpc>
-                <a:spcPts val="1700"/>
-              </a:lnSpc>
-            </a:pPr>
-            <a:r>
-              <a:rPr lang="en-US" altLang="ko-KR" sz="1200" dirty="0" smtClean="0">
-                <a:solidFill>
-                  <a:srgbClr val="000000"/>
-                </a:solidFill>
-                <a:latin typeface="Consolas" panose="020B0609020204030204" pitchFamily="49" charset="0"/>
-              </a:rPr>
-              <a:t>	}</a:t>
-            </a:r>
-            <a:endParaRPr lang="en-US" altLang="ko-KR" sz="1200" dirty="0">
-              <a:solidFill>
-                <a:srgbClr val="000000"/>
-              </a:solidFill>
-              <a:latin typeface="Consolas" panose="020B0609020204030204" pitchFamily="49" charset="0"/>
-            </a:endParaRPr>
-          </a:p>
-          <a:p>
-            <a:pPr defTabSz="363538">
-              <a:lnSpc>
-                <a:spcPts val="1700"/>
-              </a:lnSpc>
-            </a:pPr>
-            <a:r>
-              <a:rPr lang="en-US" altLang="ko-KR" sz="1200" dirty="0" smtClean="0">
-                <a:solidFill>
-                  <a:srgbClr val="000000"/>
-                </a:solidFill>
-                <a:latin typeface="Consolas" panose="020B0609020204030204" pitchFamily="49" charset="0"/>
-              </a:rPr>
-              <a:t>}</a:t>
-            </a:r>
-            <a:endParaRPr lang="en-US" altLang="ko-KR" sz="1200" dirty="0">
               <a:solidFill>
                 <a:srgbClr val="000000"/>
               </a:solidFill>
@@ -12856,516 +12920,1473 @@
       </p:sp>
       <p:sp>
         <p:nvSpPr>
-          <p:cNvPr id="8" name="순서도: 처리 7"/>
+          <p:cNvPr id="64" name="순서도: 처리 63"/>
           <p:cNvSpPr/>
           <p:nvPr/>
         </p:nvSpPr>
         <p:spPr>
           <a:xfrm>
-            <a:off x="539552" y="260648"/>
-            <a:ext cx="4032448" cy="510505"/>
+            <a:off x="683568" y="613483"/>
+            <a:ext cx="8136904" cy="4687725"/>
           </a:xfrm>
           <a:prstGeom prst="flowChartProcess">
             <a:avLst/>
           </a:prstGeom>
-          <a:ln/>
+          <a:ln w="3175"/>
         </p:spPr>
         <p:style>
-          <a:lnRef idx="1">
-            <a:schemeClr val="dk1"/>
+          <a:lnRef idx="2">
+            <a:schemeClr val="accent3"/>
           </a:lnRef>
-          <a:fillRef idx="2">
-            <a:schemeClr val="dk1"/>
+          <a:fillRef idx="1">
+            <a:schemeClr val="lt1"/>
           </a:fillRef>
-          <a:effectRef idx="1">
-            <a:schemeClr val="dk1"/>
+          <a:effectRef idx="0">
+            <a:schemeClr val="accent3"/>
           </a:effectRef>
           <a:fontRef idx="minor">
             <a:schemeClr val="dk1"/>
           </a:fontRef>
         </p:style>
         <p:txBody>
-          <a:bodyPr tIns="72000" rtlCol="0" anchor="ctr"/>
+          <a:bodyPr tIns="72000" rtlCol="0" anchor="t"/>
           <a:lstStyle/>
           <a:p>
-            <a:pPr algn="ctr"/>
-            <a:r>
-              <a:rPr lang="ko-KR" altLang="en-US" sz="2400" b="1" dirty="0" err="1" smtClean="0"/>
-              <a:t>조건문</a:t>
-            </a:r>
-            <a:endParaRPr lang="ko-KR" altLang="en-US" sz="2400" b="1" dirty="0"/>
+            <a:pPr defTabSz="357188"/>
+            <a:endParaRPr lang="en-US" altLang="ko-KR" sz="1200" b="1" dirty="0" smtClean="0">
+              <a:solidFill>
+                <a:srgbClr val="7F0055"/>
+              </a:solidFill>
+              <a:latin typeface="Consolas" panose="020B0609020204030204" pitchFamily="49" charset="0"/>
+            </a:endParaRPr>
+          </a:p>
+          <a:p>
+            <a:pPr defTabSz="357188"/>
+            <a:r>
+              <a:rPr lang="en-US" altLang="ko-KR" sz="1200" b="1" dirty="0" smtClean="0">
+                <a:solidFill>
+                  <a:srgbClr val="7F0055"/>
+                </a:solidFill>
+                <a:latin typeface="Consolas" panose="020B0609020204030204" pitchFamily="49" charset="0"/>
+              </a:rPr>
+              <a:t>		</a:t>
+            </a:r>
+            <a:r>
+              <a:rPr lang="en-US" altLang="ko-KR" sz="1200" dirty="0">
+                <a:solidFill>
+                  <a:srgbClr val="3F7F5F"/>
+                </a:solidFill>
+                <a:latin typeface="Consolas"/>
+              </a:rPr>
+              <a:t>//</a:t>
+            </a:r>
+            <a:r>
+              <a:rPr lang="ko-KR" altLang="en-US" sz="1200" dirty="0">
+                <a:solidFill>
+                  <a:srgbClr val="3F7F5F"/>
+                </a:solidFill>
+                <a:latin typeface="Consolas"/>
+              </a:rPr>
+              <a:t>비트연산자</a:t>
+            </a:r>
+            <a:r>
+              <a:rPr lang="en-US" altLang="ko-KR" sz="1200" dirty="0">
+                <a:solidFill>
+                  <a:srgbClr val="3F7F5F"/>
+                </a:solidFill>
+                <a:latin typeface="Consolas"/>
+              </a:rPr>
+              <a:t>: </a:t>
+            </a:r>
+            <a:r>
+              <a:rPr lang="ko-KR" altLang="en-US" sz="1200" dirty="0">
+                <a:solidFill>
+                  <a:srgbClr val="3F7F5F"/>
+                </a:solidFill>
+                <a:latin typeface="Consolas"/>
+              </a:rPr>
+              <a:t>교과서 </a:t>
+            </a:r>
+            <a:r>
+              <a:rPr lang="en-US" altLang="ko-KR" sz="1200" dirty="0">
+                <a:solidFill>
+                  <a:srgbClr val="3F7F5F"/>
+                </a:solidFill>
+                <a:latin typeface="Consolas"/>
+              </a:rPr>
+              <a:t>33</a:t>
+            </a:r>
+            <a:r>
+              <a:rPr lang="ko-KR" altLang="en-US" sz="1200" dirty="0">
+                <a:solidFill>
+                  <a:srgbClr val="3F7F5F"/>
+                </a:solidFill>
+                <a:latin typeface="Consolas"/>
+              </a:rPr>
+              <a:t>쪽</a:t>
+            </a:r>
+          </a:p>
+          <a:p>
+            <a:pPr defTabSz="357188"/>
+            <a:r>
+              <a:rPr lang="en-US" altLang="ko-KR" sz="1200" dirty="0" smtClean="0">
+                <a:solidFill>
+                  <a:srgbClr val="000000"/>
+                </a:solidFill>
+                <a:latin typeface="Consolas"/>
+              </a:rPr>
+              <a:t>		</a:t>
+            </a:r>
+            <a:r>
+              <a:rPr lang="en-US" altLang="ko-KR" sz="1200" dirty="0" err="1" smtClean="0">
+                <a:solidFill>
+                  <a:srgbClr val="000000"/>
+                </a:solidFill>
+                <a:latin typeface="Consolas"/>
+              </a:rPr>
+              <a:t>System.</a:t>
+            </a:r>
+            <a:r>
+              <a:rPr lang="en-US" altLang="ko-KR" sz="1200" b="1" i="1" dirty="0" err="1" smtClean="0">
+                <a:solidFill>
+                  <a:srgbClr val="0000C0"/>
+                </a:solidFill>
+                <a:latin typeface="Consolas"/>
+              </a:rPr>
+              <a:t>out</a:t>
+            </a:r>
+            <a:r>
+              <a:rPr lang="en-US" altLang="ko-KR" sz="1200" b="1" i="1" dirty="0" err="1" smtClean="0">
+                <a:solidFill>
+                  <a:srgbClr val="000000"/>
+                </a:solidFill>
+                <a:latin typeface="Consolas"/>
+              </a:rPr>
+              <a:t>.println</a:t>
+            </a:r>
+            <a:r>
+              <a:rPr lang="en-US" altLang="ko-KR" sz="1200" b="1" i="1" dirty="0" smtClean="0">
+                <a:solidFill>
+                  <a:srgbClr val="000000"/>
+                </a:solidFill>
+                <a:latin typeface="Consolas"/>
+              </a:rPr>
+              <a:t>(0b00000110 </a:t>
+            </a:r>
+            <a:r>
+              <a:rPr lang="en-US" altLang="ko-KR" sz="1200" b="1" i="1" dirty="0">
+                <a:solidFill>
+                  <a:srgbClr val="000000"/>
+                </a:solidFill>
+                <a:latin typeface="Consolas"/>
+              </a:rPr>
+              <a:t>&amp; 0b11111101);</a:t>
+            </a:r>
+          </a:p>
+          <a:p>
+            <a:pPr defTabSz="357188"/>
+            <a:r>
+              <a:rPr lang="en-US" altLang="ko-KR" sz="1200" dirty="0" smtClean="0">
+                <a:solidFill>
+                  <a:srgbClr val="000000"/>
+                </a:solidFill>
+                <a:latin typeface="Consolas"/>
+              </a:rPr>
+              <a:t>		</a:t>
+            </a:r>
+            <a:r>
+              <a:rPr lang="en-US" altLang="ko-KR" sz="1200" dirty="0" err="1" smtClean="0">
+                <a:solidFill>
+                  <a:srgbClr val="000000"/>
+                </a:solidFill>
+                <a:latin typeface="Consolas"/>
+              </a:rPr>
+              <a:t>System.</a:t>
+            </a:r>
+            <a:r>
+              <a:rPr lang="en-US" altLang="ko-KR" sz="1200" b="1" i="1" dirty="0" err="1" smtClean="0">
+                <a:solidFill>
+                  <a:srgbClr val="0000C0"/>
+                </a:solidFill>
+                <a:latin typeface="Consolas"/>
+              </a:rPr>
+              <a:t>out</a:t>
+            </a:r>
+            <a:r>
+              <a:rPr lang="en-US" altLang="ko-KR" sz="1200" b="1" i="1" dirty="0" err="1" smtClean="0">
+                <a:solidFill>
+                  <a:srgbClr val="000000"/>
+                </a:solidFill>
+                <a:latin typeface="Consolas"/>
+              </a:rPr>
+              <a:t>.println</a:t>
+            </a:r>
+            <a:r>
+              <a:rPr lang="en-US" altLang="ko-KR" sz="1200" b="1" i="1" dirty="0" smtClean="0">
+                <a:solidFill>
+                  <a:srgbClr val="000000"/>
+                </a:solidFill>
+                <a:latin typeface="Consolas"/>
+              </a:rPr>
+              <a:t>(0b00000110 </a:t>
+            </a:r>
+            <a:r>
+              <a:rPr lang="en-US" altLang="ko-KR" sz="1200" b="1" i="1" dirty="0">
+                <a:solidFill>
+                  <a:srgbClr val="000000"/>
+                </a:solidFill>
+                <a:latin typeface="Consolas"/>
+              </a:rPr>
+              <a:t>| 0b00001000);</a:t>
+            </a:r>
+          </a:p>
+          <a:p>
+            <a:pPr defTabSz="357188"/>
+            <a:r>
+              <a:rPr lang="en-US" altLang="ko-KR" sz="1200" dirty="0" smtClean="0">
+                <a:solidFill>
+                  <a:srgbClr val="000000"/>
+                </a:solidFill>
+                <a:latin typeface="Consolas"/>
+              </a:rPr>
+              <a:t>		</a:t>
+            </a:r>
+            <a:r>
+              <a:rPr lang="en-US" altLang="ko-KR" sz="1200" dirty="0" err="1" smtClean="0">
+                <a:solidFill>
+                  <a:srgbClr val="000000"/>
+                </a:solidFill>
+                <a:latin typeface="Consolas"/>
+              </a:rPr>
+              <a:t>System.</a:t>
+            </a:r>
+            <a:r>
+              <a:rPr lang="en-US" altLang="ko-KR" sz="1200" b="1" i="1" dirty="0" err="1" smtClean="0">
+                <a:solidFill>
+                  <a:srgbClr val="0000C0"/>
+                </a:solidFill>
+                <a:latin typeface="Consolas"/>
+              </a:rPr>
+              <a:t>out</a:t>
+            </a:r>
+            <a:r>
+              <a:rPr lang="en-US" altLang="ko-KR" sz="1200" b="1" i="1" dirty="0" err="1" smtClean="0">
+                <a:solidFill>
+                  <a:srgbClr val="000000"/>
+                </a:solidFill>
+                <a:latin typeface="Consolas"/>
+              </a:rPr>
+              <a:t>.println</a:t>
+            </a:r>
+            <a:r>
+              <a:rPr lang="en-US" altLang="ko-KR" sz="1200" b="1" i="1" dirty="0" smtClean="0">
+                <a:solidFill>
+                  <a:srgbClr val="000000"/>
+                </a:solidFill>
+                <a:latin typeface="Consolas"/>
+              </a:rPr>
+              <a:t>(0b00000110 </a:t>
+            </a:r>
+            <a:r>
+              <a:rPr lang="en-US" altLang="ko-KR" sz="1200" b="1" i="1" dirty="0">
+                <a:solidFill>
+                  <a:srgbClr val="000000"/>
+                </a:solidFill>
+                <a:latin typeface="Consolas"/>
+              </a:rPr>
+              <a:t>^ 0b00001111);</a:t>
+            </a:r>
+          </a:p>
+          <a:p>
+            <a:pPr defTabSz="357188"/>
+            <a:r>
+              <a:rPr lang="en-US" altLang="ko-KR" sz="1200" dirty="0" smtClean="0">
+                <a:solidFill>
+                  <a:srgbClr val="000000"/>
+                </a:solidFill>
+                <a:latin typeface="Consolas"/>
+              </a:rPr>
+              <a:t>		</a:t>
+            </a:r>
+            <a:r>
+              <a:rPr lang="en-US" altLang="ko-KR" sz="1200" dirty="0" err="1" smtClean="0">
+                <a:solidFill>
+                  <a:srgbClr val="000000"/>
+                </a:solidFill>
+                <a:latin typeface="Consolas"/>
+              </a:rPr>
+              <a:t>System.</a:t>
+            </a:r>
+            <a:r>
+              <a:rPr lang="en-US" altLang="ko-KR" sz="1200" b="1" i="1" dirty="0" err="1" smtClean="0">
+                <a:solidFill>
+                  <a:srgbClr val="0000C0"/>
+                </a:solidFill>
+                <a:latin typeface="Consolas"/>
+              </a:rPr>
+              <a:t>out</a:t>
+            </a:r>
+            <a:r>
+              <a:rPr lang="en-US" altLang="ko-KR" sz="1200" b="1" i="1" dirty="0" err="1" smtClean="0">
+                <a:solidFill>
+                  <a:srgbClr val="000000"/>
+                </a:solidFill>
+                <a:latin typeface="Consolas"/>
+              </a:rPr>
+              <a:t>.println</a:t>
+            </a:r>
+            <a:r>
+              <a:rPr lang="en-US" altLang="ko-KR" sz="1200" b="1" i="1" dirty="0">
+                <a:solidFill>
+                  <a:srgbClr val="000000"/>
+                </a:solidFill>
+                <a:latin typeface="Consolas"/>
+              </a:rPr>
+              <a:t>(~0b00000110);</a:t>
+            </a:r>
+          </a:p>
+          <a:p>
+            <a:pPr defTabSz="357188"/>
+            <a:r>
+              <a:rPr lang="en-US" altLang="ko-KR" sz="1200" dirty="0" smtClean="0">
+                <a:solidFill>
+                  <a:srgbClr val="000000"/>
+                </a:solidFill>
+                <a:latin typeface="Consolas"/>
+              </a:rPr>
+              <a:t>		</a:t>
+            </a:r>
+            <a:r>
+              <a:rPr lang="en-US" altLang="ko-KR" sz="1200" dirty="0" err="1" smtClean="0">
+                <a:solidFill>
+                  <a:srgbClr val="000000"/>
+                </a:solidFill>
+                <a:latin typeface="Consolas"/>
+              </a:rPr>
+              <a:t>System.</a:t>
+            </a:r>
+            <a:r>
+              <a:rPr lang="en-US" altLang="ko-KR" sz="1200" b="1" i="1" dirty="0" err="1" smtClean="0">
+                <a:solidFill>
+                  <a:srgbClr val="0000C0"/>
+                </a:solidFill>
+                <a:latin typeface="Consolas"/>
+              </a:rPr>
+              <a:t>out</a:t>
+            </a:r>
+            <a:r>
+              <a:rPr lang="en-US" altLang="ko-KR" sz="1200" b="1" i="1" dirty="0" err="1" smtClean="0">
+                <a:solidFill>
+                  <a:srgbClr val="000000"/>
+                </a:solidFill>
+                <a:latin typeface="Consolas"/>
+              </a:rPr>
+              <a:t>.println</a:t>
+            </a:r>
+            <a:r>
+              <a:rPr lang="en-US" altLang="ko-KR" sz="1200" b="1" i="1" dirty="0" smtClean="0">
+                <a:solidFill>
+                  <a:srgbClr val="000000"/>
+                </a:solidFill>
+                <a:latin typeface="Consolas"/>
+              </a:rPr>
+              <a:t>(0b00010100 </a:t>
+            </a:r>
+            <a:r>
+              <a:rPr lang="en-US" altLang="ko-KR" sz="1200" b="1" i="1" dirty="0">
+                <a:solidFill>
+                  <a:srgbClr val="000000"/>
+                </a:solidFill>
+                <a:latin typeface="Consolas"/>
+              </a:rPr>
+              <a:t>&gt;&gt; 2);</a:t>
+            </a:r>
+          </a:p>
+          <a:p>
+            <a:pPr defTabSz="357188"/>
+            <a:r>
+              <a:rPr lang="en-US" altLang="ko-KR" sz="1200" dirty="0" smtClean="0">
+                <a:solidFill>
+                  <a:srgbClr val="000000"/>
+                </a:solidFill>
+                <a:latin typeface="Consolas"/>
+              </a:rPr>
+              <a:t>		</a:t>
+            </a:r>
+            <a:r>
+              <a:rPr lang="en-US" altLang="ko-KR" sz="1200" dirty="0" err="1" smtClean="0">
+                <a:solidFill>
+                  <a:srgbClr val="000000"/>
+                </a:solidFill>
+                <a:latin typeface="Consolas"/>
+              </a:rPr>
+              <a:t>System.</a:t>
+            </a:r>
+            <a:r>
+              <a:rPr lang="en-US" altLang="ko-KR" sz="1200" b="1" i="1" dirty="0" err="1" smtClean="0">
+                <a:solidFill>
+                  <a:srgbClr val="0000C0"/>
+                </a:solidFill>
+                <a:latin typeface="Consolas"/>
+              </a:rPr>
+              <a:t>out</a:t>
+            </a:r>
+            <a:r>
+              <a:rPr lang="en-US" altLang="ko-KR" sz="1200" b="1" i="1" dirty="0" err="1" smtClean="0">
+                <a:solidFill>
+                  <a:srgbClr val="000000"/>
+                </a:solidFill>
+                <a:latin typeface="Consolas"/>
+              </a:rPr>
+              <a:t>.println</a:t>
+            </a:r>
+            <a:r>
+              <a:rPr lang="en-US" altLang="ko-KR" sz="1200" b="1" i="1" dirty="0" smtClean="0">
+                <a:solidFill>
+                  <a:srgbClr val="000000"/>
+                </a:solidFill>
+                <a:latin typeface="Consolas"/>
+              </a:rPr>
+              <a:t>(0b00010100 </a:t>
+            </a:r>
+            <a:r>
+              <a:rPr lang="en-US" altLang="ko-KR" sz="1200" b="1" i="1" dirty="0">
+                <a:solidFill>
+                  <a:srgbClr val="000000"/>
+                </a:solidFill>
+                <a:latin typeface="Consolas"/>
+              </a:rPr>
+              <a:t>&lt;&lt; 2</a:t>
+            </a:r>
+            <a:r>
+              <a:rPr lang="en-US" altLang="ko-KR" sz="1200" b="1" i="1" dirty="0" smtClean="0">
+                <a:solidFill>
+                  <a:srgbClr val="000000"/>
+                </a:solidFill>
+                <a:latin typeface="Consolas"/>
+              </a:rPr>
+              <a:t>);</a:t>
+            </a:r>
+          </a:p>
+          <a:p>
+            <a:pPr defTabSz="357188"/>
+            <a:endParaRPr lang="en-US" altLang="ko-KR" sz="1200" b="1" i="1" dirty="0">
+              <a:solidFill>
+                <a:srgbClr val="000000"/>
+              </a:solidFill>
+              <a:latin typeface="Consolas"/>
+            </a:endParaRPr>
+          </a:p>
+          <a:p>
+            <a:pPr defTabSz="357188"/>
+            <a:r>
+              <a:rPr lang="en-US" altLang="ko-KR" sz="1200" dirty="0" smtClean="0">
+                <a:solidFill>
+                  <a:srgbClr val="000000"/>
+                </a:solidFill>
+                <a:latin typeface="Consolas"/>
+              </a:rPr>
+              <a:t>		</a:t>
+            </a:r>
+            <a:r>
+              <a:rPr lang="en-US" altLang="ko-KR" sz="1200" dirty="0" err="1" smtClean="0">
+                <a:solidFill>
+                  <a:srgbClr val="000000"/>
+                </a:solidFill>
+                <a:latin typeface="Consolas"/>
+              </a:rPr>
+              <a:t>System.</a:t>
+            </a:r>
+            <a:r>
+              <a:rPr lang="en-US" altLang="ko-KR" sz="1200" b="1" i="1" dirty="0" err="1" smtClean="0">
+                <a:solidFill>
+                  <a:srgbClr val="0000C0"/>
+                </a:solidFill>
+                <a:latin typeface="Consolas"/>
+              </a:rPr>
+              <a:t>out</a:t>
+            </a:r>
+            <a:r>
+              <a:rPr lang="en-US" altLang="ko-KR" sz="1200" b="1" i="1" dirty="0" err="1" smtClean="0">
+                <a:solidFill>
+                  <a:srgbClr val="000000"/>
+                </a:solidFill>
+                <a:latin typeface="Consolas"/>
+              </a:rPr>
+              <a:t>.println</a:t>
+            </a:r>
+            <a:r>
+              <a:rPr lang="en-US" altLang="ko-KR" sz="1200" b="1" i="1" dirty="0" smtClean="0">
+                <a:solidFill>
+                  <a:srgbClr val="000000"/>
+                </a:solidFill>
+                <a:latin typeface="Consolas"/>
+              </a:rPr>
+              <a:t>(0b10010100 </a:t>
+            </a:r>
+            <a:r>
+              <a:rPr lang="en-US" altLang="ko-KR" sz="1200" b="1" i="1" dirty="0">
+                <a:solidFill>
+                  <a:srgbClr val="000000"/>
+                </a:solidFill>
+                <a:latin typeface="Consolas"/>
+              </a:rPr>
+              <a:t>&gt;&gt; 2);</a:t>
+            </a:r>
+          </a:p>
+          <a:p>
+            <a:pPr defTabSz="357188"/>
+            <a:r>
+              <a:rPr lang="en-US" altLang="ko-KR" sz="1200" dirty="0" smtClean="0">
+                <a:solidFill>
+                  <a:srgbClr val="000000"/>
+                </a:solidFill>
+                <a:latin typeface="Consolas"/>
+              </a:rPr>
+              <a:t>		</a:t>
+            </a:r>
+            <a:r>
+              <a:rPr lang="en-US" altLang="ko-KR" sz="1200" dirty="0" err="1" smtClean="0">
+                <a:solidFill>
+                  <a:srgbClr val="000000"/>
+                </a:solidFill>
+                <a:latin typeface="Consolas"/>
+              </a:rPr>
+              <a:t>System.</a:t>
+            </a:r>
+            <a:r>
+              <a:rPr lang="en-US" altLang="ko-KR" sz="1200" b="1" i="1" dirty="0" err="1" smtClean="0">
+                <a:solidFill>
+                  <a:srgbClr val="0000C0"/>
+                </a:solidFill>
+                <a:latin typeface="Consolas"/>
+              </a:rPr>
+              <a:t>out</a:t>
+            </a:r>
+            <a:r>
+              <a:rPr lang="en-US" altLang="ko-KR" sz="1200" b="1" i="1" dirty="0" err="1" smtClean="0">
+                <a:solidFill>
+                  <a:srgbClr val="000000"/>
+                </a:solidFill>
+                <a:latin typeface="Consolas"/>
+              </a:rPr>
+              <a:t>.println</a:t>
+            </a:r>
+            <a:r>
+              <a:rPr lang="en-US" altLang="ko-KR" sz="1200" b="1" i="1" dirty="0" smtClean="0">
+                <a:solidFill>
+                  <a:srgbClr val="000000"/>
+                </a:solidFill>
+                <a:latin typeface="Consolas"/>
+              </a:rPr>
+              <a:t>(0b10010100 </a:t>
+            </a:r>
+            <a:r>
+              <a:rPr lang="en-US" altLang="ko-KR" sz="1200" b="1" i="1" dirty="0">
+                <a:solidFill>
+                  <a:srgbClr val="000000"/>
+                </a:solidFill>
+                <a:latin typeface="Consolas"/>
+              </a:rPr>
+              <a:t>&gt;&gt;&gt; 2</a:t>
+            </a:r>
+            <a:r>
+              <a:rPr lang="en-US" altLang="ko-KR" sz="1200" b="1" i="1" dirty="0" smtClean="0">
+                <a:solidFill>
+                  <a:srgbClr val="000000"/>
+                </a:solidFill>
+                <a:latin typeface="Consolas"/>
+              </a:rPr>
+              <a:t>);</a:t>
+            </a:r>
+          </a:p>
+          <a:p>
+            <a:pPr defTabSz="357188"/>
+            <a:endParaRPr lang="en-US" altLang="ko-KR" sz="1200" b="1" i="1" dirty="0">
+              <a:solidFill>
+                <a:srgbClr val="000000"/>
+              </a:solidFill>
+              <a:latin typeface="Consolas"/>
+            </a:endParaRPr>
+          </a:p>
+          <a:p>
+            <a:pPr defTabSz="357188"/>
+            <a:r>
+              <a:rPr lang="en-US" altLang="ko-KR" sz="1200" dirty="0" smtClean="0">
+                <a:solidFill>
+                  <a:srgbClr val="000000"/>
+                </a:solidFill>
+                <a:latin typeface="Consolas"/>
+              </a:rPr>
+              <a:t>		</a:t>
+            </a:r>
+            <a:r>
+              <a:rPr lang="en-US" altLang="ko-KR" sz="1200" dirty="0" err="1" smtClean="0">
+                <a:solidFill>
+                  <a:srgbClr val="000000"/>
+                </a:solidFill>
+                <a:latin typeface="Consolas"/>
+              </a:rPr>
+              <a:t>System.</a:t>
+            </a:r>
+            <a:r>
+              <a:rPr lang="en-US" altLang="ko-KR" sz="1200" b="1" i="1" dirty="0" err="1" smtClean="0">
+                <a:solidFill>
+                  <a:srgbClr val="0000C0"/>
+                </a:solidFill>
+                <a:latin typeface="Consolas"/>
+              </a:rPr>
+              <a:t>out</a:t>
+            </a:r>
+            <a:r>
+              <a:rPr lang="en-US" altLang="ko-KR" sz="1200" b="1" i="1" dirty="0" err="1" smtClean="0">
+                <a:solidFill>
+                  <a:srgbClr val="000000"/>
+                </a:solidFill>
+                <a:latin typeface="Consolas"/>
+              </a:rPr>
+              <a:t>.printf</a:t>
+            </a:r>
+            <a:r>
+              <a:rPr lang="en-US" altLang="ko-KR" sz="1200" b="1" i="1" dirty="0">
+                <a:solidFill>
+                  <a:srgbClr val="000000"/>
+                </a:solidFill>
+                <a:latin typeface="Consolas"/>
+              </a:rPr>
+              <a:t>(</a:t>
+            </a:r>
+            <a:r>
+              <a:rPr lang="en-US" altLang="ko-KR" sz="1200" b="1" i="1" dirty="0">
+                <a:solidFill>
+                  <a:srgbClr val="2A00FF"/>
+                </a:solidFill>
+                <a:latin typeface="Consolas"/>
+              </a:rPr>
+              <a:t>"%d, %d"</a:t>
+            </a:r>
+            <a:r>
+              <a:rPr lang="en-US" altLang="ko-KR" sz="1200" b="1" i="1" dirty="0">
+                <a:solidFill>
+                  <a:srgbClr val="000000"/>
+                </a:solidFill>
+                <a:latin typeface="Consolas"/>
+              </a:rPr>
+              <a:t>, 0b1 &lt;&lt; 31, (0b1 &lt;&lt; 31)-1</a:t>
+            </a:r>
+            <a:r>
+              <a:rPr lang="en-US" altLang="ko-KR" sz="1200" b="1" i="1" dirty="0" smtClean="0">
+                <a:solidFill>
+                  <a:srgbClr val="000000"/>
+                </a:solidFill>
+                <a:latin typeface="Consolas"/>
+              </a:rPr>
+              <a:t>);</a:t>
+            </a:r>
+          </a:p>
+          <a:p>
+            <a:pPr defTabSz="357188"/>
+            <a:endParaRPr lang="en-US" altLang="ko-KR" sz="1200" b="1" i="1" dirty="0">
+              <a:solidFill>
+                <a:srgbClr val="000000"/>
+              </a:solidFill>
+              <a:latin typeface="Consolas"/>
+            </a:endParaRPr>
+          </a:p>
+          <a:p>
+            <a:pPr defTabSz="357188"/>
+            <a:r>
+              <a:rPr lang="en-US" altLang="ko-KR" sz="1200" dirty="0" smtClean="0">
+                <a:solidFill>
+                  <a:srgbClr val="3F7F5F"/>
+                </a:solidFill>
+                <a:latin typeface="Consolas"/>
+              </a:rPr>
+              <a:t>		//</a:t>
+            </a:r>
+            <a:r>
+              <a:rPr lang="ko-KR" altLang="en-US" sz="1200" dirty="0">
+                <a:solidFill>
+                  <a:srgbClr val="3F7F5F"/>
+                </a:solidFill>
+                <a:latin typeface="Consolas"/>
+              </a:rPr>
+              <a:t>조건연산자</a:t>
+            </a:r>
+            <a:r>
+              <a:rPr lang="en-US" altLang="ko-KR" sz="1200" dirty="0">
+                <a:solidFill>
+                  <a:srgbClr val="3F7F5F"/>
+                </a:solidFill>
+                <a:latin typeface="Consolas"/>
+              </a:rPr>
+              <a:t>(</a:t>
+            </a:r>
+            <a:r>
+              <a:rPr lang="ko-KR" altLang="en-US" sz="1200" dirty="0" err="1">
+                <a:solidFill>
+                  <a:srgbClr val="3F7F5F"/>
+                </a:solidFill>
+                <a:latin typeface="Consolas"/>
+              </a:rPr>
+              <a:t>삼항연산자</a:t>
+            </a:r>
+            <a:r>
+              <a:rPr lang="en-US" altLang="ko-KR" sz="1200" dirty="0">
+                <a:solidFill>
+                  <a:srgbClr val="3F7F5F"/>
+                </a:solidFill>
+                <a:latin typeface="Consolas"/>
+              </a:rPr>
+              <a:t>): </a:t>
+            </a:r>
+            <a:r>
+              <a:rPr lang="ko-KR" altLang="en-US" sz="1200" dirty="0">
+                <a:solidFill>
+                  <a:srgbClr val="3F7F5F"/>
+                </a:solidFill>
+                <a:latin typeface="Consolas"/>
+              </a:rPr>
+              <a:t>교과서 </a:t>
+            </a:r>
+            <a:r>
+              <a:rPr lang="en-US" altLang="ko-KR" sz="1200" dirty="0">
+                <a:solidFill>
+                  <a:srgbClr val="3F7F5F"/>
+                </a:solidFill>
+                <a:latin typeface="Consolas"/>
+              </a:rPr>
+              <a:t>34</a:t>
+            </a:r>
+            <a:r>
+              <a:rPr lang="ko-KR" altLang="en-US" sz="1200" dirty="0">
+                <a:solidFill>
+                  <a:srgbClr val="3F7F5F"/>
+                </a:solidFill>
+                <a:latin typeface="Consolas"/>
+              </a:rPr>
+              <a:t>쪽</a:t>
+            </a:r>
+          </a:p>
+          <a:p>
+            <a:pPr defTabSz="357188"/>
+            <a:r>
+              <a:rPr lang="en-US" altLang="ko-KR" sz="1200" dirty="0" smtClean="0">
+                <a:solidFill>
+                  <a:srgbClr val="6A3E3E"/>
+                </a:solidFill>
+                <a:latin typeface="Consolas"/>
+              </a:rPr>
+              <a:t>		a</a:t>
+            </a:r>
+            <a:r>
+              <a:rPr lang="en-US" altLang="ko-KR" sz="1200" dirty="0" smtClean="0">
+                <a:solidFill>
+                  <a:srgbClr val="000000"/>
+                </a:solidFill>
+                <a:latin typeface="Consolas"/>
+              </a:rPr>
+              <a:t>=2</a:t>
+            </a:r>
+            <a:r>
+              <a:rPr lang="en-US" altLang="ko-KR" sz="1200" dirty="0">
+                <a:solidFill>
+                  <a:srgbClr val="000000"/>
+                </a:solidFill>
+                <a:latin typeface="Consolas"/>
+              </a:rPr>
+              <a:t>; </a:t>
+            </a:r>
+            <a:r>
+              <a:rPr lang="en-US" altLang="ko-KR" sz="1200" dirty="0">
+                <a:solidFill>
+                  <a:srgbClr val="6A3E3E"/>
+                </a:solidFill>
+                <a:latin typeface="Consolas"/>
+              </a:rPr>
+              <a:t>b</a:t>
+            </a:r>
+            <a:r>
+              <a:rPr lang="en-US" altLang="ko-KR" sz="1200" dirty="0">
+                <a:solidFill>
+                  <a:srgbClr val="000000"/>
+                </a:solidFill>
+                <a:latin typeface="Consolas"/>
+              </a:rPr>
+              <a:t>=3;</a:t>
+            </a:r>
+          </a:p>
+          <a:p>
+            <a:pPr defTabSz="357188"/>
+            <a:r>
+              <a:rPr lang="en-US" altLang="ko-KR" sz="1200" dirty="0" smtClean="0">
+                <a:solidFill>
+                  <a:srgbClr val="000000"/>
+                </a:solidFill>
+                <a:latin typeface="Consolas"/>
+              </a:rPr>
+              <a:t>		</a:t>
+            </a:r>
+            <a:r>
+              <a:rPr lang="en-US" altLang="ko-KR" sz="1200" dirty="0" err="1" smtClean="0">
+                <a:solidFill>
+                  <a:srgbClr val="000000"/>
+                </a:solidFill>
+                <a:latin typeface="Consolas"/>
+              </a:rPr>
+              <a:t>System.</a:t>
+            </a:r>
+            <a:r>
+              <a:rPr lang="en-US" altLang="ko-KR" sz="1200" b="1" i="1" dirty="0" err="1" smtClean="0">
+                <a:solidFill>
+                  <a:srgbClr val="0000C0"/>
+                </a:solidFill>
+                <a:latin typeface="Consolas"/>
+              </a:rPr>
+              <a:t>out</a:t>
+            </a:r>
+            <a:r>
+              <a:rPr lang="en-US" altLang="ko-KR" sz="1200" b="1" i="1" dirty="0" err="1" smtClean="0">
+                <a:solidFill>
+                  <a:srgbClr val="000000"/>
+                </a:solidFill>
+                <a:latin typeface="Consolas"/>
+              </a:rPr>
+              <a:t>.println</a:t>
+            </a:r>
+            <a:r>
+              <a:rPr lang="en-US" altLang="ko-KR" sz="1200" b="1" i="1" dirty="0">
+                <a:solidFill>
+                  <a:srgbClr val="000000"/>
+                </a:solidFill>
+                <a:latin typeface="Consolas"/>
+              </a:rPr>
+              <a:t>(</a:t>
+            </a:r>
+            <a:r>
+              <a:rPr lang="en-US" altLang="ko-KR" sz="1200" b="1" i="1" dirty="0">
+                <a:solidFill>
+                  <a:srgbClr val="2A00FF"/>
+                </a:solidFill>
+                <a:latin typeface="Consolas"/>
+              </a:rPr>
+              <a:t>"</a:t>
+            </a:r>
+            <a:r>
+              <a:rPr lang="ko-KR" altLang="en-US" sz="1200" b="1" i="1" dirty="0">
+                <a:solidFill>
+                  <a:srgbClr val="2A00FF"/>
+                </a:solidFill>
+                <a:latin typeface="Consolas"/>
+              </a:rPr>
+              <a:t>큰 값</a:t>
+            </a:r>
+            <a:r>
+              <a:rPr lang="en-US" altLang="ko-KR" sz="1200" b="1" i="1" dirty="0">
+                <a:solidFill>
+                  <a:srgbClr val="2A00FF"/>
+                </a:solidFill>
+                <a:latin typeface="Consolas"/>
+              </a:rPr>
+              <a:t>: \n"</a:t>
+            </a:r>
+            <a:r>
+              <a:rPr lang="en-US" altLang="ko-KR" sz="1200" b="1" i="1" dirty="0">
+                <a:solidFill>
+                  <a:srgbClr val="000000"/>
+                </a:solidFill>
+                <a:latin typeface="Consolas"/>
+              </a:rPr>
+              <a:t> + (</a:t>
+            </a:r>
+            <a:r>
+              <a:rPr lang="en-US" altLang="ko-KR" sz="1200" b="1" i="1" dirty="0">
+                <a:solidFill>
+                  <a:srgbClr val="6A3E3E"/>
+                </a:solidFill>
+                <a:latin typeface="Consolas"/>
+              </a:rPr>
+              <a:t>a</a:t>
+            </a:r>
+            <a:r>
+              <a:rPr lang="en-US" altLang="ko-KR" sz="1200" b="1" i="1" dirty="0">
+                <a:solidFill>
+                  <a:srgbClr val="000000"/>
+                </a:solidFill>
+                <a:latin typeface="Consolas"/>
+              </a:rPr>
+              <a:t>&gt;</a:t>
+            </a:r>
+            <a:r>
+              <a:rPr lang="en-US" altLang="ko-KR" sz="1200" b="1" i="1" dirty="0" err="1">
+                <a:solidFill>
+                  <a:srgbClr val="6A3E3E"/>
+                </a:solidFill>
+                <a:latin typeface="Consolas"/>
+              </a:rPr>
+              <a:t>b</a:t>
+            </a:r>
+            <a:r>
+              <a:rPr lang="en-US" altLang="ko-KR" sz="1200" b="1" i="1" dirty="0" err="1">
+                <a:solidFill>
+                  <a:srgbClr val="000000"/>
+                </a:solidFill>
+                <a:latin typeface="Consolas"/>
+              </a:rPr>
+              <a:t>?</a:t>
+            </a:r>
+            <a:r>
+              <a:rPr lang="en-US" altLang="ko-KR" sz="1200" b="1" i="1" dirty="0" err="1">
+                <a:solidFill>
+                  <a:srgbClr val="6A3E3E"/>
+                </a:solidFill>
+                <a:latin typeface="Consolas"/>
+              </a:rPr>
+              <a:t>a</a:t>
+            </a:r>
+            <a:r>
+              <a:rPr lang="en-US" altLang="ko-KR" sz="1200" b="1" i="1" dirty="0" err="1">
+                <a:solidFill>
+                  <a:srgbClr val="000000"/>
+                </a:solidFill>
+                <a:latin typeface="Consolas"/>
+              </a:rPr>
+              <a:t>:</a:t>
+            </a:r>
+            <a:r>
+              <a:rPr lang="en-US" altLang="ko-KR" sz="1200" b="1" i="1" dirty="0" err="1">
+                <a:solidFill>
+                  <a:srgbClr val="6A3E3E"/>
+                </a:solidFill>
+                <a:latin typeface="Consolas"/>
+              </a:rPr>
+              <a:t>b</a:t>
+            </a:r>
+            <a:r>
+              <a:rPr lang="en-US" altLang="ko-KR" sz="1200" b="1" i="1" dirty="0">
+                <a:solidFill>
+                  <a:srgbClr val="000000"/>
+                </a:solidFill>
+                <a:latin typeface="Consolas"/>
+              </a:rPr>
+              <a:t>));</a:t>
+            </a:r>
+          </a:p>
+          <a:p>
+            <a:pPr defTabSz="357188"/>
+            <a:endParaRPr lang="ko-KR" altLang="en-US" sz="1200" dirty="0">
+              <a:latin typeface="Consolas"/>
+            </a:endParaRPr>
+          </a:p>
+          <a:p>
+            <a:pPr defTabSz="357188"/>
+            <a:r>
+              <a:rPr lang="en-US" altLang="ko-KR" sz="1200" b="1" dirty="0" smtClean="0">
+                <a:solidFill>
+                  <a:srgbClr val="7F0055"/>
+                </a:solidFill>
+                <a:latin typeface="Consolas"/>
+              </a:rPr>
+              <a:t>		</a:t>
+            </a:r>
+            <a:r>
+              <a:rPr lang="en-US" altLang="ko-KR" sz="1200" b="1" dirty="0" err="1" smtClean="0">
+                <a:solidFill>
+                  <a:srgbClr val="7F0055"/>
+                </a:solidFill>
+                <a:latin typeface="Consolas"/>
+              </a:rPr>
+              <a:t>int</a:t>
+            </a:r>
+            <a:r>
+              <a:rPr lang="en-US" altLang="ko-KR" sz="1200" b="1" dirty="0" smtClean="0">
+                <a:solidFill>
+                  <a:srgbClr val="000000"/>
+                </a:solidFill>
+                <a:latin typeface="Consolas"/>
+              </a:rPr>
+              <a:t> </a:t>
+            </a:r>
+            <a:r>
+              <a:rPr lang="en-US" altLang="ko-KR" sz="1200" b="1" dirty="0">
+                <a:solidFill>
+                  <a:srgbClr val="6A3E3E"/>
+                </a:solidFill>
+                <a:latin typeface="Consolas"/>
+              </a:rPr>
+              <a:t>o</a:t>
+            </a:r>
+            <a:r>
+              <a:rPr lang="en-US" altLang="ko-KR" sz="1200" b="1" dirty="0">
+                <a:solidFill>
+                  <a:srgbClr val="000000"/>
+                </a:solidFill>
+                <a:latin typeface="Consolas"/>
+              </a:rPr>
+              <a:t>, </a:t>
+            </a:r>
+            <a:r>
+              <a:rPr lang="en-US" altLang="ko-KR" sz="1200" b="1" dirty="0">
+                <a:solidFill>
+                  <a:srgbClr val="6A3E3E"/>
+                </a:solidFill>
+                <a:latin typeface="Consolas"/>
+              </a:rPr>
+              <a:t>p</a:t>
+            </a:r>
+            <a:r>
+              <a:rPr lang="en-US" altLang="ko-KR" sz="1200" b="1" dirty="0">
+                <a:solidFill>
+                  <a:srgbClr val="000000"/>
+                </a:solidFill>
+                <a:latin typeface="Consolas"/>
+              </a:rPr>
+              <a:t>, </a:t>
+            </a:r>
+            <a:r>
+              <a:rPr lang="en-US" altLang="ko-KR" sz="1200" b="1" dirty="0">
+                <a:solidFill>
+                  <a:srgbClr val="6A3E3E"/>
+                </a:solidFill>
+                <a:latin typeface="Consolas"/>
+              </a:rPr>
+              <a:t>q</a:t>
+            </a:r>
+            <a:r>
+              <a:rPr lang="en-US" altLang="ko-KR" sz="1200" b="1" dirty="0">
+                <a:solidFill>
+                  <a:srgbClr val="000000"/>
+                </a:solidFill>
+                <a:latin typeface="Consolas"/>
+              </a:rPr>
+              <a:t>; </a:t>
+            </a:r>
+          </a:p>
+          <a:p>
+            <a:pPr defTabSz="357188"/>
+            <a:r>
+              <a:rPr lang="en-US" altLang="ko-KR" sz="1200" dirty="0" smtClean="0">
+                <a:solidFill>
+                  <a:srgbClr val="6A3E3E"/>
+                </a:solidFill>
+                <a:latin typeface="Consolas"/>
+              </a:rPr>
+              <a:t>		o</a:t>
+            </a:r>
+            <a:r>
+              <a:rPr lang="en-US" altLang="ko-KR" sz="1200" dirty="0" smtClean="0">
+                <a:solidFill>
+                  <a:srgbClr val="000000"/>
+                </a:solidFill>
+                <a:latin typeface="Consolas"/>
+              </a:rPr>
+              <a:t>=2</a:t>
+            </a:r>
+            <a:r>
+              <a:rPr lang="en-US" altLang="ko-KR" sz="1200" dirty="0">
+                <a:solidFill>
+                  <a:srgbClr val="000000"/>
+                </a:solidFill>
+                <a:latin typeface="Consolas"/>
+              </a:rPr>
+              <a:t>; </a:t>
+            </a:r>
+            <a:r>
+              <a:rPr lang="en-US" altLang="ko-KR" sz="1200" dirty="0">
+                <a:solidFill>
+                  <a:srgbClr val="6A3E3E"/>
+                </a:solidFill>
+                <a:latin typeface="Consolas"/>
+              </a:rPr>
+              <a:t>p</a:t>
+            </a:r>
+            <a:r>
+              <a:rPr lang="en-US" altLang="ko-KR" sz="1200" dirty="0">
+                <a:solidFill>
+                  <a:srgbClr val="000000"/>
+                </a:solidFill>
+                <a:latin typeface="Consolas"/>
+              </a:rPr>
+              <a:t>=10; </a:t>
+            </a:r>
+            <a:r>
+              <a:rPr lang="en-US" altLang="ko-KR" sz="1200" dirty="0">
+                <a:solidFill>
+                  <a:srgbClr val="6A3E3E"/>
+                </a:solidFill>
+                <a:latin typeface="Consolas"/>
+              </a:rPr>
+              <a:t>q</a:t>
+            </a:r>
+            <a:r>
+              <a:rPr lang="en-US" altLang="ko-KR" sz="1200" dirty="0">
+                <a:solidFill>
+                  <a:srgbClr val="000000"/>
+                </a:solidFill>
+                <a:latin typeface="Consolas"/>
+              </a:rPr>
+              <a:t>=15;</a:t>
+            </a:r>
+          </a:p>
+          <a:p>
+            <a:pPr defTabSz="357188"/>
+            <a:r>
+              <a:rPr lang="en-US" altLang="ko-KR" sz="1200" dirty="0" smtClean="0">
+                <a:solidFill>
+                  <a:srgbClr val="000000"/>
+                </a:solidFill>
+                <a:latin typeface="Consolas"/>
+              </a:rPr>
+              <a:t>		</a:t>
+            </a:r>
+            <a:r>
+              <a:rPr lang="en-US" altLang="ko-KR" sz="1200" dirty="0" err="1" smtClean="0">
+                <a:solidFill>
+                  <a:srgbClr val="000000"/>
+                </a:solidFill>
+                <a:latin typeface="Consolas"/>
+              </a:rPr>
+              <a:t>System.</a:t>
+            </a:r>
+            <a:r>
+              <a:rPr lang="en-US" altLang="ko-KR" sz="1200" b="1" i="1" dirty="0" err="1" smtClean="0">
+                <a:solidFill>
+                  <a:srgbClr val="0000C0"/>
+                </a:solidFill>
+                <a:latin typeface="Consolas"/>
+              </a:rPr>
+              <a:t>out</a:t>
+            </a:r>
+            <a:r>
+              <a:rPr lang="en-US" altLang="ko-KR" sz="1200" b="1" i="1" dirty="0" err="1" smtClean="0">
+                <a:solidFill>
+                  <a:srgbClr val="000000"/>
+                </a:solidFill>
+                <a:latin typeface="Consolas"/>
+              </a:rPr>
+              <a:t>.println</a:t>
+            </a:r>
+            <a:r>
+              <a:rPr lang="en-US" altLang="ko-KR" sz="1200" b="1" i="1" dirty="0">
+                <a:solidFill>
+                  <a:srgbClr val="000000"/>
+                </a:solidFill>
+                <a:latin typeface="Consolas"/>
+              </a:rPr>
+              <a:t>(</a:t>
+            </a:r>
+            <a:r>
+              <a:rPr lang="en-US" altLang="ko-KR" sz="1200" b="1" i="1" dirty="0">
+                <a:solidFill>
+                  <a:srgbClr val="2A00FF"/>
+                </a:solidFill>
+                <a:latin typeface="Consolas"/>
+              </a:rPr>
+              <a:t>"</a:t>
+            </a:r>
+            <a:r>
+              <a:rPr lang="ko-KR" altLang="en-US" sz="1200" b="1" i="1" dirty="0">
+                <a:solidFill>
+                  <a:srgbClr val="2A00FF"/>
+                </a:solidFill>
+                <a:latin typeface="Consolas"/>
+              </a:rPr>
+              <a:t>최대값</a:t>
+            </a:r>
+            <a:r>
+              <a:rPr lang="en-US" altLang="ko-KR" sz="1200" b="1" i="1" dirty="0">
+                <a:solidFill>
+                  <a:srgbClr val="2A00FF"/>
+                </a:solidFill>
+                <a:latin typeface="Consolas"/>
+              </a:rPr>
+              <a:t>: "</a:t>
+            </a:r>
+            <a:r>
+              <a:rPr lang="ko-KR" altLang="en-US" sz="1200" b="1" i="1" dirty="0">
+                <a:solidFill>
+                  <a:srgbClr val="000000"/>
+                </a:solidFill>
+                <a:latin typeface="Consolas"/>
+              </a:rPr>
+              <a:t> </a:t>
+            </a:r>
+            <a:r>
+              <a:rPr lang="en-US" altLang="ko-KR" sz="1200" b="1" i="1" dirty="0">
+                <a:solidFill>
+                  <a:srgbClr val="000000"/>
+                </a:solidFill>
+                <a:latin typeface="Consolas"/>
+              </a:rPr>
+              <a:t>+ (</a:t>
+            </a:r>
+            <a:r>
+              <a:rPr lang="en-US" altLang="ko-KR" sz="1200" b="1" i="1" dirty="0">
+                <a:solidFill>
+                  <a:srgbClr val="6A3E3E"/>
+                </a:solidFill>
+                <a:latin typeface="Consolas"/>
+              </a:rPr>
+              <a:t>o</a:t>
+            </a:r>
+            <a:r>
+              <a:rPr lang="en-US" altLang="ko-KR" sz="1200" b="1" i="1" dirty="0">
+                <a:solidFill>
+                  <a:srgbClr val="000000"/>
+                </a:solidFill>
+                <a:latin typeface="Consolas"/>
+              </a:rPr>
+              <a:t>&gt;</a:t>
+            </a:r>
+            <a:r>
+              <a:rPr lang="en-US" altLang="ko-KR" sz="1200" b="1" i="1" dirty="0">
+                <a:solidFill>
+                  <a:srgbClr val="6A3E3E"/>
+                </a:solidFill>
+                <a:latin typeface="Consolas"/>
+              </a:rPr>
+              <a:t>p</a:t>
+            </a:r>
+            <a:r>
+              <a:rPr lang="en-US" altLang="ko-KR" sz="1200" b="1" i="1" dirty="0">
+                <a:solidFill>
+                  <a:srgbClr val="000000"/>
+                </a:solidFill>
+                <a:latin typeface="Consolas"/>
+              </a:rPr>
+              <a:t>&amp;&amp;</a:t>
+            </a:r>
+            <a:r>
+              <a:rPr lang="en-US" altLang="ko-KR" sz="1200" b="1" i="1" dirty="0">
+                <a:solidFill>
+                  <a:srgbClr val="6A3E3E"/>
+                </a:solidFill>
+                <a:latin typeface="Consolas"/>
+              </a:rPr>
+              <a:t>o</a:t>
+            </a:r>
+            <a:r>
+              <a:rPr lang="en-US" altLang="ko-KR" sz="1200" b="1" i="1" dirty="0">
+                <a:solidFill>
+                  <a:srgbClr val="000000"/>
+                </a:solidFill>
+                <a:latin typeface="Consolas"/>
+              </a:rPr>
+              <a:t>&gt;</a:t>
+            </a:r>
+            <a:r>
+              <a:rPr lang="en-US" altLang="ko-KR" sz="1200" b="1" i="1" dirty="0" err="1">
+                <a:solidFill>
+                  <a:srgbClr val="6A3E3E"/>
+                </a:solidFill>
+                <a:latin typeface="Consolas"/>
+              </a:rPr>
+              <a:t>q</a:t>
+            </a:r>
+            <a:r>
+              <a:rPr lang="en-US" altLang="ko-KR" sz="1200" b="1" i="1" dirty="0" err="1">
+                <a:solidFill>
+                  <a:srgbClr val="000000"/>
+                </a:solidFill>
+                <a:latin typeface="Consolas"/>
+              </a:rPr>
+              <a:t>?</a:t>
+            </a:r>
+            <a:r>
+              <a:rPr lang="en-US" altLang="ko-KR" sz="1200" b="1" i="1" dirty="0" err="1">
+                <a:solidFill>
+                  <a:srgbClr val="6A3E3E"/>
+                </a:solidFill>
+                <a:latin typeface="Consolas"/>
+              </a:rPr>
+              <a:t>o</a:t>
+            </a:r>
+            <a:r>
+              <a:rPr lang="en-US" altLang="ko-KR" sz="1200" b="1" i="1" dirty="0">
+                <a:solidFill>
+                  <a:srgbClr val="000000"/>
+                </a:solidFill>
+                <a:latin typeface="Consolas"/>
+              </a:rPr>
+              <a:t>:(</a:t>
+            </a:r>
+            <a:r>
+              <a:rPr lang="en-US" altLang="ko-KR" sz="1200" b="1" i="1" dirty="0">
+                <a:solidFill>
+                  <a:srgbClr val="6A3E3E"/>
+                </a:solidFill>
+                <a:latin typeface="Consolas"/>
+              </a:rPr>
+              <a:t>p</a:t>
+            </a:r>
+            <a:r>
+              <a:rPr lang="en-US" altLang="ko-KR" sz="1200" b="1" i="1" dirty="0">
+                <a:solidFill>
+                  <a:srgbClr val="000000"/>
+                </a:solidFill>
+                <a:latin typeface="Consolas"/>
+              </a:rPr>
+              <a:t>&gt;</a:t>
+            </a:r>
+            <a:r>
+              <a:rPr lang="en-US" altLang="ko-KR" sz="1200" b="1" i="1" dirty="0">
+                <a:solidFill>
+                  <a:srgbClr val="6A3E3E"/>
+                </a:solidFill>
+                <a:latin typeface="Consolas"/>
+              </a:rPr>
+              <a:t>o</a:t>
+            </a:r>
+            <a:r>
+              <a:rPr lang="en-US" altLang="ko-KR" sz="1200" b="1" i="1" dirty="0">
+                <a:solidFill>
+                  <a:srgbClr val="000000"/>
+                </a:solidFill>
+                <a:latin typeface="Consolas"/>
+              </a:rPr>
+              <a:t>&amp;&amp;</a:t>
+            </a:r>
+            <a:r>
+              <a:rPr lang="en-US" altLang="ko-KR" sz="1200" b="1" i="1" dirty="0">
+                <a:solidFill>
+                  <a:srgbClr val="6A3E3E"/>
+                </a:solidFill>
+                <a:latin typeface="Consolas"/>
+              </a:rPr>
+              <a:t>o</a:t>
+            </a:r>
+            <a:r>
+              <a:rPr lang="en-US" altLang="ko-KR" sz="1200" b="1" i="1" dirty="0">
+                <a:solidFill>
+                  <a:srgbClr val="000000"/>
+                </a:solidFill>
+                <a:latin typeface="Consolas"/>
+              </a:rPr>
+              <a:t>&gt;</a:t>
+            </a:r>
+            <a:r>
+              <a:rPr lang="en-US" altLang="ko-KR" sz="1200" b="1" i="1" dirty="0" err="1">
+                <a:solidFill>
+                  <a:srgbClr val="6A3E3E"/>
+                </a:solidFill>
+                <a:latin typeface="Consolas"/>
+              </a:rPr>
+              <a:t>q</a:t>
+            </a:r>
+            <a:r>
+              <a:rPr lang="en-US" altLang="ko-KR" sz="1200" b="1" i="1" dirty="0" err="1">
+                <a:solidFill>
+                  <a:srgbClr val="000000"/>
+                </a:solidFill>
+                <a:latin typeface="Consolas"/>
+              </a:rPr>
+              <a:t>?</a:t>
+            </a:r>
+            <a:r>
+              <a:rPr lang="en-US" altLang="ko-KR" sz="1200" b="1" i="1" dirty="0" err="1">
+                <a:solidFill>
+                  <a:srgbClr val="6A3E3E"/>
+                </a:solidFill>
+                <a:latin typeface="Consolas"/>
+              </a:rPr>
+              <a:t>p</a:t>
+            </a:r>
+            <a:r>
+              <a:rPr lang="en-US" altLang="ko-KR" sz="1200" b="1" i="1" dirty="0" err="1">
+                <a:solidFill>
+                  <a:srgbClr val="000000"/>
+                </a:solidFill>
+                <a:latin typeface="Consolas"/>
+              </a:rPr>
+              <a:t>:</a:t>
+            </a:r>
+            <a:r>
+              <a:rPr lang="en-US" altLang="ko-KR" sz="1200" b="1" i="1" dirty="0" err="1">
+                <a:solidFill>
+                  <a:srgbClr val="6A3E3E"/>
+                </a:solidFill>
+                <a:latin typeface="Consolas"/>
+              </a:rPr>
+              <a:t>q</a:t>
+            </a:r>
+            <a:r>
+              <a:rPr lang="en-US" altLang="ko-KR" sz="1200" b="1" i="1" dirty="0">
+                <a:solidFill>
+                  <a:srgbClr val="000000"/>
+                </a:solidFill>
+                <a:latin typeface="Consolas"/>
+              </a:rPr>
+              <a:t>)));</a:t>
+            </a:r>
+          </a:p>
+          <a:p>
+            <a:pPr defTabSz="363538">
+              <a:lnSpc>
+                <a:spcPts val="1700"/>
+              </a:lnSpc>
+            </a:pPr>
+            <a:endParaRPr lang="en-US" altLang="ko-KR" sz="1200" dirty="0" smtClean="0">
+              <a:solidFill>
+                <a:srgbClr val="000000"/>
+              </a:solidFill>
+              <a:latin typeface="Consolas" panose="020B0609020204030204" pitchFamily="49" charset="0"/>
+            </a:endParaRPr>
+          </a:p>
+          <a:p>
+            <a:pPr defTabSz="363538">
+              <a:lnSpc>
+                <a:spcPts val="1700"/>
+              </a:lnSpc>
+            </a:pPr>
+            <a:r>
+              <a:rPr lang="en-US" altLang="ko-KR" sz="1200" dirty="0" smtClean="0">
+                <a:solidFill>
+                  <a:srgbClr val="000000"/>
+                </a:solidFill>
+                <a:latin typeface="Consolas" panose="020B0609020204030204" pitchFamily="49" charset="0"/>
+              </a:rPr>
+              <a:t>	}</a:t>
+            </a:r>
+          </a:p>
+          <a:p>
+            <a:pPr defTabSz="363538">
+              <a:lnSpc>
+                <a:spcPts val="1700"/>
+              </a:lnSpc>
+            </a:pPr>
+            <a:r>
+              <a:rPr lang="en-US" altLang="ko-KR" sz="1200" dirty="0">
+                <a:solidFill>
+                  <a:srgbClr val="000000"/>
+                </a:solidFill>
+                <a:latin typeface="Consolas" panose="020B0609020204030204" pitchFamily="49" charset="0"/>
+              </a:rPr>
+              <a:t>}</a:t>
+            </a:r>
+            <a:endParaRPr lang="en-US" altLang="ko-KR" sz="1200" dirty="0">
+              <a:solidFill>
+                <a:srgbClr val="000000"/>
+              </a:solidFill>
+              <a:latin typeface="Consolas" panose="020B0609020204030204" pitchFamily="49" charset="0"/>
+            </a:endParaRPr>
           </a:p>
         </p:txBody>
       </p:sp>
       <p:sp>
         <p:nvSpPr>
-          <p:cNvPr id="26" name="순서도: 처리 25"/>
+          <p:cNvPr id="5" name="순서도: 처리 4"/>
           <p:cNvSpPr/>
           <p:nvPr/>
         </p:nvSpPr>
         <p:spPr>
           <a:xfrm>
-            <a:off x="611560" y="980728"/>
-            <a:ext cx="3672408" cy="432047"/>
+            <a:off x="755576" y="332656"/>
+            <a:ext cx="3096344" cy="336244"/>
           </a:xfrm>
           <a:prstGeom prst="flowChartProcess">
             <a:avLst/>
           </a:prstGeom>
           <a:ln/>
-        </p:spPr>
-        <p:style>
-          <a:lnRef idx="3">
-            <a:schemeClr val="lt1"/>
-          </a:lnRef>
-          <a:fillRef idx="1">
-            <a:schemeClr val="accent5"/>
-          </a:fillRef>
-          <a:effectRef idx="1">
-            <a:schemeClr val="accent5"/>
-          </a:effectRef>
-          <a:fontRef idx="minor">
-            <a:schemeClr val="lt1"/>
-          </a:fontRef>
-        </p:style>
-        <p:txBody>
-          <a:bodyPr tIns="72000" rtlCol="0" anchor="ctr"/>
-          <a:lstStyle/>
-          <a:p>
-            <a:pPr>
-              <a:lnSpc>
-                <a:spcPts val="2500"/>
-              </a:lnSpc>
-            </a:pPr>
-            <a:r>
-              <a:rPr lang="en-US" altLang="ko-KR" b="1" dirty="0" smtClean="0">
-                <a:solidFill>
-                  <a:schemeClr val="tx1"/>
-                </a:solidFill>
-              </a:rPr>
-              <a:t>(1) if </a:t>
-            </a:r>
-            <a:r>
-              <a:rPr lang="ko-KR" altLang="en-US" b="1" dirty="0" smtClean="0">
-                <a:solidFill>
-                  <a:schemeClr val="tx1"/>
-                </a:solidFill>
-              </a:rPr>
-              <a:t>문</a:t>
-            </a:r>
-            <a:endParaRPr lang="ko-KR" altLang="en-US" b="1" dirty="0">
-              <a:solidFill>
-                <a:schemeClr val="tx1"/>
-              </a:solidFill>
-            </a:endParaRPr>
-          </a:p>
-        </p:txBody>
-      </p:sp>
-      <p:sp>
-        <p:nvSpPr>
-          <p:cNvPr id="37" name="순서도: 처리 36"/>
-          <p:cNvSpPr/>
-          <p:nvPr/>
-        </p:nvSpPr>
-        <p:spPr>
-          <a:xfrm>
-            <a:off x="1973298" y="5085184"/>
-            <a:ext cx="5400600" cy="1008112"/>
-          </a:xfrm>
-          <a:prstGeom prst="flowChartProcess">
-            <a:avLst/>
-          </a:prstGeom>
-          <a:noFill/>
-          <a:ln>
-            <a:noFill/>
-          </a:ln>
-        </p:spPr>
-        <p:style>
-          <a:lnRef idx="2">
-            <a:schemeClr val="dk1"/>
-          </a:lnRef>
-          <a:fillRef idx="1">
-            <a:schemeClr val="lt1"/>
-          </a:fillRef>
-          <a:effectRef idx="0">
-            <a:schemeClr val="dk1"/>
-          </a:effectRef>
-          <a:fontRef idx="minor">
-            <a:schemeClr val="dk1"/>
-          </a:fontRef>
-        </p:style>
-        <p:txBody>
-          <a:bodyPr tIns="72000" rtlCol="0" anchor="ctr"/>
-          <a:lstStyle/>
-          <a:p>
-            <a:pPr marL="203200" indent="-203200">
-              <a:lnSpc>
-                <a:spcPts val="2500"/>
-              </a:lnSpc>
-            </a:pPr>
-            <a:r>
-              <a:rPr lang="ko-KR" altLang="en-US" sz="1200" b="1" dirty="0" smtClean="0">
-                <a:solidFill>
-                  <a:schemeClr val="tx1"/>
-                </a:solidFill>
-              </a:rPr>
-              <a:t>① </a:t>
-            </a:r>
-            <a:r>
-              <a:rPr lang="en-US" altLang="ko-KR" sz="1200" b="1" dirty="0" smtClean="0">
-                <a:solidFill>
-                  <a:schemeClr val="tx1"/>
-                </a:solidFill>
-              </a:rPr>
-              <a:t>if</a:t>
-            </a:r>
-            <a:r>
-              <a:rPr lang="ko-KR" altLang="en-US" sz="1200" b="1" dirty="0" smtClean="0">
-                <a:solidFill>
-                  <a:schemeClr val="tx1"/>
-                </a:solidFill>
-              </a:rPr>
-              <a:t>문의 괄호 안에서 이루어지는 연산 결과는 </a:t>
-            </a:r>
-            <a:r>
-              <a:rPr lang="en-US" altLang="ko-KR" sz="1200" b="1" dirty="0" smtClean="0">
-                <a:solidFill>
-                  <a:schemeClr val="tx1"/>
-                </a:solidFill>
-              </a:rPr>
-              <a:t>true, false </a:t>
-            </a:r>
-            <a:r>
-              <a:rPr lang="ko-KR" altLang="en-US" sz="1200" b="1" dirty="0" smtClean="0">
-                <a:solidFill>
-                  <a:schemeClr val="tx1"/>
-                </a:solidFill>
-              </a:rPr>
-              <a:t>중 하나이어야 한다</a:t>
-            </a:r>
-            <a:r>
-              <a:rPr lang="en-US" altLang="ko-KR" sz="1200" b="1" dirty="0" smtClean="0">
-                <a:solidFill>
-                  <a:schemeClr val="tx1"/>
-                </a:solidFill>
-              </a:rPr>
-              <a:t>. 0</a:t>
-            </a:r>
-            <a:r>
-              <a:rPr lang="ko-KR" altLang="en-US" sz="1200" b="1" dirty="0" smtClean="0">
-                <a:solidFill>
-                  <a:schemeClr val="tx1"/>
-                </a:solidFill>
-              </a:rPr>
-              <a:t>이나 </a:t>
-            </a:r>
-            <a:r>
-              <a:rPr lang="en-US" altLang="ko-KR" sz="1200" b="1" dirty="0" smtClean="0">
-                <a:solidFill>
-                  <a:schemeClr val="tx1"/>
-                </a:solidFill>
-              </a:rPr>
-              <a:t>1</a:t>
-            </a:r>
-            <a:r>
-              <a:rPr lang="ko-KR" altLang="en-US" sz="1200" b="1" dirty="0" smtClean="0">
-                <a:solidFill>
-                  <a:schemeClr val="tx1"/>
-                </a:solidFill>
-              </a:rPr>
-              <a:t>과 같은 수이어서는 안 된다</a:t>
-            </a:r>
-            <a:r>
-              <a:rPr lang="en-US" altLang="ko-KR" sz="1200" b="1" dirty="0" smtClean="0">
-                <a:solidFill>
-                  <a:schemeClr val="tx1"/>
-                </a:solidFill>
-              </a:rPr>
-              <a:t>.</a:t>
-            </a:r>
-          </a:p>
-          <a:p>
-            <a:pPr marL="203200" indent="-203200">
-              <a:lnSpc>
-                <a:spcPts val="2500"/>
-              </a:lnSpc>
-            </a:pPr>
-            <a:r>
-              <a:rPr lang="ko-KR" altLang="en-US" sz="1200" b="1" dirty="0" smtClean="0">
-                <a:solidFill>
-                  <a:schemeClr val="tx1"/>
-                </a:solidFill>
-              </a:rPr>
-              <a:t>② </a:t>
-            </a:r>
-            <a:r>
-              <a:rPr lang="ko-KR" altLang="en-US" sz="1200" b="1" dirty="0" err="1">
-                <a:solidFill>
-                  <a:schemeClr val="tx1"/>
-                </a:solidFill>
-              </a:rPr>
-              <a:t>조건식의</a:t>
-            </a:r>
-            <a:r>
-              <a:rPr lang="ko-KR" altLang="en-US" sz="1200" b="1" dirty="0">
-                <a:solidFill>
-                  <a:schemeClr val="tx1"/>
-                </a:solidFill>
-              </a:rPr>
-              <a:t> 결과는 </a:t>
-            </a:r>
-            <a:r>
-              <a:rPr lang="en-US" altLang="ko-KR" sz="1200" b="1" dirty="0">
-                <a:solidFill>
-                  <a:schemeClr val="tx1"/>
-                </a:solidFill>
-              </a:rPr>
-              <a:t>true, false </a:t>
-            </a:r>
-            <a:r>
-              <a:rPr lang="ko-KR" altLang="en-US" sz="1200" b="1" dirty="0">
-                <a:solidFill>
-                  <a:schemeClr val="tx1"/>
-                </a:solidFill>
-              </a:rPr>
-              <a:t>중 하나이다</a:t>
-            </a:r>
-            <a:r>
-              <a:rPr lang="en-US" altLang="ko-KR" sz="1200" b="1" dirty="0" smtClean="0">
-                <a:solidFill>
-                  <a:schemeClr val="tx1"/>
-                </a:solidFill>
-              </a:rPr>
-              <a:t>.</a:t>
-            </a:r>
-            <a:endParaRPr lang="en-US" altLang="ko-KR" sz="1200" b="1" dirty="0">
-              <a:solidFill>
-                <a:schemeClr val="tx1"/>
-              </a:solidFill>
-            </a:endParaRPr>
-          </a:p>
-        </p:txBody>
-      </p:sp>
-      <p:sp>
-        <p:nvSpPr>
-          <p:cNvPr id="21" name="순서도: 처리 20"/>
-          <p:cNvSpPr/>
-          <p:nvPr/>
-        </p:nvSpPr>
-        <p:spPr>
-          <a:xfrm>
-            <a:off x="2411760" y="1988840"/>
-            <a:ext cx="4320480" cy="2736304"/>
-          </a:xfrm>
-          <a:prstGeom prst="flowChartProcess">
-            <a:avLst/>
-          </a:prstGeom>
-          <a:solidFill>
-            <a:srgbClr val="FFFF99"/>
-          </a:solidFill>
-          <a:ln>
-            <a:noFill/>
-          </a:ln>
-        </p:spPr>
-        <p:style>
-          <a:lnRef idx="2">
-            <a:schemeClr val="dk1"/>
-          </a:lnRef>
-          <a:fillRef idx="1">
-            <a:schemeClr val="lt1"/>
-          </a:fillRef>
-          <a:effectRef idx="0">
-            <a:schemeClr val="dk1"/>
-          </a:effectRef>
-          <a:fontRef idx="minor">
-            <a:schemeClr val="dk1"/>
-          </a:fontRef>
-        </p:style>
-        <p:txBody>
-          <a:bodyPr tIns="72000" rtlCol="0" anchor="ctr"/>
-          <a:lstStyle/>
-          <a:p>
-            <a:pPr marL="261938">
-              <a:lnSpc>
-                <a:spcPts val="2200"/>
-              </a:lnSpc>
-            </a:pPr>
-            <a:r>
-              <a:rPr lang="en-US" altLang="ko-KR" sz="2000" b="1" dirty="0" smtClean="0">
-                <a:solidFill>
-                  <a:schemeClr val="tx1"/>
-                </a:solidFill>
-              </a:rPr>
-              <a:t>if(</a:t>
-            </a:r>
-            <a:r>
-              <a:rPr lang="ko-KR" altLang="en-US" sz="2000" b="1" dirty="0" err="1" smtClean="0">
-                <a:solidFill>
-                  <a:schemeClr val="tx1"/>
-                </a:solidFill>
-              </a:rPr>
-              <a:t>조건식</a:t>
-            </a:r>
-            <a:r>
-              <a:rPr lang="en-US" altLang="ko-KR" sz="2000" b="1" dirty="0" smtClean="0">
-                <a:solidFill>
-                  <a:schemeClr val="tx1"/>
-                </a:solidFill>
-              </a:rPr>
-              <a:t>) {</a:t>
-            </a:r>
-          </a:p>
-          <a:p>
-            <a:pPr marL="261938">
-              <a:lnSpc>
-                <a:spcPts val="2200"/>
-              </a:lnSpc>
-            </a:pPr>
-            <a:endParaRPr lang="en-US" altLang="ko-KR" sz="2000" b="1" dirty="0" smtClean="0">
-              <a:solidFill>
-                <a:schemeClr val="tx1"/>
-              </a:solidFill>
-            </a:endParaRPr>
-          </a:p>
-          <a:p>
-            <a:pPr marL="261938">
-              <a:lnSpc>
-                <a:spcPts val="2200"/>
-              </a:lnSpc>
-            </a:pPr>
-            <a:r>
-              <a:rPr lang="en-US" altLang="ko-KR" sz="2000" b="1" dirty="0" smtClean="0">
-                <a:solidFill>
-                  <a:schemeClr val="tx1"/>
-                </a:solidFill>
-              </a:rPr>
-              <a:t>}</a:t>
-            </a:r>
-          </a:p>
-          <a:p>
-            <a:pPr marL="261938">
-              <a:lnSpc>
-                <a:spcPts val="2200"/>
-              </a:lnSpc>
-            </a:pPr>
-            <a:r>
-              <a:rPr lang="en-US" altLang="ko-KR" sz="2000" b="1" dirty="0" smtClean="0">
-                <a:solidFill>
-                  <a:schemeClr val="tx1"/>
-                </a:solidFill>
-              </a:rPr>
-              <a:t>else if(</a:t>
-            </a:r>
-            <a:r>
-              <a:rPr lang="ko-KR" altLang="en-US" sz="2000" b="1" dirty="0" err="1" smtClean="0">
-                <a:solidFill>
-                  <a:schemeClr val="tx1"/>
-                </a:solidFill>
-              </a:rPr>
-              <a:t>조건식</a:t>
-            </a:r>
-            <a:r>
-              <a:rPr lang="en-US" altLang="ko-KR" sz="2000" b="1" dirty="0" smtClean="0">
-                <a:solidFill>
-                  <a:schemeClr val="tx1"/>
-                </a:solidFill>
-              </a:rPr>
-              <a:t>) {</a:t>
-            </a:r>
-          </a:p>
-          <a:p>
-            <a:pPr marL="261938">
-              <a:lnSpc>
-                <a:spcPts val="2200"/>
-              </a:lnSpc>
-            </a:pPr>
-            <a:endParaRPr lang="en-US" altLang="ko-KR" sz="2000" b="1" dirty="0" smtClean="0">
-              <a:solidFill>
-                <a:schemeClr val="tx1"/>
-              </a:solidFill>
-            </a:endParaRPr>
-          </a:p>
-          <a:p>
-            <a:pPr marL="261938">
-              <a:lnSpc>
-                <a:spcPts val="2200"/>
-              </a:lnSpc>
-            </a:pPr>
-            <a:r>
-              <a:rPr lang="en-US" altLang="ko-KR" sz="2000" b="1" dirty="0" smtClean="0">
-                <a:solidFill>
-                  <a:schemeClr val="tx1"/>
-                </a:solidFill>
-              </a:rPr>
-              <a:t>}</a:t>
-            </a:r>
-          </a:p>
-          <a:p>
-            <a:pPr marL="261938">
-              <a:lnSpc>
-                <a:spcPts val="2200"/>
-              </a:lnSpc>
-            </a:pPr>
-            <a:r>
-              <a:rPr lang="en-US" altLang="ko-KR" sz="2000" b="1" dirty="0" smtClean="0">
-                <a:solidFill>
-                  <a:schemeClr val="tx1"/>
-                </a:solidFill>
-              </a:rPr>
-              <a:t>else {</a:t>
-            </a:r>
-          </a:p>
-          <a:p>
-            <a:pPr marL="261938">
-              <a:lnSpc>
-                <a:spcPts val="2200"/>
-              </a:lnSpc>
-            </a:pPr>
-            <a:endParaRPr lang="en-US" altLang="ko-KR" sz="2000" b="1" dirty="0" smtClean="0">
-              <a:solidFill>
-                <a:schemeClr val="tx1"/>
-              </a:solidFill>
-            </a:endParaRPr>
-          </a:p>
-          <a:p>
-            <a:pPr marL="261938">
-              <a:lnSpc>
-                <a:spcPts val="2200"/>
-              </a:lnSpc>
-            </a:pPr>
-            <a:r>
-              <a:rPr lang="en-US" altLang="ko-KR" sz="2000" b="1" dirty="0">
-                <a:solidFill>
-                  <a:schemeClr val="tx1"/>
-                </a:solidFill>
-              </a:rPr>
-              <a:t>}</a:t>
-            </a:r>
-            <a:endParaRPr lang="ko-KR" altLang="en-US" sz="2000" b="1" dirty="0">
-              <a:solidFill>
-                <a:schemeClr val="tx1"/>
-              </a:solidFill>
-            </a:endParaRPr>
-          </a:p>
-        </p:txBody>
-      </p:sp>
-      <p:sp>
-        <p:nvSpPr>
-          <p:cNvPr id="16" name="순서도: 처리 15"/>
-          <p:cNvSpPr/>
-          <p:nvPr/>
-        </p:nvSpPr>
-        <p:spPr>
-          <a:xfrm>
-            <a:off x="3707904" y="1556793"/>
-            <a:ext cx="1728192" cy="288030"/>
-          </a:xfrm>
-          <a:prstGeom prst="flowChartProcess">
-            <a:avLst/>
-          </a:prstGeom>
-          <a:noFill/>
-          <a:ln>
-            <a:noFill/>
-          </a:ln>
         </p:spPr>
         <p:style>
           <a:lnRef idx="1">
@@ -13385,7 +14406,7 @@
           <a:bodyPr tIns="72000" rtlCol="0" anchor="ctr"/>
           <a:lstStyle/>
           <a:p>
-            <a:pPr algn="ctr">
+            <a:pPr>
               <a:lnSpc>
                 <a:spcPts val="2500"/>
               </a:lnSpc>
@@ -13396,7 +14417,7 @@
                   <a:schemeClr val="tx1"/>
                 </a:solidFill>
               </a:rPr>
-              <a:t>&lt;</a:t>
+              <a:t>[</a:t>
             </a:r>
             <a:r>
               <a:rPr lang="ko-KR" altLang="en-US" sz="1600" b="1" dirty="0" smtClean="0">
@@ -13404,7 +14425,7 @@
                   <a:schemeClr val="tx1"/>
                 </a:solidFill>
               </a:rPr>
-              <a:t>작성 형식</a:t>
+              <a:t>실습</a:t>
             </a:r>
             <a:r>
               <a:rPr lang="en-US" altLang="ko-KR" sz="1600" b="1" dirty="0" smtClean="0">
@@ -13412,7 +14433,47 @@
                   <a:schemeClr val="tx1"/>
                 </a:solidFill>
               </a:rPr>
-              <a:t>&gt;</a:t>
+              <a:t>03.java </a:t>
+            </a:r>
+            <a:r>
+              <a:rPr lang="ko-KR" altLang="en-US" sz="1600" b="1" dirty="0" smtClean="0">
+                <a:solidFill>
+                  <a:schemeClr val="tx1"/>
+                </a:solidFill>
+              </a:rPr>
+              <a:t>소</a:t>
+            </a:r>
+            <a:r>
+              <a:rPr lang="ko-KR" altLang="en-US" sz="1600" b="1" dirty="0">
+                <a:solidFill>
+                  <a:schemeClr val="tx1"/>
+                </a:solidFill>
+              </a:rPr>
+              <a:t>스</a:t>
+            </a:r>
+            <a:r>
+              <a:rPr lang="ko-KR" altLang="en-US" sz="1600" b="1" dirty="0" smtClean="0">
+                <a:solidFill>
+                  <a:schemeClr val="tx1"/>
+                </a:solidFill>
+              </a:rPr>
+              <a:t>코드</a:t>
+            </a:r>
+            <a:r>
+              <a:rPr lang="en-US" altLang="ko-KR" sz="1600" b="1" dirty="0" smtClean="0">
+                <a:solidFill>
+                  <a:schemeClr val="tx1"/>
+                </a:solidFill>
+              </a:rPr>
+              <a:t>] </a:t>
+            </a:r>
+            <a:r>
+              <a:rPr lang="ko-KR" altLang="en-US" sz="1600" b="1" dirty="0" smtClean="0">
+                <a:solidFill>
+                  <a:schemeClr val="tx1"/>
+                </a:solidFill>
+              </a:rPr>
+              <a:t>추가분</a:t>
             </a:r>
             <a:endParaRPr lang="ko-KR" altLang="en-US" sz="1600" b="1" dirty="0">
               <a:solidFill>
@@ -13425,7 +14486,7 @@
     </p:spTree>
     <p:extLst>
       <p:ext uri="{BB962C8B-B14F-4D97-AF65-F5344CB8AC3E}">
-        <p14:creationId xmlns:p14="http://schemas.microsoft.com/office/powerpoint/2010/main" val="3757472565"/>
+        <p14:creationId xmlns:p14="http://schemas.microsoft.com/office/powerpoint/2010/main" val="1518162914"/>
       </p:ext>
     </p:extLst>
   </p:cSld>
@@ -13485,13 +14546,56 @@
       </p:sp>
       <p:sp>
         <p:nvSpPr>
+          <p:cNvPr id="8" name="순서도: 처리 7"/>
+          <p:cNvSpPr/>
+          <p:nvPr/>
+        </p:nvSpPr>
+        <p:spPr>
+          <a:xfrm>
+            <a:off x="539552" y="260648"/>
+            <a:ext cx="4032448" cy="510505"/>
+          </a:xfrm>
+          <a:prstGeom prst="flowChartProcess">
+            <a:avLst/>
+          </a:prstGeom>
+          <a:ln/>
+        </p:spPr>
+        <p:style>
+          <a:lnRef idx="1">
+            <a:schemeClr val="dk1"/>
+          </a:lnRef>
+          <a:fillRef idx="2">
+            <a:schemeClr val="dk1"/>
+          </a:fillRef>
+          <a:effectRef idx="1">
+            <a:schemeClr val="dk1"/>
+          </a:effectRef>
+          <a:fontRef idx="minor">
+            <a:schemeClr val="dk1"/>
+          </a:fontRef>
+        </p:style>
+        <p:txBody>
+          <a:bodyPr tIns="72000" rtlCol="0" anchor="ctr"/>
+          <a:lstStyle/>
+          <a:p>
+            <a:pPr algn="ctr"/>
+            <a:r>
+              <a:rPr lang="ko-KR" altLang="en-US" sz="2400" b="1" dirty="0" err="1" smtClean="0"/>
+              <a:t>조건문</a:t>
+            </a:r>
+            <a:endParaRPr lang="ko-KR" altLang="en-US" sz="2400" b="1" dirty="0"/>
+          </a:p>
+        </p:txBody>
+      </p:sp>
+      <p:sp>
+        <p:nvSpPr>
           <p:cNvPr id="26" name="순서도: 처리 25"/>
           <p:cNvSpPr/>
           <p:nvPr/>
         </p:nvSpPr>
         <p:spPr>
           <a:xfrm>
-            <a:off x="611560" y="260648"/>
+            <a:off x="611560" y="980728"/>
             <a:ext cx="3672408" cy="432047"/>
           </a:xfrm>
           <a:prstGeom prst="flowChartProcess">
@@ -13528,7 +14632,7 @@
                   <a:schemeClr val="tx1"/>
                 </a:solidFill>
               </a:rPr>
-              <a:t>(2) switch </a:t>
+              <a:t>(1) if </a:t>
             </a:r>
             <a:r>
               <a:rPr lang="ko-KR" altLang="en-US" b="1" dirty="0" smtClean="0">
@@ -13554,8 +14658,8 @@
         </p:nvSpPr>
         <p:spPr>
           <a:xfrm>
-            <a:off x="1973298" y="5013176"/>
-            <a:ext cx="5400600" cy="720080"/>
+            <a:off x="1973298" y="5085184"/>
+            <a:ext cx="5400600" cy="1008112"/>
           </a:xfrm>
           <a:prstGeom prst="flowChartProcess">
             <a:avLst/>
@@ -13602,7 +14706,7 @@
                   <a:schemeClr val="tx1"/>
                 </a:solidFill>
               </a:rPr>
-              <a:t>switch</a:t>
+              <a:t>if</a:t>
             </a:r>
             <a:r>
               <a:rPr lang="ko-KR" altLang="en-US" sz="1200" b="1" dirty="0" smtClean="0">
@@ -13610,7 +14714,7 @@
                   <a:schemeClr val="tx1"/>
                 </a:solidFill>
               </a:rPr>
-              <a:t>문의 괄호 안에 들어가는 값은 정수</a:t>
+              <a:t>문의 괄호 안에서 이루어지는 연산 결과는 </a:t>
             </a:r>
             <a:r>
               <a:rPr lang="en-US" altLang="ko-KR" sz="1200" b="1" dirty="0" smtClean="0">
@@ -13618,7 +14722,7 @@
                   <a:schemeClr val="tx1"/>
                 </a:solidFill>
               </a:rPr>
-              <a:t>, </a:t>
+              <a:t>true, false </a:t>
             </a:r>
             <a:r>
               <a:rPr lang="ko-KR" altLang="en-US" sz="1200" b="1" dirty="0" smtClean="0">
@@ -13626,15 +14730,15 @@
                   <a:schemeClr val="tx1"/>
                 </a:solidFill>
               </a:rPr>
-              <a:t>문자열 </a:t>
-            </a:r>
-            <a:r>
-              <a:rPr lang="ko-KR" altLang="en-US" sz="1200" b="1" dirty="0" err="1" smtClean="0">
-                <a:solidFill>
-                  <a:schemeClr val="tx1"/>
-                </a:solidFill>
-              </a:rPr>
-              <a:t>자료형은</a:t>
+              <a:t>중 하나이어야 한다</a:t>
+            </a:r>
+            <a:r>
+              <a:rPr lang="en-US" altLang="ko-KR" sz="1200" b="1" dirty="0" smtClean="0">
+                <a:solidFill>
+                  <a:schemeClr val="tx1"/>
+                </a:solidFill>
+              </a:rPr>
+              <a:t>. 0</a:t>
             </a:r>
             <a:r>
               <a:rPr lang="ko-KR" altLang="en-US" sz="1200" b="1" dirty="0" smtClean="0">
@@ -13642,7 +14746,7 @@
                   <a:schemeClr val="tx1"/>
                 </a:solidFill>
               </a:rPr>
-              <a:t> 가능하나</a:t>
+              <a:t>이나 </a:t>
             </a:r>
             <a:r>
               <a:rPr lang="en-US" altLang="ko-KR" sz="1200" b="1" dirty="0" smtClean="0">
@@ -13650,7 +14754,7 @@
                   <a:schemeClr val="tx1"/>
                 </a:solidFill>
               </a:rPr>
-              <a:t>, </a:t>
+              <a:t>1</a:t>
             </a:r>
             <a:r>
               <a:rPr lang="ko-KR" altLang="en-US" sz="1200" b="1" dirty="0" smtClean="0">
@@ -13658,7 +14762,7 @@
                   <a:schemeClr val="tx1"/>
                 </a:solidFill>
               </a:rPr>
-              <a:t>논리값</a:t>
+              <a:t>과 같은 수이어서는 안 된다</a:t>
             </a:r>
             <a:r>
               <a:rPr lang="en-US" altLang="ko-KR" sz="1200" b="1" dirty="0" smtClean="0">
@@ -13666,15 +14770,54 @@
                   <a:schemeClr val="tx1"/>
                 </a:solidFill>
               </a:rPr>
-              <a:t>, </a:t>
-            </a:r>
+              <a:t>.</a:t>
+            </a:r>
+          </a:p>
+          <a:p>
+            <a:pPr marL="203200" indent="-203200">
+              <a:lnSpc>
+                <a:spcPts val="2500"/>
+              </a:lnSpc>
+            </a:pPr>
             <a:r>
               <a:rPr lang="ko-KR" altLang="en-US" sz="1200" b="1" dirty="0" smtClean="0">
                 <a:solidFill>
                   <a:schemeClr val="tx1"/>
                 </a:solidFill>
               </a:rPr>
-              <a:t>실수는 쓸 수 없다</a:t>
+              <a:t>② </a:t>
+            </a:r>
+            <a:r>
+              <a:rPr lang="ko-KR" altLang="en-US" sz="1200" b="1" dirty="0" err="1">
+                <a:solidFill>
+                  <a:schemeClr val="tx1"/>
+                </a:solidFill>
+              </a:rPr>
+              <a:t>조건식의</a:t>
+            </a:r>
+            <a:r>
+              <a:rPr lang="ko-KR" altLang="en-US" sz="1200" b="1" dirty="0">
+                <a:solidFill>
+                  <a:schemeClr val="tx1"/>
+                </a:solidFill>
+              </a:rPr>
+              <a:t> 결과는 </a:t>
+            </a:r>
+            <a:r>
+              <a:rPr lang="en-US" altLang="ko-KR" sz="1200" b="1" dirty="0">
+                <a:solidFill>
+                  <a:schemeClr val="tx1"/>
+                </a:solidFill>
+              </a:rPr>
+              <a:t>true, false </a:t>
+            </a:r>
+            <a:r>
+              <a:rPr lang="ko-KR" altLang="en-US" sz="1200" b="1" dirty="0">
+                <a:solidFill>
+                  <a:schemeClr val="tx1"/>
+                </a:solidFill>
+              </a:rPr>
+              <a:t>중 하나이다</a:t>
             </a:r>
             <a:r>
               <a:rPr lang="en-US" altLang="ko-KR" sz="1200" b="1" dirty="0" smtClean="0">
@@ -13684,6 +14827,11 @@
               </a:rPr>
               <a:t>.</a:t>
             </a:r>
+            <a:endParaRPr lang="en-US" altLang="ko-KR" sz="1200" b="1" dirty="0">
+              <a:solidFill>
+                <a:schemeClr val="tx1"/>
+              </a:solidFill>
+            </a:endParaRPr>
           </a:p>
         </p:txBody>
       </p:sp>
@@ -13695,8 +14843,8 @@
         </p:nvSpPr>
         <p:spPr>
           <a:xfrm>
-            <a:off x="2411760" y="1268760"/>
-            <a:ext cx="4320480" cy="3384376"/>
+            <a:off x="2411760" y="1988840"/>
+            <a:ext cx="4320480" cy="2736304"/>
           </a:xfrm>
           <a:prstGeom prst="flowChartProcess">
             <a:avLst/>
@@ -13728,7 +14876,7 @@
           <a:p>
             <a:pPr marL="261938">
               <a:lnSpc>
-                <a:spcPts val="2500"/>
+                <a:spcPts val="2200"/>
               </a:lnSpc>
             </a:pPr>
             <a:r>
@@ -13737,15 +14885,15 @@
                   <a:schemeClr val="tx1"/>
                 </a:solidFill>
               </a:rPr>
-              <a:t>switch(</a:t>
-            </a:r>
-            <a:r>
-              <a:rPr lang="ko-KR" altLang="en-US" sz="2000" b="1" dirty="0" smtClean="0">
-                <a:solidFill>
-                  <a:schemeClr val="tx1"/>
-                </a:solidFill>
-              </a:rPr>
-              <a:t>값</a:t>
+              <a:t>if(</a:t>
+            </a:r>
+            <a:r>
+              <a:rPr lang="ko-KR" altLang="en-US" sz="2000" b="1" dirty="0" err="1" smtClean="0">
+                <a:solidFill>
+                  <a:schemeClr val="tx1"/>
+                </a:solidFill>
+              </a:rPr>
+              <a:t>조건식</a:t>
             </a:r>
             <a:r>
               <a:rPr lang="en-US" altLang="ko-KR" sz="2000" b="1" dirty="0" smtClean="0">
@@ -13759,267 +14907,123 @@
           <a:p>
             <a:pPr marL="261938">
               <a:lnSpc>
-                <a:spcPts val="2500"/>
+                <a:spcPts val="2200"/>
               </a:lnSpc>
             </a:pPr>
-            <a:r>
-              <a:rPr lang="en-US" altLang="ko-KR" sz="2000" b="1" dirty="0" smtClean="0">
-                <a:solidFill>
-                  <a:schemeClr val="tx1"/>
-                </a:solidFill>
-              </a:rPr>
-              <a:t>    case </a:t>
-            </a:r>
-            <a:r>
-              <a:rPr lang="ko-KR" altLang="en-US" sz="2000" b="1" dirty="0" smtClean="0">
-                <a:solidFill>
-                  <a:schemeClr val="tx1"/>
-                </a:solidFill>
-              </a:rPr>
-              <a:t>상수</a:t>
-            </a:r>
-            <a:r>
-              <a:rPr lang="en-US" altLang="ko-KR" sz="2000" b="1" dirty="0" smtClean="0">
-                <a:solidFill>
-                  <a:schemeClr val="tx1"/>
-                </a:solidFill>
-              </a:rPr>
-              <a:t>1:</a:t>
-            </a:r>
+            <a:endParaRPr lang="en-US" altLang="ko-KR" sz="2000" b="1" dirty="0" smtClean="0">
+              <a:solidFill>
+                <a:schemeClr val="tx1"/>
+              </a:solidFill>
+            </a:endParaRPr>
           </a:p>
           <a:p>
             <a:pPr marL="261938">
               <a:lnSpc>
-                <a:spcPts val="2500"/>
+                <a:spcPts val="2200"/>
               </a:lnSpc>
             </a:pPr>
             <a:r>
-              <a:rPr lang="en-US" altLang="ko-KR" sz="2000" b="1" dirty="0">
-                <a:solidFill>
-                  <a:schemeClr val="tx1"/>
-                </a:solidFill>
-              </a:rPr>
-              <a:t> </a:t>
-            </a:r>
-            <a:r>
               <a:rPr lang="en-US" altLang="ko-KR" sz="2000" b="1" dirty="0" smtClean="0">
                 <a:solidFill>
                   <a:schemeClr val="tx1"/>
                 </a:solidFill>
               </a:rPr>
-              <a:t>       </a:t>
-            </a:r>
-            <a:r>
-              <a:rPr lang="ko-KR" altLang="en-US" sz="2000" b="1" dirty="0" smtClean="0">
-                <a:solidFill>
-                  <a:schemeClr val="tx1"/>
-                </a:solidFill>
-              </a:rPr>
-              <a:t>명령문</a:t>
-            </a:r>
-            <a:r>
-              <a:rPr lang="en-US" altLang="ko-KR" sz="2000" b="1" dirty="0" smtClean="0">
-                <a:solidFill>
-                  <a:schemeClr val="tx1"/>
-                </a:solidFill>
-              </a:rPr>
-              <a:t>;</a:t>
+              <a:t>}</a:t>
             </a:r>
           </a:p>
           <a:p>
             <a:pPr marL="261938">
               <a:lnSpc>
-                <a:spcPts val="2500"/>
+                <a:spcPts val="2200"/>
               </a:lnSpc>
             </a:pPr>
             <a:r>
-              <a:rPr lang="en-US" altLang="ko-KR" sz="2000" b="1" dirty="0">
-                <a:solidFill>
-                  <a:schemeClr val="tx1"/>
-                </a:solidFill>
-              </a:rPr>
-              <a:t> </a:t>
-            </a:r>
-            <a:r>
               <a:rPr lang="en-US" altLang="ko-KR" sz="2000" b="1" dirty="0" smtClean="0">
                 <a:solidFill>
                   <a:schemeClr val="tx1"/>
                 </a:solidFill>
               </a:rPr>
-              <a:t>       break;</a:t>
+              <a:t>else if(</a:t>
+            </a:r>
+            <a:r>
+              <a:rPr lang="ko-KR" altLang="en-US" sz="2000" b="1" dirty="0" err="1" smtClean="0">
+                <a:solidFill>
+                  <a:schemeClr val="tx1"/>
+                </a:solidFill>
+              </a:rPr>
+              <a:t>조건식</a:t>
+            </a:r>
+            <a:r>
+              <a:rPr lang="en-US" altLang="ko-KR" sz="2000" b="1" dirty="0" smtClean="0">
+                <a:solidFill>
+                  <a:schemeClr val="tx1"/>
+                </a:solidFill>
+              </a:rPr>
+              <a:t>) {</a:t>
             </a:r>
           </a:p>
           <a:p>
             <a:pPr marL="261938">
               <a:lnSpc>
-                <a:spcPts val="2500"/>
+                <a:spcPts val="2200"/>
               </a:lnSpc>
             </a:pPr>
-            <a:r>
-              <a:rPr lang="en-US" altLang="ko-KR" sz="2000" b="1" dirty="0">
-                <a:solidFill>
-                  <a:schemeClr val="tx1"/>
-                </a:solidFill>
-              </a:rPr>
-              <a:t> </a:t>
-            </a:r>
-            <a:r>
-              <a:rPr lang="en-US" altLang="ko-KR" sz="2000" b="1" dirty="0" smtClean="0">
-                <a:solidFill>
-                  <a:schemeClr val="tx1"/>
-                </a:solidFill>
-              </a:rPr>
-              <a:t>   case </a:t>
-            </a:r>
-            <a:r>
-              <a:rPr lang="ko-KR" altLang="en-US" sz="2000" b="1" dirty="0" smtClean="0">
-                <a:solidFill>
-                  <a:schemeClr val="tx1"/>
-                </a:solidFill>
-              </a:rPr>
-              <a:t>상수</a:t>
-            </a:r>
-            <a:r>
-              <a:rPr lang="en-US" altLang="ko-KR" sz="2000" b="1" dirty="0" smtClean="0">
-                <a:solidFill>
-                  <a:schemeClr val="tx1"/>
-                </a:solidFill>
-              </a:rPr>
-              <a:t>2:</a:t>
-            </a:r>
+            <a:endParaRPr lang="en-US" altLang="ko-KR" sz="2000" b="1" dirty="0" smtClean="0">
+              <a:solidFill>
+                <a:schemeClr val="tx1"/>
+              </a:solidFill>
+            </a:endParaRPr>
           </a:p>
           <a:p>
             <a:pPr marL="261938">
               <a:lnSpc>
-                <a:spcPts val="2500"/>
+                <a:spcPts val="2200"/>
               </a:lnSpc>
             </a:pPr>
             <a:r>
-              <a:rPr lang="en-US" altLang="ko-KR" sz="2000" b="1" dirty="0">
-                <a:solidFill>
-                  <a:schemeClr val="tx1"/>
-                </a:solidFill>
-              </a:rPr>
-              <a:t> </a:t>
-            </a:r>
-            <a:r>
               <a:rPr lang="en-US" altLang="ko-KR" sz="2000" b="1" dirty="0" smtClean="0">
                 <a:solidFill>
                   <a:schemeClr val="tx1"/>
                 </a:solidFill>
               </a:rPr>
-              <a:t>       </a:t>
-            </a:r>
-            <a:r>
-              <a:rPr lang="ko-KR" altLang="en-US" sz="2000" b="1" dirty="0" smtClean="0">
-                <a:solidFill>
-                  <a:schemeClr val="tx1"/>
-                </a:solidFill>
-              </a:rPr>
-              <a:t>명령문</a:t>
-            </a:r>
-            <a:r>
-              <a:rPr lang="en-US" altLang="ko-KR" sz="2000" b="1" dirty="0" smtClean="0">
-                <a:solidFill>
-                  <a:schemeClr val="tx1"/>
-                </a:solidFill>
-              </a:rPr>
-              <a:t>;</a:t>
+              <a:t>}</a:t>
             </a:r>
           </a:p>
           <a:p>
             <a:pPr marL="261938">
               <a:lnSpc>
-                <a:spcPts val="2500"/>
+                <a:spcPts val="2200"/>
               </a:lnSpc>
             </a:pPr>
             <a:r>
-              <a:rPr lang="en-US" altLang="ko-KR" sz="2000" b="1" dirty="0">
-                <a:solidFill>
-                  <a:schemeClr val="tx1"/>
-                </a:solidFill>
-              </a:rPr>
-              <a:t> </a:t>
-            </a:r>
-            <a:r>
               <a:rPr lang="en-US" altLang="ko-KR" sz="2000" b="1" dirty="0" smtClean="0">
                 <a:solidFill>
                   <a:schemeClr val="tx1"/>
                 </a:solidFill>
               </a:rPr>
-              <a:t>       break;</a:t>
+              <a:t>else {</a:t>
             </a:r>
           </a:p>
           <a:p>
             <a:pPr marL="261938">
               <a:lnSpc>
-                <a:spcPts val="2500"/>
+                <a:spcPts val="2200"/>
               </a:lnSpc>
             </a:pPr>
-            <a:r>
-              <a:rPr lang="en-US" altLang="ko-KR" sz="2000" b="1" dirty="0">
-                <a:solidFill>
-                  <a:schemeClr val="tx1"/>
-                </a:solidFill>
-              </a:rPr>
-              <a:t> </a:t>
-            </a:r>
-            <a:r>
-              <a:rPr lang="en-US" altLang="ko-KR" sz="2000" b="1" dirty="0" smtClean="0">
-                <a:solidFill>
-                  <a:schemeClr val="tx1"/>
-                </a:solidFill>
-              </a:rPr>
-              <a:t>   case default:</a:t>
-            </a:r>
+            <a:endParaRPr lang="en-US" altLang="ko-KR" sz="2000" b="1" dirty="0" smtClean="0">
+              <a:solidFill>
+                <a:schemeClr val="tx1"/>
+              </a:solidFill>
+            </a:endParaRPr>
           </a:p>
           <a:p>
             <a:pPr marL="261938">
               <a:lnSpc>
-                <a:spcPts val="2500"/>
+                <a:spcPts val="2200"/>
               </a:lnSpc>
             </a:pPr>
             <a:r>
               <a:rPr lang="en-US" altLang="ko-KR" sz="2000" b="1" dirty="0">
-                <a:solidFill>
-                  <a:schemeClr val="tx1"/>
-                </a:solidFill>
-              </a:rPr>
-              <a:t> </a:t>
-            </a:r>
-            <a:r>
-              <a:rPr lang="en-US" altLang="ko-KR" sz="2000" b="1" dirty="0" smtClean="0">
-                <a:solidFill>
-                  <a:schemeClr val="tx1"/>
-                </a:solidFill>
-              </a:rPr>
-              <a:t>       </a:t>
-            </a:r>
-            <a:r>
-              <a:rPr lang="ko-KR" altLang="en-US" sz="2000" b="1" dirty="0" smtClean="0">
-                <a:solidFill>
-                  <a:schemeClr val="tx1"/>
-                </a:solidFill>
-              </a:rPr>
-              <a:t>명령문</a:t>
-            </a:r>
-            <a:r>
-              <a:rPr lang="en-US" altLang="ko-KR" sz="2000" b="1" dirty="0" smtClean="0">
-                <a:solidFill>
-                  <a:schemeClr val="tx1"/>
-                </a:solidFill>
-              </a:rPr>
-              <a:t>;</a:t>
-            </a:r>
-          </a:p>
-          <a:p>
-            <a:pPr marL="261938">
-              <a:lnSpc>
-                <a:spcPts val="2500"/>
-              </a:lnSpc>
-            </a:pPr>
-            <a:r>
-              <a:rPr lang="en-US" altLang="ko-KR" sz="2000" b="1" dirty="0" smtClean="0">
                 <a:solidFill>
                   <a:schemeClr val="tx1"/>
                 </a:solidFill>
@@ -14042,7 +15046,7 @@
         </p:nvSpPr>
         <p:spPr>
           <a:xfrm>
-            <a:off x="3707904" y="836713"/>
+            <a:off x="3707904" y="1556793"/>
             <a:ext cx="1728192" cy="288030"/>
           </a:xfrm>
           <a:prstGeom prst="flowChartProcess">
@@ -14111,7 +15115,7 @@
     </p:spTree>
     <p:extLst>
       <p:ext uri="{BB962C8B-B14F-4D97-AF65-F5344CB8AC3E}">
-        <p14:creationId xmlns:p14="http://schemas.microsoft.com/office/powerpoint/2010/main" val="299215623"/>
+        <p14:creationId xmlns:p14="http://schemas.microsoft.com/office/powerpoint/2010/main" val="3757472565"/>
       </p:ext>
     </p:extLst>
   </p:cSld>
@@ -14171,56 +15175,13 @@
       </p:sp>
       <p:sp>
         <p:nvSpPr>
-          <p:cNvPr id="8" name="순서도: 처리 7"/>
-          <p:cNvSpPr/>
-          <p:nvPr/>
-        </p:nvSpPr>
-        <p:spPr>
-          <a:xfrm>
-            <a:off x="539552" y="260648"/>
-            <a:ext cx="4032448" cy="510505"/>
-          </a:xfrm>
-          <a:prstGeom prst="flowChartProcess">
-            <a:avLst/>
-          </a:prstGeom>
-          <a:ln/>
-        </p:spPr>
-        <p:style>
-          <a:lnRef idx="1">
-            <a:schemeClr val="dk1"/>
-          </a:lnRef>
-          <a:fillRef idx="2">
-            <a:schemeClr val="dk1"/>
-          </a:fillRef>
-          <a:effectRef idx="1">
-            <a:schemeClr val="dk1"/>
-          </a:effectRef>
-          <a:fontRef idx="minor">
-            <a:schemeClr val="dk1"/>
-          </a:fontRef>
-        </p:style>
-        <p:txBody>
-          <a:bodyPr tIns="72000" rtlCol="0" anchor="ctr"/>
-          <a:lstStyle/>
-          <a:p>
-            <a:pPr algn="ctr"/>
-            <a:r>
-              <a:rPr lang="ko-KR" altLang="en-US" sz="2400" b="1" dirty="0" err="1" smtClean="0"/>
-              <a:t>반복문</a:t>
-            </a:r>
-            <a:endParaRPr lang="ko-KR" altLang="en-US" sz="2400" b="1" dirty="0"/>
-          </a:p>
-        </p:txBody>
-      </p:sp>
-      <p:sp>
-        <p:nvSpPr>
           <p:cNvPr id="26" name="순서도: 처리 25"/>
           <p:cNvSpPr/>
           <p:nvPr/>
         </p:nvSpPr>
         <p:spPr>
           <a:xfrm>
-            <a:off x="611560" y="1196752"/>
+            <a:off x="611560" y="260648"/>
             <a:ext cx="3672408" cy="432047"/>
           </a:xfrm>
           <a:prstGeom prst="flowChartProcess">
@@ -14257,7 +15218,7 @@
                   <a:schemeClr val="tx1"/>
                 </a:solidFill>
               </a:rPr>
-              <a:t>(1) for </a:t>
+              <a:t>(2) switch </a:t>
             </a:r>
             <a:r>
               <a:rPr lang="ko-KR" altLang="en-US" b="1" dirty="0" smtClean="0">
@@ -14283,8 +15244,8 @@
         </p:nvSpPr>
         <p:spPr>
           <a:xfrm>
-            <a:off x="1462828" y="4196110"/>
-            <a:ext cx="6421540" cy="889074"/>
+            <a:off x="1973298" y="5013176"/>
+            <a:ext cx="5400600" cy="720080"/>
           </a:xfrm>
           <a:prstGeom prst="flowChartProcess">
             <a:avLst/>
@@ -14331,7 +15292,7 @@
                   <a:schemeClr val="tx1"/>
                 </a:solidFill>
               </a:rPr>
-              <a:t>for</a:t>
+              <a:t>switch</a:t>
             </a:r>
             <a:r>
               <a:rPr lang="ko-KR" altLang="en-US" sz="1200" b="1" dirty="0" smtClean="0">
@@ -14339,15 +15300,7 @@
                   <a:schemeClr val="tx1"/>
                 </a:solidFill>
               </a:rPr>
-              <a:t>문 괄호 안에서 </a:t>
-            </a:r>
-            <a:r>
-              <a:rPr lang="en-US" altLang="ko-KR" sz="1200" b="1" dirty="0" err="1" smtClean="0">
-                <a:solidFill>
-                  <a:schemeClr val="tx1"/>
-                </a:solidFill>
-              </a:rPr>
-              <a:t>int</a:t>
+              <a:t>문의 괄호 안에 들어가는 값은 정수</a:t>
             </a:r>
             <a:r>
               <a:rPr lang="en-US" altLang="ko-KR" sz="1200" b="1" dirty="0" smtClean="0">
@@ -14355,15 +15308,7 @@
                   <a:schemeClr val="tx1"/>
                 </a:solidFill>
               </a:rPr>
-              <a:t> </a:t>
-            </a:r>
-            <a:r>
-              <a:rPr lang="en-US" altLang="ko-KR" sz="1200" b="1" dirty="0" err="1" smtClean="0">
-                <a:solidFill>
-                  <a:schemeClr val="tx1"/>
-                </a:solidFill>
-              </a:rPr>
-              <a:t>i</a:t>
+              <a:t>, </a:t>
             </a:r>
             <a:r>
               <a:rPr lang="ko-KR" altLang="en-US" sz="1200" b="1" dirty="0" smtClean="0">
@@ -14371,7 +15316,23 @@
                   <a:schemeClr val="tx1"/>
                 </a:solidFill>
               </a:rPr>
-              <a:t>와 같이 변수 선언할 수 있다</a:t>
+              <a:t>문자열 </a:t>
+            </a:r>
+            <a:r>
+              <a:rPr lang="ko-KR" altLang="en-US" sz="1200" b="1" dirty="0" err="1" smtClean="0">
+                <a:solidFill>
+                  <a:schemeClr val="tx1"/>
+                </a:solidFill>
+              </a:rPr>
+              <a:t>자료형은</a:t>
+            </a:r>
+            <a:r>
+              <a:rPr lang="ko-KR" altLang="en-US" sz="1200" b="1" dirty="0" smtClean="0">
+                <a:solidFill>
+                  <a:schemeClr val="tx1"/>
+                </a:solidFill>
+              </a:rPr>
+              <a:t> 가능하나</a:t>
             </a:r>
             <a:r>
               <a:rPr lang="en-US" altLang="ko-KR" sz="1200" b="1" dirty="0" smtClean="0">
@@ -14379,68 +15340,40 @@
                   <a:schemeClr val="tx1"/>
                 </a:solidFill>
               </a:rPr>
+              <a:t>, </a:t>
+            </a:r>
+            <a:r>
+              <a:rPr lang="ko-KR" altLang="en-US" sz="1200" b="1" dirty="0" smtClean="0">
+                <a:solidFill>
+                  <a:schemeClr val="tx1"/>
+                </a:solidFill>
+              </a:rPr>
+              <a:t>논리값</a:t>
+            </a:r>
+            <a:r>
+              <a:rPr lang="en-US" altLang="ko-KR" sz="1200" b="1" dirty="0" smtClean="0">
+                <a:solidFill>
+                  <a:schemeClr val="tx1"/>
+                </a:solidFill>
+              </a:rPr>
+              <a:t>, </a:t>
+            </a:r>
+            <a:r>
+              <a:rPr lang="ko-KR" altLang="en-US" sz="1200" b="1" dirty="0" smtClean="0">
+                <a:solidFill>
+                  <a:schemeClr val="tx1"/>
+                </a:solidFill>
+              </a:rPr>
+              <a:t>실수는 쓸 수 없다</a:t>
+            </a:r>
+            <a:r>
+              <a:rPr lang="en-US" altLang="ko-KR" sz="1200" b="1" dirty="0" smtClean="0">
+                <a:solidFill>
+                  <a:schemeClr val="tx1"/>
+                </a:solidFill>
+              </a:rPr>
               <a:t>.</a:t>
             </a:r>
-          </a:p>
-          <a:p>
-            <a:pPr marL="203200" indent="-203200">
-              <a:lnSpc>
-                <a:spcPts val="2500"/>
-              </a:lnSpc>
-            </a:pPr>
-            <a:r>
-              <a:rPr lang="ko-KR" altLang="en-US" sz="1200" b="1" dirty="0" smtClean="0">
-                <a:solidFill>
-                  <a:schemeClr val="tx1"/>
-                </a:solidFill>
-              </a:rPr>
-              <a:t>② </a:t>
-            </a:r>
-            <a:r>
-              <a:rPr lang="en-US" altLang="ko-KR" sz="1200" b="1" dirty="0" smtClean="0">
-                <a:solidFill>
-                  <a:schemeClr val="tx1"/>
-                </a:solidFill>
-              </a:rPr>
-              <a:t>for</a:t>
-            </a:r>
-            <a:r>
-              <a:rPr lang="ko-KR" altLang="en-US" sz="1200" b="1" dirty="0" smtClean="0">
-                <a:solidFill>
-                  <a:schemeClr val="tx1"/>
-                </a:solidFill>
-              </a:rPr>
-              <a:t>문 내부에서 선언된 변수는 </a:t>
-            </a:r>
-            <a:r>
-              <a:rPr lang="en-US" altLang="ko-KR" sz="1200" b="1" dirty="0" smtClean="0">
-                <a:solidFill>
-                  <a:schemeClr val="tx1"/>
-                </a:solidFill>
-              </a:rPr>
-              <a:t>for</a:t>
-            </a:r>
-            <a:r>
-              <a:rPr lang="ko-KR" altLang="en-US" sz="1200" b="1" dirty="0" smtClean="0">
-                <a:solidFill>
-                  <a:schemeClr val="tx1"/>
-                </a:solidFill>
-              </a:rPr>
-              <a:t>문을 벗어나면 메모리에서 제거된다</a:t>
-            </a:r>
-            <a:r>
-              <a:rPr lang="en-US" altLang="ko-KR" sz="1200" b="1" dirty="0" smtClean="0">
-                <a:solidFill>
-                  <a:schemeClr val="tx1"/>
-                </a:solidFill>
-              </a:rPr>
-              <a:t>.</a:t>
-            </a:r>
-            <a:endParaRPr lang="en-US" altLang="ko-KR" sz="1200" b="1" dirty="0">
-              <a:solidFill>
-                <a:schemeClr val="tx1"/>
-              </a:solidFill>
-            </a:endParaRPr>
           </a:p>
         </p:txBody>
       </p:sp>
@@ -14452,14 +15385,14 @@
         </p:nvSpPr>
         <p:spPr>
           <a:xfrm>
-            <a:off x="1475656" y="2204864"/>
-            <a:ext cx="6192688" cy="1728192"/>
+            <a:off x="2411760" y="1268760"/>
+            <a:ext cx="4320480" cy="3384376"/>
           </a:xfrm>
           <a:prstGeom prst="flowChartProcess">
             <a:avLst/>
           </a:prstGeom>
           <a:solidFill>
-            <a:srgbClr val="EFF7FF"/>
+            <a:srgbClr val="FFFF99"/>
           </a:solidFill>
           <a:ln>
             <a:noFill/>
@@ -14485,7 +15418,7 @@
           <a:p>
             <a:pPr marL="261938">
               <a:lnSpc>
-                <a:spcPct val="150000"/>
+                <a:spcPts val="2500"/>
               </a:lnSpc>
             </a:pPr>
             <a:r>
@@ -14494,15 +15427,15 @@
                   <a:schemeClr val="tx1"/>
                 </a:solidFill>
               </a:rPr>
-              <a:t>for(</a:t>
-            </a:r>
-            <a:r>
-              <a:rPr lang="en-US" altLang="ko-KR" sz="2000" b="1" dirty="0" err="1" smtClean="0">
-                <a:solidFill>
-                  <a:schemeClr val="tx1"/>
-                </a:solidFill>
-              </a:rPr>
-              <a:t>int</a:t>
+              <a:t>switch(</a:t>
+            </a:r>
+            <a:r>
+              <a:rPr lang="ko-KR" altLang="en-US" sz="2000" b="1" dirty="0" smtClean="0">
+                <a:solidFill>
+                  <a:schemeClr val="tx1"/>
+                </a:solidFill>
+              </a:rPr>
+              <a:t>값</a:t>
             </a:r>
             <a:r>
               <a:rPr lang="en-US" altLang="ko-KR" sz="2000" b="1" dirty="0" smtClean="0">
@@ -14510,86 +15443,30 @@
                   <a:schemeClr val="tx1"/>
                 </a:solidFill>
               </a:rPr>
-              <a:t> </a:t>
-            </a:r>
-            <a:r>
-              <a:rPr lang="en-US" altLang="ko-KR" sz="2000" b="1" dirty="0" err="1" smtClean="0">
-                <a:solidFill>
-                  <a:schemeClr val="tx1"/>
-                </a:solidFill>
-              </a:rPr>
-              <a:t>i</a:t>
-            </a:r>
-            <a:r>
-              <a:rPr lang="en-US" altLang="ko-KR" sz="2000" b="1" dirty="0" smtClean="0">
-                <a:solidFill>
-                  <a:schemeClr val="tx1"/>
-                </a:solidFill>
-              </a:rPr>
-              <a:t>=1; </a:t>
-            </a:r>
-            <a:r>
-              <a:rPr lang="en-US" altLang="ko-KR" sz="2000" b="1" dirty="0" err="1" smtClean="0">
-                <a:solidFill>
-                  <a:schemeClr val="tx1"/>
-                </a:solidFill>
-              </a:rPr>
-              <a:t>i</a:t>
-            </a:r>
-            <a:r>
-              <a:rPr lang="en-US" altLang="ko-KR" sz="2000" b="1" dirty="0" smtClean="0">
-                <a:solidFill>
-                  <a:schemeClr val="tx1"/>
-                </a:solidFill>
-              </a:rPr>
-              <a:t>&lt;=10; </a:t>
-            </a:r>
-            <a:r>
-              <a:rPr lang="en-US" altLang="ko-KR" sz="2000" b="1" dirty="0" err="1" smtClean="0">
-                <a:solidFill>
-                  <a:schemeClr val="tx1"/>
-                </a:solidFill>
-              </a:rPr>
-              <a:t>i</a:t>
-            </a:r>
-            <a:r>
-              <a:rPr lang="en-US" altLang="ko-KR" sz="2000" b="1" dirty="0" smtClean="0">
-                <a:solidFill>
-                  <a:schemeClr val="tx1"/>
-                </a:solidFill>
-              </a:rPr>
-              <a:t>++) {</a:t>
+              <a:t>) {</a:t>
             </a:r>
           </a:p>
           <a:p>
             <a:pPr marL="261938">
               <a:lnSpc>
-                <a:spcPct val="150000"/>
+                <a:spcPts val="2500"/>
               </a:lnSpc>
             </a:pPr>
             <a:r>
-              <a:rPr lang="en-US" altLang="ko-KR" sz="2000" b="1" dirty="0">
-                <a:solidFill>
-                  <a:schemeClr val="tx1"/>
-                </a:solidFill>
-              </a:rPr>
-              <a:t> </a:t>
-            </a:r>
-            <a:r>
               <a:rPr lang="en-US" altLang="ko-KR" sz="2000" b="1" dirty="0" smtClean="0">
                 <a:solidFill>
                   <a:schemeClr val="tx1"/>
                 </a:solidFill>
               </a:rPr>
-              <a:t>   </a:t>
-            </a:r>
-            <a:r>
-              <a:rPr lang="en-US" altLang="ko-KR" sz="2000" b="1" dirty="0" err="1" smtClean="0">
-                <a:solidFill>
-                  <a:schemeClr val="tx1"/>
-                </a:solidFill>
-              </a:rPr>
-              <a:t>System.out.println</a:t>
+              <a:t>    case </a:t>
+            </a:r>
+            <a:r>
+              <a:rPr lang="ko-KR" altLang="en-US" sz="2000" b="1" dirty="0" smtClean="0">
+                <a:solidFill>
+                  <a:schemeClr val="tx1"/>
+                </a:solidFill>
+              </a:rPr>
+              <a:t>상수</a:t>
             </a:r>
             <a:r>
               <a:rPr lang="en-US" altLang="ko-KR" sz="2000" b="1" dirty="0" smtClean="0">
@@ -14597,33 +15474,242 @@
                   <a:schemeClr val="tx1"/>
                 </a:solidFill>
               </a:rPr>
-              <a:t>(</a:t>
-            </a:r>
-            <a:r>
-              <a:rPr lang="en-US" altLang="ko-KR" sz="2000" b="1" dirty="0" err="1" smtClean="0">
-                <a:solidFill>
-                  <a:schemeClr val="tx1"/>
-                </a:solidFill>
-              </a:rPr>
-              <a:t>i</a:t>
-            </a:r>
-            <a:r>
-              <a:rPr lang="en-US" altLang="ko-KR" sz="2000" b="1" dirty="0" smtClean="0">
-                <a:solidFill>
-                  <a:schemeClr val="tx1"/>
-                </a:solidFill>
-              </a:rPr>
-              <a:t>);</a:t>
+              <a:t>1:</a:t>
             </a:r>
           </a:p>
           <a:p>
             <a:pPr marL="261938">
               <a:lnSpc>
-                <a:spcPct val="150000"/>
+                <a:spcPts val="2500"/>
               </a:lnSpc>
             </a:pPr>
             <a:r>
               <a:rPr lang="en-US" altLang="ko-KR" sz="2000" b="1" dirty="0">
+                <a:solidFill>
+                  <a:schemeClr val="tx1"/>
+                </a:solidFill>
+              </a:rPr>
+              <a:t> </a:t>
+            </a:r>
+            <a:r>
+              <a:rPr lang="en-US" altLang="ko-KR" sz="2000" b="1" dirty="0" smtClean="0">
+                <a:solidFill>
+                  <a:schemeClr val="tx1"/>
+                </a:solidFill>
+              </a:rPr>
+              <a:t>       </a:t>
+            </a:r>
+            <a:r>
+              <a:rPr lang="ko-KR" altLang="en-US" sz="2000" b="1" dirty="0" smtClean="0">
+                <a:solidFill>
+                  <a:schemeClr val="tx1"/>
+                </a:solidFill>
+              </a:rPr>
+              <a:t>명령문</a:t>
+            </a:r>
+            <a:r>
+              <a:rPr lang="en-US" altLang="ko-KR" sz="2000" b="1" dirty="0" smtClean="0">
+                <a:solidFill>
+                  <a:schemeClr val="tx1"/>
+                </a:solidFill>
+              </a:rPr>
+              <a:t>;</a:t>
+            </a:r>
+          </a:p>
+          <a:p>
+            <a:pPr marL="261938">
+              <a:lnSpc>
+                <a:spcPts val="2500"/>
+              </a:lnSpc>
+            </a:pPr>
+            <a:r>
+              <a:rPr lang="en-US" altLang="ko-KR" sz="2000" b="1" dirty="0">
+                <a:solidFill>
+                  <a:schemeClr val="tx1"/>
+                </a:solidFill>
+              </a:rPr>
+              <a:t> </a:t>
+            </a:r>
+            <a:r>
+              <a:rPr lang="en-US" altLang="ko-KR" sz="2000" b="1" dirty="0" smtClean="0">
+                <a:solidFill>
+                  <a:schemeClr val="tx1"/>
+                </a:solidFill>
+              </a:rPr>
+              <a:t>       break;</a:t>
+            </a:r>
+          </a:p>
+          <a:p>
+            <a:pPr marL="261938">
+              <a:lnSpc>
+                <a:spcPts val="2500"/>
+              </a:lnSpc>
+            </a:pPr>
+            <a:r>
+              <a:rPr lang="en-US" altLang="ko-KR" sz="2000" b="1" dirty="0">
+                <a:solidFill>
+                  <a:schemeClr val="tx1"/>
+                </a:solidFill>
+              </a:rPr>
+              <a:t> </a:t>
+            </a:r>
+            <a:r>
+              <a:rPr lang="en-US" altLang="ko-KR" sz="2000" b="1" dirty="0" smtClean="0">
+                <a:solidFill>
+                  <a:schemeClr val="tx1"/>
+                </a:solidFill>
+              </a:rPr>
+              <a:t>   case </a:t>
+            </a:r>
+            <a:r>
+              <a:rPr lang="ko-KR" altLang="en-US" sz="2000" b="1" dirty="0" smtClean="0">
+                <a:solidFill>
+                  <a:schemeClr val="tx1"/>
+                </a:solidFill>
+              </a:rPr>
+              <a:t>상수</a:t>
+            </a:r>
+            <a:r>
+              <a:rPr lang="en-US" altLang="ko-KR" sz="2000" b="1" dirty="0" smtClean="0">
+                <a:solidFill>
+                  <a:schemeClr val="tx1"/>
+                </a:solidFill>
+              </a:rPr>
+              <a:t>2:</a:t>
+            </a:r>
+          </a:p>
+          <a:p>
+            <a:pPr marL="261938">
+              <a:lnSpc>
+                <a:spcPts val="2500"/>
+              </a:lnSpc>
+            </a:pPr>
+            <a:r>
+              <a:rPr lang="en-US" altLang="ko-KR" sz="2000" b="1" dirty="0">
+                <a:solidFill>
+                  <a:schemeClr val="tx1"/>
+                </a:solidFill>
+              </a:rPr>
+              <a:t> </a:t>
+            </a:r>
+            <a:r>
+              <a:rPr lang="en-US" altLang="ko-KR" sz="2000" b="1" dirty="0" smtClean="0">
+                <a:solidFill>
+                  <a:schemeClr val="tx1"/>
+                </a:solidFill>
+              </a:rPr>
+              <a:t>       </a:t>
+            </a:r>
+            <a:r>
+              <a:rPr lang="ko-KR" altLang="en-US" sz="2000" b="1" dirty="0" smtClean="0">
+                <a:solidFill>
+                  <a:schemeClr val="tx1"/>
+                </a:solidFill>
+              </a:rPr>
+              <a:t>명령문</a:t>
+            </a:r>
+            <a:r>
+              <a:rPr lang="en-US" altLang="ko-KR" sz="2000" b="1" dirty="0" smtClean="0">
+                <a:solidFill>
+                  <a:schemeClr val="tx1"/>
+                </a:solidFill>
+              </a:rPr>
+              <a:t>;</a:t>
+            </a:r>
+          </a:p>
+          <a:p>
+            <a:pPr marL="261938">
+              <a:lnSpc>
+                <a:spcPts val="2500"/>
+              </a:lnSpc>
+            </a:pPr>
+            <a:r>
+              <a:rPr lang="en-US" altLang="ko-KR" sz="2000" b="1" dirty="0">
+                <a:solidFill>
+                  <a:schemeClr val="tx1"/>
+                </a:solidFill>
+              </a:rPr>
+              <a:t> </a:t>
+            </a:r>
+            <a:r>
+              <a:rPr lang="en-US" altLang="ko-KR" sz="2000" b="1" dirty="0" smtClean="0">
+                <a:solidFill>
+                  <a:schemeClr val="tx1"/>
+                </a:solidFill>
+              </a:rPr>
+              <a:t>       break;</a:t>
+            </a:r>
+          </a:p>
+          <a:p>
+            <a:pPr marL="261938">
+              <a:lnSpc>
+                <a:spcPts val="2500"/>
+              </a:lnSpc>
+            </a:pPr>
+            <a:r>
+              <a:rPr lang="en-US" altLang="ko-KR" sz="2000" b="1" dirty="0">
+                <a:solidFill>
+                  <a:schemeClr val="tx1"/>
+                </a:solidFill>
+              </a:rPr>
+              <a:t> </a:t>
+            </a:r>
+            <a:r>
+              <a:rPr lang="en-US" altLang="ko-KR" sz="2000" b="1" dirty="0" smtClean="0">
+                <a:solidFill>
+                  <a:schemeClr val="tx1"/>
+                </a:solidFill>
+              </a:rPr>
+              <a:t>   case default:</a:t>
+            </a:r>
+          </a:p>
+          <a:p>
+            <a:pPr marL="261938">
+              <a:lnSpc>
+                <a:spcPts val="2500"/>
+              </a:lnSpc>
+            </a:pPr>
+            <a:r>
+              <a:rPr lang="en-US" altLang="ko-KR" sz="2000" b="1" dirty="0">
+                <a:solidFill>
+                  <a:schemeClr val="tx1"/>
+                </a:solidFill>
+              </a:rPr>
+              <a:t> </a:t>
+            </a:r>
+            <a:r>
+              <a:rPr lang="en-US" altLang="ko-KR" sz="2000" b="1" dirty="0" smtClean="0">
+                <a:solidFill>
+                  <a:schemeClr val="tx1"/>
+                </a:solidFill>
+              </a:rPr>
+              <a:t>       </a:t>
+            </a:r>
+            <a:r>
+              <a:rPr lang="ko-KR" altLang="en-US" sz="2000" b="1" dirty="0" smtClean="0">
+                <a:solidFill>
+                  <a:schemeClr val="tx1"/>
+                </a:solidFill>
+              </a:rPr>
+              <a:t>명령문</a:t>
+            </a:r>
+            <a:r>
+              <a:rPr lang="en-US" altLang="ko-KR" sz="2000" b="1" dirty="0" smtClean="0">
+                <a:solidFill>
+                  <a:schemeClr val="tx1"/>
+                </a:solidFill>
+              </a:rPr>
+              <a:t>;</a:t>
+            </a:r>
+          </a:p>
+          <a:p>
+            <a:pPr marL="261938">
+              <a:lnSpc>
+                <a:spcPts val="2500"/>
+              </a:lnSpc>
+            </a:pPr>
+            <a:r>
+              <a:rPr lang="en-US" altLang="ko-KR" sz="2000" b="1" dirty="0" smtClean="0">
                 <a:solidFill>
                   <a:schemeClr val="tx1"/>
                 </a:solidFill>
@@ -14646,7 +15732,7 @@
         </p:nvSpPr>
         <p:spPr>
           <a:xfrm>
-            <a:off x="3707904" y="1772817"/>
+            <a:off x="3707904" y="836713"/>
             <a:ext cx="1728192" cy="288030"/>
           </a:xfrm>
           <a:prstGeom prst="flowChartProcess">
@@ -14694,7 +15780,7 @@
                   <a:schemeClr val="tx1"/>
                 </a:solidFill>
               </a:rPr>
-              <a:t>작성 예문</a:t>
+              <a:t>작성 형식</a:t>
             </a:r>
             <a:r>
               <a:rPr lang="en-US" altLang="ko-KR" sz="1600" b="1" dirty="0" smtClean="0">
@@ -14715,7 +15801,7 @@
     </p:spTree>
     <p:extLst>
       <p:ext uri="{BB962C8B-B14F-4D97-AF65-F5344CB8AC3E}">
-        <p14:creationId xmlns:p14="http://schemas.microsoft.com/office/powerpoint/2010/main" val="1503088899"/>
+        <p14:creationId xmlns:p14="http://schemas.microsoft.com/office/powerpoint/2010/main" val="299215623"/>
       </p:ext>
     </p:extLst>
   </p:cSld>
@@ -14775,13 +15861,56 @@
       </p:sp>
       <p:sp>
         <p:nvSpPr>
+          <p:cNvPr id="8" name="순서도: 처리 7"/>
+          <p:cNvSpPr/>
+          <p:nvPr/>
+        </p:nvSpPr>
+        <p:spPr>
+          <a:xfrm>
+            <a:off x="539552" y="260648"/>
+            <a:ext cx="4032448" cy="510505"/>
+          </a:xfrm>
+          <a:prstGeom prst="flowChartProcess">
+            <a:avLst/>
+          </a:prstGeom>
+          <a:ln/>
+        </p:spPr>
+        <p:style>
+          <a:lnRef idx="1">
+            <a:schemeClr val="dk1"/>
+          </a:lnRef>
+          <a:fillRef idx="2">
+            <a:schemeClr val="dk1"/>
+          </a:fillRef>
+          <a:effectRef idx="1">
+            <a:schemeClr val="dk1"/>
+          </a:effectRef>
+          <a:fontRef idx="minor">
+            <a:schemeClr val="dk1"/>
+          </a:fontRef>
+        </p:style>
+        <p:txBody>
+          <a:bodyPr tIns="72000" rtlCol="0" anchor="ctr"/>
+          <a:lstStyle/>
+          <a:p>
+            <a:pPr algn="ctr"/>
+            <a:r>
+              <a:rPr lang="ko-KR" altLang="en-US" sz="2400" b="1" dirty="0" err="1" smtClean="0"/>
+              <a:t>반복문</a:t>
+            </a:r>
+            <a:endParaRPr lang="ko-KR" altLang="en-US" sz="2400" b="1" dirty="0"/>
+          </a:p>
+        </p:txBody>
+      </p:sp>
+      <p:sp>
+        <p:nvSpPr>
           <p:cNvPr id="26" name="순서도: 처리 25"/>
           <p:cNvSpPr/>
           <p:nvPr/>
         </p:nvSpPr>
         <p:spPr>
           <a:xfrm>
-            <a:off x="611560" y="620688"/>
+            <a:off x="611560" y="1196752"/>
             <a:ext cx="3672408" cy="432047"/>
           </a:xfrm>
           <a:prstGeom prst="flowChartProcess">
@@ -14818,7 +15947,7 @@
                   <a:schemeClr val="tx1"/>
                 </a:solidFill>
               </a:rPr>
-              <a:t>(2) while </a:t>
+              <a:t>(1) for </a:t>
             </a:r>
             <a:r>
               <a:rPr lang="ko-KR" altLang="en-US" b="1" dirty="0" smtClean="0">
@@ -14844,8 +15973,8 @@
         </p:nvSpPr>
         <p:spPr>
           <a:xfrm>
-            <a:off x="1462828" y="4484142"/>
-            <a:ext cx="6421540" cy="457026"/>
+            <a:off x="1462828" y="4196110"/>
+            <a:ext cx="6421540" cy="889074"/>
           </a:xfrm>
           <a:prstGeom prst="flowChartProcess">
             <a:avLst/>
@@ -14892,7 +16021,7 @@
                   <a:schemeClr val="tx1"/>
                 </a:solidFill>
               </a:rPr>
-              <a:t>while</a:t>
+              <a:t>for</a:t>
             </a:r>
             <a:r>
               <a:rPr lang="ko-KR" altLang="en-US" sz="1200" b="1" dirty="0" smtClean="0">
@@ -14900,6 +16029,77 @@
                   <a:schemeClr val="tx1"/>
                 </a:solidFill>
               </a:rPr>
+              <a:t>문 괄호 안에서 </a:t>
+            </a:r>
+            <a:r>
+              <a:rPr lang="en-US" altLang="ko-KR" sz="1200" b="1" dirty="0" err="1" smtClean="0">
+                <a:solidFill>
+                  <a:schemeClr val="tx1"/>
+                </a:solidFill>
+              </a:rPr>
+              <a:t>int</a:t>
+            </a:r>
+            <a:r>
+              <a:rPr lang="en-US" altLang="ko-KR" sz="1200" b="1" dirty="0" smtClean="0">
+                <a:solidFill>
+                  <a:schemeClr val="tx1"/>
+                </a:solidFill>
+              </a:rPr>
+              <a:t> </a:t>
+            </a:r>
+            <a:r>
+              <a:rPr lang="en-US" altLang="ko-KR" sz="1200" b="1" dirty="0" err="1" smtClean="0">
+                <a:solidFill>
+                  <a:schemeClr val="tx1"/>
+                </a:solidFill>
+              </a:rPr>
+              <a:t>i</a:t>
+            </a:r>
+            <a:r>
+              <a:rPr lang="ko-KR" altLang="en-US" sz="1200" b="1" dirty="0" smtClean="0">
+                <a:solidFill>
+                  <a:schemeClr val="tx1"/>
+                </a:solidFill>
+              </a:rPr>
+              <a:t>와 같이 변수 선언할 수 있다</a:t>
+            </a:r>
+            <a:r>
+              <a:rPr lang="en-US" altLang="ko-KR" sz="1200" b="1" dirty="0" smtClean="0">
+                <a:solidFill>
+                  <a:schemeClr val="tx1"/>
+                </a:solidFill>
+              </a:rPr>
+              <a:t>.</a:t>
+            </a:r>
+          </a:p>
+          <a:p>
+            <a:pPr marL="203200" indent="-203200">
+              <a:lnSpc>
+                <a:spcPts val="2500"/>
+              </a:lnSpc>
+            </a:pPr>
+            <a:r>
+              <a:rPr lang="ko-KR" altLang="en-US" sz="1200" b="1" dirty="0" smtClean="0">
+                <a:solidFill>
+                  <a:schemeClr val="tx1"/>
+                </a:solidFill>
+              </a:rPr>
+              <a:t>② </a:t>
+            </a:r>
+            <a:r>
+              <a:rPr lang="en-US" altLang="ko-KR" sz="1200" b="1" dirty="0" smtClean="0">
+                <a:solidFill>
+                  <a:schemeClr val="tx1"/>
+                </a:solidFill>
+              </a:rPr>
+              <a:t>for</a:t>
+            </a:r>
+            <a:r>
+              <a:rPr lang="ko-KR" altLang="en-US" sz="1200" b="1" dirty="0" smtClean="0">
+                <a:solidFill>
+                  <a:schemeClr val="tx1"/>
+                </a:solidFill>
+              </a:rPr>
               <a:t>문 내부에서 선언된 변수는 </a:t>
             </a:r>
             <a:r>
@@ -14908,7 +16108,7 @@
                   <a:schemeClr val="tx1"/>
                 </a:solidFill>
               </a:rPr>
-              <a:t>while</a:t>
+              <a:t>for</a:t>
             </a:r>
             <a:r>
               <a:rPr lang="ko-KR" altLang="en-US" sz="1200" b="1" dirty="0" smtClean="0">
@@ -14942,8 +16142,8 @@
         </p:nvSpPr>
         <p:spPr>
           <a:xfrm>
-            <a:off x="1475656" y="1844824"/>
-            <a:ext cx="6192688" cy="2423294"/>
+            <a:off x="1475656" y="2204864"/>
+            <a:ext cx="6192688" cy="1728192"/>
           </a:xfrm>
           <a:prstGeom prst="flowChartProcess">
             <a:avLst/>
@@ -14979,7 +16179,31 @@
               </a:lnSpc>
             </a:pPr>
             <a:r>
-              <a:rPr lang="en-US" altLang="ko-KR" sz="2000" b="1" dirty="0" err="1">
+              <a:rPr lang="en-US" altLang="ko-KR" sz="2000" b="1" dirty="0" smtClean="0">
+                <a:solidFill>
+                  <a:schemeClr val="tx1"/>
+                </a:solidFill>
+              </a:rPr>
+              <a:t>for(</a:t>
+            </a:r>
+            <a:r>
+              <a:rPr lang="en-US" altLang="ko-KR" sz="2000" b="1" dirty="0" err="1" smtClean="0">
+                <a:solidFill>
+                  <a:schemeClr val="tx1"/>
+                </a:solidFill>
+              </a:rPr>
+              <a:t>int</a:t>
+            </a:r>
+            <a:r>
+              <a:rPr lang="en-US" altLang="ko-KR" sz="2000" b="1" dirty="0" smtClean="0">
+                <a:solidFill>
+                  <a:schemeClr val="tx1"/>
+                </a:solidFill>
+              </a:rPr>
+              <a:t> </a:t>
+            </a:r>
+            <a:r>
+              <a:rPr lang="en-US" altLang="ko-KR" sz="2000" b="1" dirty="0" err="1" smtClean="0">
                 <a:solidFill>
                   <a:schemeClr val="tx1"/>
                 </a:solidFill>
@@ -14987,12 +16211,20 @@
               <a:t>i</a:t>
             </a:r>
             <a:r>
+              <a:rPr lang="en-US" altLang="ko-KR" sz="2000" b="1" dirty="0" smtClean="0">
+                <a:solidFill>
+                  <a:schemeClr val="tx1"/>
+                </a:solidFill>
+              </a:rPr>
+              <a:t>=1; </a:t>
+            </a:r>
+            <a:r>
               <a:rPr lang="en-US" altLang="ko-KR" sz="2000" b="1" dirty="0" err="1" smtClean="0">
                 <a:solidFill>
                   <a:schemeClr val="tx1"/>
                 </a:solidFill>
               </a:rPr>
-              <a:t>nt</a:t>
+              <a:t>i</a:t>
             </a:r>
             <a:r>
               <a:rPr lang="en-US" altLang="ko-KR" sz="2000" b="1" dirty="0" smtClean="0">
@@ -15000,7 +16232,7 @@
                   <a:schemeClr val="tx1"/>
                 </a:solidFill>
               </a:rPr>
-              <a:t> </a:t>
+              <a:t>&lt;=10; </a:t>
             </a:r>
             <a:r>
               <a:rPr lang="en-US" altLang="ko-KR" sz="2000" b="1" dirty="0" err="1" smtClean="0">
@@ -15016,7 +16248,7 @@
                   <a:schemeClr val="tx1"/>
                 </a:solidFill>
               </a:rPr>
-              <a:t>=1</a:t>
+              <a:t>++) {</a:t>
             </a:r>
           </a:p>
           <a:p>
@@ -15026,12 +16258,20 @@
               </a:lnSpc>
             </a:pPr>
             <a:r>
+              <a:rPr lang="en-US" altLang="ko-KR" sz="2000" b="1" dirty="0">
+                <a:solidFill>
+                  <a:schemeClr val="tx1"/>
+                </a:solidFill>
+              </a:rPr>
+              <a:t> </a:t>
+            </a:r>
+            <a:r>
               <a:rPr lang="en-US" altLang="ko-KR" sz="2000" b="1" dirty="0" smtClean="0">
                 <a:solidFill>
                   <a:schemeClr val="tx1"/>
                 </a:solidFill>
               </a:rPr>
-              <a:t>while(</a:t>
+              <a:t>   </a:t>
             </a:r>
             <a:r>
               <a:rPr lang="en-US" altLang="ko-KR" sz="2000" b="1" dirty="0" err="1" smtClean="0">
@@ -15039,6 +16279,22 @@
                   <a:schemeClr val="tx1"/>
                 </a:solidFill>
               </a:rPr>
+              <a:t>System.out.println</a:t>
+            </a:r>
+            <a:r>
+              <a:rPr lang="en-US" altLang="ko-KR" sz="2000" b="1" dirty="0" smtClean="0">
+                <a:solidFill>
+                  <a:schemeClr val="tx1"/>
+                </a:solidFill>
+              </a:rPr>
+              <a:t>(</a:t>
+            </a:r>
+            <a:r>
+              <a:rPr lang="en-US" altLang="ko-KR" sz="2000" b="1" dirty="0" err="1" smtClean="0">
+                <a:solidFill>
+                  <a:schemeClr val="tx1"/>
+                </a:solidFill>
+              </a:rPr>
               <a:t>i</a:t>
             </a:r>
             <a:r>
@@ -15047,101 +16303,7 @@
                   <a:schemeClr val="tx1"/>
                 </a:solidFill>
               </a:rPr>
-              <a:t>&lt;=10) {</a:t>
-            </a:r>
-          </a:p>
-          <a:p>
-            <a:pPr marL="261938">
-              <a:lnSpc>
-                <a:spcPct val="150000"/>
-              </a:lnSpc>
-            </a:pPr>
-            <a:r>
-              <a:rPr lang="en-US" altLang="ko-KR" sz="2000" b="1" dirty="0">
-                <a:solidFill>
-                  <a:schemeClr val="tx1"/>
-                </a:solidFill>
-              </a:rPr>
-              <a:t> </a:t>
-            </a:r>
-            <a:r>
-              <a:rPr lang="en-US" altLang="ko-KR" sz="2000" b="1" dirty="0" smtClean="0">
-                <a:solidFill>
-                  <a:schemeClr val="tx1"/>
-                </a:solidFill>
-              </a:rPr>
-              <a:t>   </a:t>
-            </a:r>
-            <a:r>
-              <a:rPr lang="en-US" altLang="ko-KR" sz="2000" b="1" dirty="0" err="1" smtClean="0">
-                <a:solidFill>
-                  <a:schemeClr val="tx1"/>
-                </a:solidFill>
-              </a:rPr>
-              <a:t>System.out.println</a:t>
-            </a:r>
-            <a:r>
-              <a:rPr lang="en-US" altLang="ko-KR" sz="2000" b="1" dirty="0" smtClean="0">
-                <a:solidFill>
-                  <a:schemeClr val="tx1"/>
-                </a:solidFill>
-              </a:rPr>
-              <a:t>(</a:t>
-            </a:r>
-            <a:r>
-              <a:rPr lang="en-US" altLang="ko-KR" sz="2000" b="1" dirty="0" err="1" smtClean="0">
-                <a:solidFill>
-                  <a:schemeClr val="tx1"/>
-                </a:solidFill>
-              </a:rPr>
-              <a:t>i</a:t>
-            </a:r>
-            <a:r>
-              <a:rPr lang="en-US" altLang="ko-KR" sz="2000" b="1" dirty="0" smtClean="0">
-                <a:solidFill>
-                  <a:schemeClr val="tx1"/>
-                </a:solidFill>
-              </a:rPr>
               <a:t>);</a:t>
-            </a:r>
-          </a:p>
-          <a:p>
-            <a:pPr marL="261938">
-              <a:lnSpc>
-                <a:spcPct val="150000"/>
-              </a:lnSpc>
-            </a:pPr>
-            <a:r>
-              <a:rPr lang="en-US" altLang="ko-KR" sz="2000" b="1" dirty="0">
-                <a:solidFill>
-                  <a:schemeClr val="tx1"/>
-                </a:solidFill>
-              </a:rPr>
-              <a:t> </a:t>
-            </a:r>
-            <a:r>
-              <a:rPr lang="en-US" altLang="ko-KR" sz="2000" b="1" dirty="0" smtClean="0">
-                <a:solidFill>
-                  <a:schemeClr val="tx1"/>
-                </a:solidFill>
-              </a:rPr>
-              <a:t>   </a:t>
-            </a:r>
-            <a:r>
-              <a:rPr lang="en-US" altLang="ko-KR" sz="2000" b="1" dirty="0" err="1" smtClean="0">
-                <a:solidFill>
-                  <a:schemeClr val="tx1"/>
-                </a:solidFill>
-              </a:rPr>
-              <a:t>i</a:t>
-            </a:r>
-            <a:r>
-              <a:rPr lang="en-US" altLang="ko-KR" sz="2000" b="1" dirty="0" smtClean="0">
-                <a:solidFill>
-                  <a:schemeClr val="tx1"/>
-                </a:solidFill>
-              </a:rPr>
-              <a:t>++;</a:t>
             </a:r>
           </a:p>
           <a:p>
@@ -15174,7 +16336,7 @@
         </p:nvSpPr>
         <p:spPr>
           <a:xfrm>
-            <a:off x="3707904" y="1412777"/>
+            <a:off x="3707904" y="1772817"/>
             <a:ext cx="1728192" cy="288030"/>
           </a:xfrm>
           <a:prstGeom prst="flowChartProcess">
@@ -15243,7 +16405,7 @@
     </p:spTree>
     <p:extLst>
       <p:ext uri="{BB962C8B-B14F-4D97-AF65-F5344CB8AC3E}">
-        <p14:creationId xmlns:p14="http://schemas.microsoft.com/office/powerpoint/2010/main" val="2158208400"/>
+        <p14:creationId xmlns:p14="http://schemas.microsoft.com/office/powerpoint/2010/main" val="1503088899"/>
       </p:ext>
     </p:extLst>
   </p:cSld>
@@ -16300,7 +17462,7 @@
         </p:nvSpPr>
         <p:spPr>
           <a:xfrm>
-            <a:off x="611560" y="451695"/>
+            <a:off x="611560" y="620688"/>
             <a:ext cx="3672408" cy="432047"/>
           </a:xfrm>
           <a:prstGeom prst="flowChartProcess">
@@ -16337,23 +17499,7 @@
                   <a:schemeClr val="tx1"/>
                 </a:solidFill>
               </a:rPr>
-              <a:t>(3) </a:t>
-            </a:r>
-            <a:r>
-              <a:rPr lang="en-US" altLang="ko-KR" b="1" dirty="0" err="1" smtClean="0">
-                <a:solidFill>
-                  <a:schemeClr val="tx1"/>
-                </a:solidFill>
-              </a:rPr>
-              <a:t>do~while</a:t>
-            </a:r>
-            <a:r>
-              <a:rPr lang="en-US" altLang="ko-KR" b="1" dirty="0" smtClean="0">
-                <a:solidFill>
-                  <a:schemeClr val="tx1"/>
-                </a:solidFill>
-              </a:rPr>
-              <a:t> </a:t>
+              <a:t>(2) while </a:t>
             </a:r>
             <a:r>
               <a:rPr lang="ko-KR" altLang="en-US" b="1" dirty="0" smtClean="0">
@@ -16379,7 +17525,7 @@
         </p:nvSpPr>
         <p:spPr>
           <a:xfrm>
-            <a:off x="1462828" y="4052094"/>
+            <a:off x="1462828" y="4484142"/>
             <a:ext cx="6421540" cy="457026"/>
           </a:xfrm>
           <a:prstGeom prst="flowChartProcess">
@@ -16477,7 +17623,7 @@
         </p:nvSpPr>
         <p:spPr>
           <a:xfrm>
-            <a:off x="1475656" y="1531814"/>
+            <a:off x="1475656" y="1844824"/>
             <a:ext cx="6192688" cy="2423294"/>
           </a:xfrm>
           <a:prstGeom prst="flowChartProcess">
@@ -16566,7 +17712,23 @@
                   <a:schemeClr val="tx1"/>
                 </a:solidFill>
               </a:rPr>
-              <a:t>do {</a:t>
+              <a:t>while(</a:t>
+            </a:r>
+            <a:r>
+              <a:rPr lang="en-US" altLang="ko-KR" sz="2000" b="1" dirty="0" err="1" smtClean="0">
+                <a:solidFill>
+                  <a:schemeClr val="tx1"/>
+                </a:solidFill>
+              </a:rPr>
+              <a:t>i</a:t>
+            </a:r>
+            <a:r>
+              <a:rPr lang="en-US" altLang="ko-KR" sz="2000" b="1" dirty="0" smtClean="0">
+                <a:solidFill>
+                  <a:schemeClr val="tx1"/>
+                </a:solidFill>
+              </a:rPr>
+              <a:t>&lt;=10) {</a:t>
             </a:r>
           </a:p>
           <a:p>
@@ -16670,28 +17832,12 @@
               </a:lnSpc>
             </a:pPr>
             <a:r>
-              <a:rPr lang="en-US" altLang="ko-KR" sz="2000" b="1" dirty="0" smtClean="0">
-                <a:solidFill>
-                  <a:schemeClr val="tx1"/>
-                </a:solidFill>
-              </a:rPr>
-              <a:t>} while(</a:t>
-            </a:r>
-            <a:r>
-              <a:rPr lang="en-US" altLang="ko-KR" sz="2000" b="1" dirty="0" err="1" smtClean="0">
-                <a:solidFill>
-                  <a:schemeClr val="tx1"/>
-                </a:solidFill>
-              </a:rPr>
-              <a:t>i</a:t>
-            </a:r>
-            <a:r>
-              <a:rPr lang="en-US" altLang="ko-KR" sz="2000" b="1" dirty="0" smtClean="0">
-                <a:solidFill>
-                  <a:schemeClr val="tx1"/>
-                </a:solidFill>
-              </a:rPr>
-              <a:t>&lt;=10);</a:t>
+              <a:rPr lang="en-US" altLang="ko-KR" sz="2000" b="1" dirty="0">
+                <a:solidFill>
+                  <a:schemeClr val="tx1"/>
+                </a:solidFill>
+              </a:rPr>
+              <a:t>}</a:t>
             </a:r>
             <a:endParaRPr lang="ko-KR" altLang="en-US" sz="2000" b="1" dirty="0">
               <a:solidFill>
@@ -16709,7 +17855,7 @@
         </p:nvSpPr>
         <p:spPr>
           <a:xfrm>
-            <a:off x="3707904" y="1099767"/>
+            <a:off x="3707904" y="1412777"/>
             <a:ext cx="1728192" cy="288030"/>
           </a:xfrm>
           <a:prstGeom prst="flowChartProcess">
@@ -16775,89 +17921,10 @@
           </a:p>
         </p:txBody>
       </p:sp>
-      <p:sp>
-        <p:nvSpPr>
-          <p:cNvPr id="7" name="순서도: 처리 6"/>
-          <p:cNvSpPr/>
-          <p:nvPr/>
-        </p:nvSpPr>
-        <p:spPr>
-          <a:xfrm>
-            <a:off x="611560" y="5229201"/>
-            <a:ext cx="3672408" cy="432047"/>
-          </a:xfrm>
-          <a:prstGeom prst="flowChartProcess">
-            <a:avLst/>
-          </a:prstGeom>
-          <a:ln/>
-        </p:spPr>
-        <p:style>
-          <a:lnRef idx="3">
-            <a:schemeClr val="lt1"/>
-          </a:lnRef>
-          <a:fillRef idx="1">
-            <a:schemeClr val="accent5"/>
-          </a:fillRef>
-          <a:effectRef idx="1">
-            <a:schemeClr val="accent5"/>
-          </a:effectRef>
-          <a:fontRef idx="minor">
-            <a:schemeClr val="lt1"/>
-          </a:fontRef>
-        </p:style>
-        <p:txBody>
-          <a:bodyPr tIns="72000" rtlCol="0" anchor="ctr"/>
-          <a:lstStyle/>
-          <a:p>
-            <a:pPr>
-              <a:lnSpc>
-                <a:spcPts val="2500"/>
-              </a:lnSpc>
-            </a:pPr>
-            <a:r>
-              <a:rPr lang="en-US" altLang="ko-KR" b="1" dirty="0" smtClean="0">
-                <a:solidFill>
-                  <a:schemeClr val="tx1"/>
-                </a:solidFill>
-              </a:rPr>
-              <a:t>(4) break</a:t>
-            </a:r>
-            <a:r>
-              <a:rPr lang="ko-KR" altLang="en-US" b="1" dirty="0" smtClean="0">
-                <a:solidFill>
-                  <a:schemeClr val="tx1"/>
-                </a:solidFill>
-              </a:rPr>
-              <a:t>문</a:t>
-            </a:r>
-            <a:r>
-              <a:rPr lang="en-US" altLang="ko-KR" b="1" dirty="0" smtClean="0">
-                <a:solidFill>
-                  <a:schemeClr val="tx1"/>
-                </a:solidFill>
-              </a:rPr>
-              <a:t>, continue</a:t>
-            </a:r>
-            <a:r>
-              <a:rPr lang="ko-KR" altLang="en-US" b="1" dirty="0" smtClean="0">
-                <a:solidFill>
-                  <a:schemeClr val="tx1"/>
-                </a:solidFill>
-              </a:rPr>
-              <a:t>문</a:t>
-            </a:r>
-            <a:endParaRPr lang="ko-KR" altLang="en-US" b="1" dirty="0">
-              <a:solidFill>
-                <a:schemeClr val="tx1"/>
-              </a:solidFill>
-            </a:endParaRPr>
-          </a:p>
-        </p:txBody>
-      </p:sp>
     </p:spTree>
     <p:extLst>
       <p:ext uri="{BB962C8B-B14F-4D97-AF65-F5344CB8AC3E}">
-        <p14:creationId xmlns:p14="http://schemas.microsoft.com/office/powerpoint/2010/main" val="1726625970"/>
+        <p14:creationId xmlns:p14="http://schemas.microsoft.com/office/powerpoint/2010/main" val="2158208400"/>
       </p:ext>
     </p:extLst>
   </p:cSld>
@@ -16910,6 +17977,629 @@
               <a:rPr lang="ko-KR" altLang="en-US" smtClean="0"/>
               <a:pPr/>
               <a:t>21</a:t>
+            </a:fld>
+            <a:endParaRPr lang="ko-KR" altLang="en-US"/>
+          </a:p>
+        </p:txBody>
+      </p:sp>
+      <p:sp>
+        <p:nvSpPr>
+          <p:cNvPr id="26" name="순서도: 처리 25"/>
+          <p:cNvSpPr/>
+          <p:nvPr/>
+        </p:nvSpPr>
+        <p:spPr>
+          <a:xfrm>
+            <a:off x="611560" y="451695"/>
+            <a:ext cx="3672408" cy="432047"/>
+          </a:xfrm>
+          <a:prstGeom prst="flowChartProcess">
+            <a:avLst/>
+          </a:prstGeom>
+          <a:ln/>
+        </p:spPr>
+        <p:style>
+          <a:lnRef idx="3">
+            <a:schemeClr val="lt1"/>
+          </a:lnRef>
+          <a:fillRef idx="1">
+            <a:schemeClr val="accent5"/>
+          </a:fillRef>
+          <a:effectRef idx="1">
+            <a:schemeClr val="accent5"/>
+          </a:effectRef>
+          <a:fontRef idx="minor">
+            <a:schemeClr val="lt1"/>
+          </a:fontRef>
+        </p:style>
+        <p:txBody>
+          <a:bodyPr tIns="72000" rtlCol="0" anchor="ctr"/>
+          <a:lstStyle/>
+          <a:p>
+            <a:pPr>
+              <a:lnSpc>
+                <a:spcPts val="2500"/>
+              </a:lnSpc>
+            </a:pPr>
+            <a:r>
+              <a:rPr lang="en-US" altLang="ko-KR" b="1" dirty="0" smtClean="0">
+                <a:solidFill>
+                  <a:schemeClr val="tx1"/>
+                </a:solidFill>
+              </a:rPr>
+              <a:t>(3) </a:t>
+            </a:r>
+            <a:r>
+              <a:rPr lang="en-US" altLang="ko-KR" b="1" dirty="0" err="1" smtClean="0">
+                <a:solidFill>
+                  <a:schemeClr val="tx1"/>
+                </a:solidFill>
+              </a:rPr>
+              <a:t>do~while</a:t>
+            </a:r>
+            <a:r>
+              <a:rPr lang="en-US" altLang="ko-KR" b="1" dirty="0" smtClean="0">
+                <a:solidFill>
+                  <a:schemeClr val="tx1"/>
+                </a:solidFill>
+              </a:rPr>
+              <a:t> </a:t>
+            </a:r>
+            <a:r>
+              <a:rPr lang="ko-KR" altLang="en-US" b="1" dirty="0" smtClean="0">
+                <a:solidFill>
+                  <a:schemeClr val="tx1"/>
+                </a:solidFill>
+              </a:rPr>
+              <a:t>문</a:t>
+            </a:r>
+            <a:endParaRPr lang="ko-KR" altLang="en-US" b="1" dirty="0">
+              <a:solidFill>
+                <a:schemeClr val="tx1"/>
+              </a:solidFill>
+            </a:endParaRPr>
+          </a:p>
+        </p:txBody>
+      </p:sp>
+      <p:sp>
+        <p:nvSpPr>
+          <p:cNvPr id="37" name="순서도: 처리 36"/>
+          <p:cNvSpPr/>
+          <p:nvPr/>
+        </p:nvSpPr>
+        <p:spPr>
+          <a:xfrm>
+            <a:off x="1462828" y="4052094"/>
+            <a:ext cx="6421540" cy="457026"/>
+          </a:xfrm>
+          <a:prstGeom prst="flowChartProcess">
+            <a:avLst/>
+          </a:prstGeom>
+          <a:noFill/>
+          <a:ln>
+            <a:noFill/>
+          </a:ln>
+        </p:spPr>
+        <p:style>
+          <a:lnRef idx="2">
+            <a:schemeClr val="dk1"/>
+          </a:lnRef>
+          <a:fillRef idx="1">
+            <a:schemeClr val="lt1"/>
+          </a:fillRef>
+          <a:effectRef idx="0">
+            <a:schemeClr val="dk1"/>
+          </a:effectRef>
+          <a:fontRef idx="minor">
+            <a:schemeClr val="dk1"/>
+          </a:fontRef>
+        </p:style>
+        <p:txBody>
+          <a:bodyPr tIns="72000" rtlCol="0" anchor="ctr"/>
+          <a:lstStyle/>
+          <a:p>
+            <a:pPr marL="203200" indent="-203200">
+              <a:lnSpc>
+                <a:spcPts val="2500"/>
+              </a:lnSpc>
+            </a:pPr>
+            <a:r>
+              <a:rPr lang="ko-KR" altLang="en-US" sz="1200" b="1" dirty="0" smtClean="0">
+                <a:solidFill>
+                  <a:schemeClr val="tx1"/>
+                </a:solidFill>
+              </a:rPr>
+              <a:t>① </a:t>
+            </a:r>
+            <a:r>
+              <a:rPr lang="en-US" altLang="ko-KR" sz="1200" b="1" dirty="0" smtClean="0">
+                <a:solidFill>
+                  <a:schemeClr val="tx1"/>
+                </a:solidFill>
+              </a:rPr>
+              <a:t>while</a:t>
+            </a:r>
+            <a:r>
+              <a:rPr lang="ko-KR" altLang="en-US" sz="1200" b="1" dirty="0" smtClean="0">
+                <a:solidFill>
+                  <a:schemeClr val="tx1"/>
+                </a:solidFill>
+              </a:rPr>
+              <a:t>문 내부에서 선언된 변수는 </a:t>
+            </a:r>
+            <a:r>
+              <a:rPr lang="en-US" altLang="ko-KR" sz="1200" b="1" dirty="0" smtClean="0">
+                <a:solidFill>
+                  <a:schemeClr val="tx1"/>
+                </a:solidFill>
+              </a:rPr>
+              <a:t>while</a:t>
+            </a:r>
+            <a:r>
+              <a:rPr lang="ko-KR" altLang="en-US" sz="1200" b="1" dirty="0" smtClean="0">
+                <a:solidFill>
+                  <a:schemeClr val="tx1"/>
+                </a:solidFill>
+              </a:rPr>
+              <a:t>문을 벗어나면 메모리에서 제거된다</a:t>
+            </a:r>
+            <a:r>
+              <a:rPr lang="en-US" altLang="ko-KR" sz="1200" b="1" dirty="0" smtClean="0">
+                <a:solidFill>
+                  <a:schemeClr val="tx1"/>
+                </a:solidFill>
+              </a:rPr>
+              <a:t>.</a:t>
+            </a:r>
+            <a:endParaRPr lang="en-US" altLang="ko-KR" sz="1200" b="1" dirty="0">
+              <a:solidFill>
+                <a:schemeClr val="tx1"/>
+              </a:solidFill>
+            </a:endParaRPr>
+          </a:p>
+        </p:txBody>
+      </p:sp>
+      <p:sp>
+        <p:nvSpPr>
+          <p:cNvPr id="21" name="순서도: 처리 20"/>
+          <p:cNvSpPr/>
+          <p:nvPr/>
+        </p:nvSpPr>
+        <p:spPr>
+          <a:xfrm>
+            <a:off x="1475656" y="1531814"/>
+            <a:ext cx="6192688" cy="2423294"/>
+          </a:xfrm>
+          <a:prstGeom prst="flowChartProcess">
+            <a:avLst/>
+          </a:prstGeom>
+          <a:solidFill>
+            <a:srgbClr val="EFF7FF"/>
+          </a:solidFill>
+          <a:ln>
+            <a:noFill/>
+          </a:ln>
+        </p:spPr>
+        <p:style>
+          <a:lnRef idx="2">
+            <a:schemeClr val="dk1"/>
+          </a:lnRef>
+          <a:fillRef idx="1">
+            <a:schemeClr val="lt1"/>
+          </a:fillRef>
+          <a:effectRef idx="0">
+            <a:schemeClr val="dk1"/>
+          </a:effectRef>
+          <a:fontRef idx="minor">
+            <a:schemeClr val="dk1"/>
+          </a:fontRef>
+        </p:style>
+        <p:txBody>
+          <a:bodyPr tIns="72000" rtlCol="0" anchor="ctr"/>
+          <a:lstStyle/>
+          <a:p>
+            <a:pPr marL="261938">
+              <a:lnSpc>
+                <a:spcPct val="150000"/>
+              </a:lnSpc>
+            </a:pPr>
+            <a:r>
+              <a:rPr lang="en-US" altLang="ko-KR" sz="2000" b="1" dirty="0" err="1">
+                <a:solidFill>
+                  <a:schemeClr val="tx1"/>
+                </a:solidFill>
+              </a:rPr>
+              <a:t>i</a:t>
+            </a:r>
+            <a:r>
+              <a:rPr lang="en-US" altLang="ko-KR" sz="2000" b="1" dirty="0" err="1" smtClean="0">
+                <a:solidFill>
+                  <a:schemeClr val="tx1"/>
+                </a:solidFill>
+              </a:rPr>
+              <a:t>nt</a:t>
+            </a:r>
+            <a:r>
+              <a:rPr lang="en-US" altLang="ko-KR" sz="2000" b="1" dirty="0" smtClean="0">
+                <a:solidFill>
+                  <a:schemeClr val="tx1"/>
+                </a:solidFill>
+              </a:rPr>
+              <a:t> </a:t>
+            </a:r>
+            <a:r>
+              <a:rPr lang="en-US" altLang="ko-KR" sz="2000" b="1" dirty="0" err="1" smtClean="0">
+                <a:solidFill>
+                  <a:schemeClr val="tx1"/>
+                </a:solidFill>
+              </a:rPr>
+              <a:t>i</a:t>
+            </a:r>
+            <a:r>
+              <a:rPr lang="en-US" altLang="ko-KR" sz="2000" b="1" dirty="0" smtClean="0">
+                <a:solidFill>
+                  <a:schemeClr val="tx1"/>
+                </a:solidFill>
+              </a:rPr>
+              <a:t>=1</a:t>
+            </a:r>
+          </a:p>
+          <a:p>
+            <a:pPr marL="261938">
+              <a:lnSpc>
+                <a:spcPct val="150000"/>
+              </a:lnSpc>
+            </a:pPr>
+            <a:r>
+              <a:rPr lang="en-US" altLang="ko-KR" sz="2000" b="1" dirty="0" smtClean="0">
+                <a:solidFill>
+                  <a:schemeClr val="tx1"/>
+                </a:solidFill>
+              </a:rPr>
+              <a:t>do {</a:t>
+            </a:r>
+          </a:p>
+          <a:p>
+            <a:pPr marL="261938">
+              <a:lnSpc>
+                <a:spcPct val="150000"/>
+              </a:lnSpc>
+            </a:pPr>
+            <a:r>
+              <a:rPr lang="en-US" altLang="ko-KR" sz="2000" b="1" dirty="0">
+                <a:solidFill>
+                  <a:schemeClr val="tx1"/>
+                </a:solidFill>
+              </a:rPr>
+              <a:t> </a:t>
+            </a:r>
+            <a:r>
+              <a:rPr lang="en-US" altLang="ko-KR" sz="2000" b="1" dirty="0" smtClean="0">
+                <a:solidFill>
+                  <a:schemeClr val="tx1"/>
+                </a:solidFill>
+              </a:rPr>
+              <a:t>   </a:t>
+            </a:r>
+            <a:r>
+              <a:rPr lang="en-US" altLang="ko-KR" sz="2000" b="1" dirty="0" err="1" smtClean="0">
+                <a:solidFill>
+                  <a:schemeClr val="tx1"/>
+                </a:solidFill>
+              </a:rPr>
+              <a:t>System.out.println</a:t>
+            </a:r>
+            <a:r>
+              <a:rPr lang="en-US" altLang="ko-KR" sz="2000" b="1" dirty="0" smtClean="0">
+                <a:solidFill>
+                  <a:schemeClr val="tx1"/>
+                </a:solidFill>
+              </a:rPr>
+              <a:t>(</a:t>
+            </a:r>
+            <a:r>
+              <a:rPr lang="en-US" altLang="ko-KR" sz="2000" b="1" dirty="0" err="1" smtClean="0">
+                <a:solidFill>
+                  <a:schemeClr val="tx1"/>
+                </a:solidFill>
+              </a:rPr>
+              <a:t>i</a:t>
+            </a:r>
+            <a:r>
+              <a:rPr lang="en-US" altLang="ko-KR" sz="2000" b="1" dirty="0" smtClean="0">
+                <a:solidFill>
+                  <a:schemeClr val="tx1"/>
+                </a:solidFill>
+              </a:rPr>
+              <a:t>);</a:t>
+            </a:r>
+          </a:p>
+          <a:p>
+            <a:pPr marL="261938">
+              <a:lnSpc>
+                <a:spcPct val="150000"/>
+              </a:lnSpc>
+            </a:pPr>
+            <a:r>
+              <a:rPr lang="en-US" altLang="ko-KR" sz="2000" b="1" dirty="0">
+                <a:solidFill>
+                  <a:schemeClr val="tx1"/>
+                </a:solidFill>
+              </a:rPr>
+              <a:t> </a:t>
+            </a:r>
+            <a:r>
+              <a:rPr lang="en-US" altLang="ko-KR" sz="2000" b="1" dirty="0" smtClean="0">
+                <a:solidFill>
+                  <a:schemeClr val="tx1"/>
+                </a:solidFill>
+              </a:rPr>
+              <a:t>   </a:t>
+            </a:r>
+            <a:r>
+              <a:rPr lang="en-US" altLang="ko-KR" sz="2000" b="1" dirty="0" err="1" smtClean="0">
+                <a:solidFill>
+                  <a:schemeClr val="tx1"/>
+                </a:solidFill>
+              </a:rPr>
+              <a:t>i</a:t>
+            </a:r>
+            <a:r>
+              <a:rPr lang="en-US" altLang="ko-KR" sz="2000" b="1" dirty="0" smtClean="0">
+                <a:solidFill>
+                  <a:schemeClr val="tx1"/>
+                </a:solidFill>
+              </a:rPr>
+              <a:t>++;</a:t>
+            </a:r>
+          </a:p>
+          <a:p>
+            <a:pPr marL="261938">
+              <a:lnSpc>
+                <a:spcPct val="150000"/>
+              </a:lnSpc>
+            </a:pPr>
+            <a:r>
+              <a:rPr lang="en-US" altLang="ko-KR" sz="2000" b="1" dirty="0" smtClean="0">
+                <a:solidFill>
+                  <a:schemeClr val="tx1"/>
+                </a:solidFill>
+              </a:rPr>
+              <a:t>} while(</a:t>
+            </a:r>
+            <a:r>
+              <a:rPr lang="en-US" altLang="ko-KR" sz="2000" b="1" dirty="0" err="1" smtClean="0">
+                <a:solidFill>
+                  <a:schemeClr val="tx1"/>
+                </a:solidFill>
+              </a:rPr>
+              <a:t>i</a:t>
+            </a:r>
+            <a:r>
+              <a:rPr lang="en-US" altLang="ko-KR" sz="2000" b="1" dirty="0" smtClean="0">
+                <a:solidFill>
+                  <a:schemeClr val="tx1"/>
+                </a:solidFill>
+              </a:rPr>
+              <a:t>&lt;=10);</a:t>
+            </a:r>
+            <a:endParaRPr lang="ko-KR" altLang="en-US" sz="2000" b="1" dirty="0">
+              <a:solidFill>
+                <a:schemeClr val="tx1"/>
+              </a:solidFill>
+            </a:endParaRPr>
+          </a:p>
+        </p:txBody>
+      </p:sp>
+      <p:sp>
+        <p:nvSpPr>
+          <p:cNvPr id="16" name="순서도: 처리 15"/>
+          <p:cNvSpPr/>
+          <p:nvPr/>
+        </p:nvSpPr>
+        <p:spPr>
+          <a:xfrm>
+            <a:off x="3707904" y="1099767"/>
+            <a:ext cx="1728192" cy="288030"/>
+          </a:xfrm>
+          <a:prstGeom prst="flowChartProcess">
+            <a:avLst/>
+          </a:prstGeom>
+          <a:noFill/>
+          <a:ln>
+            <a:noFill/>
+          </a:ln>
+        </p:spPr>
+        <p:style>
+          <a:lnRef idx="1">
+            <a:schemeClr val="accent3"/>
+          </a:lnRef>
+          <a:fillRef idx="2">
+            <a:schemeClr val="accent3"/>
+          </a:fillRef>
+          <a:effectRef idx="1">
+            <a:schemeClr val="accent3"/>
+          </a:effectRef>
+          <a:fontRef idx="minor">
+            <a:schemeClr val="dk1"/>
+          </a:fontRef>
+        </p:style>
+        <p:txBody>
+          <a:bodyPr tIns="72000" rtlCol="0" anchor="ctr"/>
+          <a:lstStyle/>
+          <a:p>
+            <a:pPr algn="ctr">
+              <a:lnSpc>
+                <a:spcPts val="2500"/>
+              </a:lnSpc>
+            </a:pPr>
+            <a:r>
+              <a:rPr lang="en-US" altLang="ko-KR" sz="1600" b="1" dirty="0" smtClean="0">
+                <a:solidFill>
+                  <a:schemeClr val="tx1"/>
+                </a:solidFill>
+              </a:rPr>
+              <a:t>&lt;</a:t>
+            </a:r>
+            <a:r>
+              <a:rPr lang="ko-KR" altLang="en-US" sz="1600" b="1" dirty="0" smtClean="0">
+                <a:solidFill>
+                  <a:schemeClr val="tx1"/>
+                </a:solidFill>
+              </a:rPr>
+              <a:t>작성 예문</a:t>
+            </a:r>
+            <a:r>
+              <a:rPr lang="en-US" altLang="ko-KR" sz="1600" b="1" dirty="0" smtClean="0">
+                <a:solidFill>
+                  <a:schemeClr val="tx1"/>
+                </a:solidFill>
+              </a:rPr>
+              <a:t>&gt;</a:t>
+            </a:r>
+            <a:endParaRPr lang="ko-KR" altLang="en-US" sz="1600" b="1" dirty="0">
+              <a:solidFill>
+                <a:schemeClr val="tx1"/>
+              </a:solidFill>
+            </a:endParaRPr>
+          </a:p>
+        </p:txBody>
+      </p:sp>
+      <p:sp>
+        <p:nvSpPr>
+          <p:cNvPr id="7" name="순서도: 처리 6"/>
+          <p:cNvSpPr/>
+          <p:nvPr/>
+        </p:nvSpPr>
+        <p:spPr>
+          <a:xfrm>
+            <a:off x="611560" y="5229201"/>
+            <a:ext cx="3672408" cy="432047"/>
+          </a:xfrm>
+          <a:prstGeom prst="flowChartProcess">
+            <a:avLst/>
+          </a:prstGeom>
+          <a:ln/>
+        </p:spPr>
+        <p:style>
+          <a:lnRef idx="3">
+            <a:schemeClr val="lt1"/>
+          </a:lnRef>
+          <a:fillRef idx="1">
+            <a:schemeClr val="accent5"/>
+          </a:fillRef>
+          <a:effectRef idx="1">
+            <a:schemeClr val="accent5"/>
+          </a:effectRef>
+          <a:fontRef idx="minor">
+            <a:schemeClr val="lt1"/>
+          </a:fontRef>
+        </p:style>
+        <p:txBody>
+          <a:bodyPr tIns="72000" rtlCol="0" anchor="ctr"/>
+          <a:lstStyle/>
+          <a:p>
+            <a:pPr>
+              <a:lnSpc>
+                <a:spcPts val="2500"/>
+              </a:lnSpc>
+            </a:pPr>
+            <a:r>
+              <a:rPr lang="en-US" altLang="ko-KR" b="1" dirty="0" smtClean="0">
+                <a:solidFill>
+                  <a:schemeClr val="tx1"/>
+                </a:solidFill>
+              </a:rPr>
+              <a:t>(4) break</a:t>
+            </a:r>
+            <a:r>
+              <a:rPr lang="ko-KR" altLang="en-US" b="1" dirty="0" smtClean="0">
+                <a:solidFill>
+                  <a:schemeClr val="tx1"/>
+                </a:solidFill>
+              </a:rPr>
+              <a:t>문</a:t>
+            </a:r>
+            <a:r>
+              <a:rPr lang="en-US" altLang="ko-KR" b="1" dirty="0" smtClean="0">
+                <a:solidFill>
+                  <a:schemeClr val="tx1"/>
+                </a:solidFill>
+              </a:rPr>
+              <a:t>, continue</a:t>
+            </a:r>
+            <a:r>
+              <a:rPr lang="ko-KR" altLang="en-US" b="1" dirty="0" smtClean="0">
+                <a:solidFill>
+                  <a:schemeClr val="tx1"/>
+                </a:solidFill>
+              </a:rPr>
+              <a:t>문</a:t>
+            </a:r>
+            <a:endParaRPr lang="ko-KR" altLang="en-US" b="1" dirty="0">
+              <a:solidFill>
+                <a:schemeClr val="tx1"/>
+              </a:solidFill>
+            </a:endParaRPr>
+          </a:p>
+        </p:txBody>
+      </p:sp>
+    </p:spTree>
+    <p:extLst>
+      <p:ext uri="{BB962C8B-B14F-4D97-AF65-F5344CB8AC3E}">
+        <p14:creationId xmlns:p14="http://schemas.microsoft.com/office/powerpoint/2010/main" val="1726625970"/>
+      </p:ext>
+    </p:extLst>
+  </p:cSld>
+  <p:clrMapOvr>
+    <a:masterClrMapping/>
+  </p:clrMapOvr>
+  <p:timing>
+    <p:tnLst>
+      <p:par>
+        <p:cTn id="1" dur="indefinite" restart="never" nodeType="tmRoot"/>
+      </p:par>
+    </p:tnLst>
+  </p:timing>
+</p:sld>
+</file>
+
+<file path=ppt/slides/slide22.xml><?xml version="1.0" encoding="utf-8"?>
+<p:sld xmlns:a="http://schemas.openxmlformats.org/drawingml/2006/main" xmlns:r="http://schemas.openxmlformats.org/officeDocument/2006/relationships" xmlns:p="http://schemas.openxmlformats.org/presentationml/2006/main">
+  <p:cSld>
+    <p:spTree>
+      <p:nvGrpSpPr>
+        <p:cNvPr id="1" name=""/>
+        <p:cNvGrpSpPr/>
+        <p:nvPr/>
+      </p:nvGrpSpPr>
+      <p:grpSpPr>
+        <a:xfrm>
+          <a:off x="0" y="0"/>
+          <a:ext cx="0" cy="0"/>
+          <a:chOff x="0" y="0"/>
+          <a:chExt cx="0" cy="0"/>
+        </a:xfrm>
+      </p:grpSpPr>
+      <p:sp>
+        <p:nvSpPr>
+          <p:cNvPr id="2" name="슬라이드 번호 개체 틀 1"/>
+          <p:cNvSpPr>
+            <a:spLocks noGrp="1"/>
+          </p:cNvSpPr>
+          <p:nvPr>
+            <p:ph type="sldNum" sz="quarter" idx="12"/>
+          </p:nvPr>
+        </p:nvSpPr>
+        <p:spPr/>
+        <p:txBody>
+          <a:bodyPr/>
+          <a:lstStyle/>
+          <a:p>
+            <a:fld id="{77B71057-D4FF-4ED0-970E-E0EF26DA9503}" type="slidenum">
+              <a:rPr lang="ko-KR" altLang="en-US" smtClean="0"/>
+              <a:pPr/>
+              <a:t>22</a:t>
             </a:fld>
             <a:endParaRPr lang="ko-KR" altLang="en-US"/>
           </a:p>
@@ -17274,7 +18964,7 @@
 </p:sld>
 </file>
 
-<file path=ppt/slides/slide22.xml><?xml version="1.0" encoding="utf-8"?>
+<file path=ppt/slides/slide23.xml><?xml version="1.0" encoding="utf-8"?>
 <p:sld xmlns:a="http://schemas.openxmlformats.org/drawingml/2006/main" xmlns:r="http://schemas.openxmlformats.org/officeDocument/2006/relationships" xmlns:p="http://schemas.openxmlformats.org/presentationml/2006/main">
   <p:cSld>
     <p:spTree>
@@ -17309,7 +18999,7 @@
             <a:fld id="{77B71057-D4FF-4ED0-970E-E0EF26DA9503}" type="slidenum">
               <a:rPr lang="ko-KR" altLang="en-US" smtClean="0"/>
               <a:pPr/>
-              <a:t>22</a:t>
+              <a:t>23</a:t>
             </a:fld>
             <a:endParaRPr lang="ko-KR" altLang="en-US"/>
           </a:p>
@@ -20011,363 +21701,6 @@
     <p:extLst>
       <p:ext uri="{BB962C8B-B14F-4D97-AF65-F5344CB8AC3E}">
         <p14:creationId xmlns:p14="http://schemas.microsoft.com/office/powerpoint/2010/main" val="2869294528"/>
-      </p:ext>
-    </p:extLst>
-  </p:cSld>
-  <p:clrMapOvr>
-    <a:masterClrMapping/>
-  </p:clrMapOvr>
-  <p:timing>
-    <p:tnLst>
-      <p:par>
-        <p:cTn id="1" dur="indefinite" restart="never" nodeType="tmRoot"/>
-      </p:par>
-    </p:tnLst>
-  </p:timing>
-</p:sld>
-</file>
-
-<file path=ppt/slides/slide23.xml><?xml version="1.0" encoding="utf-8"?>
-<p:sld xmlns:a="http://schemas.openxmlformats.org/drawingml/2006/main" xmlns:r="http://schemas.openxmlformats.org/officeDocument/2006/relationships" xmlns:p="http://schemas.openxmlformats.org/presentationml/2006/main">
-  <p:cSld>
-    <p:spTree>
-      <p:nvGrpSpPr>
-        <p:cNvPr id="1" name=""/>
-        <p:cNvGrpSpPr/>
-        <p:nvPr/>
-      </p:nvGrpSpPr>
-      <p:grpSpPr>
-        <a:xfrm>
-          <a:off x="0" y="0"/>
-          <a:ext cx="0" cy="0"/>
-          <a:chOff x="0" y="0"/>
-          <a:chExt cx="0" cy="0"/>
-        </a:xfrm>
-      </p:grpSpPr>
-      <p:sp>
-        <p:nvSpPr>
-          <p:cNvPr id="2" name="슬라이드 번호 개체 틀 1"/>
-          <p:cNvSpPr>
-            <a:spLocks noGrp="1"/>
-          </p:cNvSpPr>
-          <p:nvPr>
-            <p:ph type="sldNum" sz="quarter" idx="12"/>
-          </p:nvPr>
-        </p:nvSpPr>
-        <p:spPr/>
-        <p:txBody>
-          <a:bodyPr/>
-          <a:lstStyle/>
-          <a:p>
-            <a:fld id="{77B71057-D4FF-4ED0-970E-E0EF26DA9503}" type="slidenum">
-              <a:rPr lang="ko-KR" altLang="en-US" smtClean="0"/>
-              <a:pPr/>
-              <a:t>23</a:t>
-            </a:fld>
-            <a:endParaRPr lang="ko-KR" altLang="en-US"/>
-          </a:p>
-        </p:txBody>
-      </p:sp>
-      <p:sp>
-        <p:nvSpPr>
-          <p:cNvPr id="8" name="순서도: 처리 7"/>
-          <p:cNvSpPr/>
-          <p:nvPr/>
-        </p:nvSpPr>
-        <p:spPr>
-          <a:xfrm>
-            <a:off x="539552" y="260648"/>
-            <a:ext cx="4032448" cy="510505"/>
-          </a:xfrm>
-          <a:prstGeom prst="flowChartProcess">
-            <a:avLst/>
-          </a:prstGeom>
-          <a:ln/>
-        </p:spPr>
-        <p:style>
-          <a:lnRef idx="1">
-            <a:schemeClr val="dk1"/>
-          </a:lnRef>
-          <a:fillRef idx="2">
-            <a:schemeClr val="dk1"/>
-          </a:fillRef>
-          <a:effectRef idx="1">
-            <a:schemeClr val="dk1"/>
-          </a:effectRef>
-          <a:fontRef idx="minor">
-            <a:schemeClr val="dk1"/>
-          </a:fontRef>
-        </p:style>
-        <p:txBody>
-          <a:bodyPr tIns="72000" rtlCol="0" anchor="ctr"/>
-          <a:lstStyle/>
-          <a:p>
-            <a:pPr algn="ctr"/>
-            <a:r>
-              <a:rPr lang="ko-KR" altLang="en-US" sz="2400" b="1" dirty="0" smtClean="0"/>
-              <a:t>배열</a:t>
-            </a:r>
-            <a:endParaRPr lang="ko-KR" altLang="en-US" sz="2400" b="1" dirty="0"/>
-          </a:p>
-        </p:txBody>
-      </p:sp>
-      <p:sp>
-        <p:nvSpPr>
-          <p:cNvPr id="26" name="순서도: 처리 25"/>
-          <p:cNvSpPr/>
-          <p:nvPr/>
-        </p:nvSpPr>
-        <p:spPr>
-          <a:xfrm>
-            <a:off x="611560" y="980728"/>
-            <a:ext cx="3672408" cy="432047"/>
-          </a:xfrm>
-          <a:prstGeom prst="flowChartProcess">
-            <a:avLst/>
-          </a:prstGeom>
-          <a:ln/>
-        </p:spPr>
-        <p:style>
-          <a:lnRef idx="3">
-            <a:schemeClr val="lt1"/>
-          </a:lnRef>
-          <a:fillRef idx="1">
-            <a:schemeClr val="accent5"/>
-          </a:fillRef>
-          <a:effectRef idx="1">
-            <a:schemeClr val="accent5"/>
-          </a:effectRef>
-          <a:fontRef idx="minor">
-            <a:schemeClr val="lt1"/>
-          </a:fontRef>
-        </p:style>
-        <p:txBody>
-          <a:bodyPr tIns="72000" rtlCol="0" anchor="ctr"/>
-          <a:lstStyle/>
-          <a:p>
-            <a:pPr>
-              <a:lnSpc>
-                <a:spcPts val="2500"/>
-              </a:lnSpc>
-            </a:pPr>
-            <a:r>
-              <a:rPr lang="en-US" altLang="ko-KR" b="1" dirty="0" smtClean="0">
-                <a:solidFill>
-                  <a:schemeClr val="tx1"/>
-                </a:solidFill>
-              </a:rPr>
-              <a:t>(1) </a:t>
-            </a:r>
-            <a:r>
-              <a:rPr lang="ko-KR" altLang="en-US" b="1" dirty="0" smtClean="0">
-                <a:solidFill>
-                  <a:schemeClr val="tx1"/>
-                </a:solidFill>
-              </a:rPr>
-              <a:t>배열이란</a:t>
-            </a:r>
-            <a:r>
-              <a:rPr lang="en-US" altLang="ko-KR" b="1" dirty="0" smtClean="0">
-                <a:solidFill>
-                  <a:schemeClr val="tx1"/>
-                </a:solidFill>
-              </a:rPr>
-              <a:t>?</a:t>
-            </a:r>
-            <a:endParaRPr lang="ko-KR" altLang="en-US" b="1" dirty="0">
-              <a:solidFill>
-                <a:schemeClr val="tx1"/>
-              </a:solidFill>
-            </a:endParaRPr>
-          </a:p>
-        </p:txBody>
-      </p:sp>
-      <p:sp>
-        <p:nvSpPr>
-          <p:cNvPr id="37" name="순서도: 처리 36"/>
-          <p:cNvSpPr/>
-          <p:nvPr/>
-        </p:nvSpPr>
-        <p:spPr>
-          <a:xfrm>
-            <a:off x="827584" y="1531814"/>
-            <a:ext cx="7128792" cy="1033090"/>
-          </a:xfrm>
-          <a:prstGeom prst="flowChartProcess">
-            <a:avLst/>
-          </a:prstGeom>
-          <a:noFill/>
-          <a:ln>
-            <a:noFill/>
-          </a:ln>
-        </p:spPr>
-        <p:style>
-          <a:lnRef idx="2">
-            <a:schemeClr val="dk1"/>
-          </a:lnRef>
-          <a:fillRef idx="1">
-            <a:schemeClr val="lt1"/>
-          </a:fillRef>
-          <a:effectRef idx="0">
-            <a:schemeClr val="dk1"/>
-          </a:effectRef>
-          <a:fontRef idx="minor">
-            <a:schemeClr val="dk1"/>
-          </a:fontRef>
-        </p:style>
-        <p:txBody>
-          <a:bodyPr tIns="72000" rtlCol="0" anchor="ctr"/>
-          <a:lstStyle/>
-          <a:p>
-            <a:pPr marL="203200" indent="-203200">
-              <a:lnSpc>
-                <a:spcPts val="2500"/>
-              </a:lnSpc>
-            </a:pPr>
-            <a:r>
-              <a:rPr lang="ko-KR" altLang="en-US" sz="1200" b="1" dirty="0" smtClean="0">
-                <a:solidFill>
-                  <a:schemeClr val="tx1"/>
-                </a:solidFill>
-              </a:rPr>
-              <a:t>① </a:t>
-            </a:r>
-            <a:r>
-              <a:rPr lang="ko-KR" altLang="en-US" sz="1200" b="1" dirty="0" err="1" smtClean="0">
-                <a:solidFill>
-                  <a:schemeClr val="tx1"/>
-                </a:solidFill>
-              </a:rPr>
-              <a:t>자료형이</a:t>
-            </a:r>
-            <a:r>
-              <a:rPr lang="ko-KR" altLang="en-US" sz="1200" b="1" dirty="0" smtClean="0">
-                <a:solidFill>
-                  <a:schemeClr val="tx1"/>
-                </a:solidFill>
-              </a:rPr>
-              <a:t> 서로 같은 자료들을 연속적인 공간에 저장할 수 있도록 만든 자료 구조</a:t>
-            </a:r>
-            <a:endParaRPr lang="en-US" altLang="ko-KR" sz="1200" b="1" dirty="0" smtClean="0">
-              <a:solidFill>
-                <a:schemeClr val="tx1"/>
-              </a:solidFill>
-            </a:endParaRPr>
-          </a:p>
-          <a:p>
-            <a:pPr marL="203200" indent="-203200">
-              <a:lnSpc>
-                <a:spcPts val="2500"/>
-              </a:lnSpc>
-            </a:pPr>
-            <a:r>
-              <a:rPr lang="ko-KR" altLang="en-US" sz="1200" b="1" dirty="0" smtClean="0">
-                <a:solidFill>
-                  <a:schemeClr val="tx1"/>
-                </a:solidFill>
-              </a:rPr>
-              <a:t>② 자바는 배열을 객체로 취급한다</a:t>
-            </a:r>
-            <a:r>
-              <a:rPr lang="en-US" altLang="ko-KR" sz="1200" b="1" dirty="0" smtClean="0">
-                <a:solidFill>
-                  <a:schemeClr val="tx1"/>
-                </a:solidFill>
-              </a:rPr>
-              <a:t>.</a:t>
-            </a:r>
-          </a:p>
-          <a:p>
-            <a:pPr marL="203200" indent="-203200">
-              <a:lnSpc>
-                <a:spcPts val="2500"/>
-              </a:lnSpc>
-            </a:pPr>
-            <a:r>
-              <a:rPr lang="ko-KR" altLang="en-US" sz="1200" b="1" dirty="0" smtClean="0">
-                <a:solidFill>
-                  <a:schemeClr val="tx1"/>
-                </a:solidFill>
-              </a:rPr>
-              <a:t>③ 배열을 사용하는 가장 큰 이유는 </a:t>
-            </a:r>
-            <a:r>
-              <a:rPr lang="ko-KR" altLang="en-US" sz="1200" b="1" dirty="0" err="1" smtClean="0">
-                <a:solidFill>
-                  <a:schemeClr val="tx1"/>
-                </a:solidFill>
-              </a:rPr>
-              <a:t>반복문을</a:t>
-            </a:r>
-            <a:r>
-              <a:rPr lang="ko-KR" altLang="en-US" sz="1200" b="1" dirty="0" smtClean="0">
-                <a:solidFill>
-                  <a:schemeClr val="tx1"/>
-                </a:solidFill>
-              </a:rPr>
-              <a:t> 이용하여 기억공간에 접근할 수 있기 때문이다</a:t>
-            </a:r>
-            <a:r>
-              <a:rPr lang="en-US" altLang="ko-KR" sz="1200" b="1" dirty="0" smtClean="0">
-                <a:solidFill>
-                  <a:schemeClr val="tx1"/>
-                </a:solidFill>
-              </a:rPr>
-              <a:t>.</a:t>
-            </a:r>
-            <a:endParaRPr lang="en-US" altLang="ko-KR" sz="1200" b="1" dirty="0">
-              <a:solidFill>
-                <a:schemeClr val="tx1"/>
-              </a:solidFill>
-            </a:endParaRPr>
-          </a:p>
-        </p:txBody>
-      </p:sp>
-      <p:pic>
-        <p:nvPicPr>
-          <p:cNvPr id="5122" name="Picture 2" descr="ë°°ì´ì ëí ì´ë¯¸ì§ ê²ìê²°ê³¼"/>
-          <p:cNvPicPr>
-            <a:picLocks noChangeAspect="1" noChangeArrowheads="1"/>
-          </p:cNvPicPr>
-          <p:nvPr/>
-        </p:nvPicPr>
-        <p:blipFill>
-          <a:blip r:embed="rId3">
-            <a:extLst>
-              <a:ext uri="{28A0092B-C50C-407E-A947-70E740481C1C}">
-                <a14:useLocalDpi xmlns:a14="http://schemas.microsoft.com/office/drawing/2010/main" val="0"/>
-              </a:ext>
-            </a:extLst>
-          </a:blip>
-          <a:srcRect/>
-          <a:stretch>
-            <a:fillRect/>
-          </a:stretch>
-        </p:blipFill>
-        <p:spPr bwMode="auto">
-          <a:xfrm>
-            <a:off x="1403648" y="3212976"/>
-            <a:ext cx="6042466" cy="2232248"/>
-          </a:xfrm>
-          <a:prstGeom prst="rect">
-            <a:avLst/>
-          </a:prstGeom>
-          <a:noFill/>
-          <a:extLst>
-            <a:ext uri="{909E8E84-426E-40DD-AFC4-6F175D3DCCD1}">
-              <a14:hiddenFill xmlns:a14="http://schemas.microsoft.com/office/drawing/2010/main">
-                <a:solidFill>
-                  <a:srgbClr val="FFFFFF"/>
-                </a:solidFill>
-              </a14:hiddenFill>
-            </a:ext>
-          </a:extLst>
-        </p:spPr>
-      </p:pic>
-    </p:spTree>
-    <p:extLst>
-      <p:ext uri="{BB962C8B-B14F-4D97-AF65-F5344CB8AC3E}">
-        <p14:creationId xmlns:p14="http://schemas.microsoft.com/office/powerpoint/2010/main" val="1159179487"/>
       </p:ext>
     </p:extLst>
   </p:cSld>
@@ -20427,13 +21760,56 @@
       </p:sp>
       <p:sp>
         <p:nvSpPr>
-          <p:cNvPr id="9" name="순서도: 처리 8"/>
+          <p:cNvPr id="8" name="순서도: 처리 7"/>
           <p:cNvSpPr/>
           <p:nvPr/>
         </p:nvSpPr>
         <p:spPr>
           <a:xfrm>
-            <a:off x="611560" y="620688"/>
+            <a:off x="539552" y="260648"/>
+            <a:ext cx="4032448" cy="510505"/>
+          </a:xfrm>
+          <a:prstGeom prst="flowChartProcess">
+            <a:avLst/>
+          </a:prstGeom>
+          <a:ln/>
+        </p:spPr>
+        <p:style>
+          <a:lnRef idx="1">
+            <a:schemeClr val="dk1"/>
+          </a:lnRef>
+          <a:fillRef idx="2">
+            <a:schemeClr val="dk1"/>
+          </a:fillRef>
+          <a:effectRef idx="1">
+            <a:schemeClr val="dk1"/>
+          </a:effectRef>
+          <a:fontRef idx="minor">
+            <a:schemeClr val="dk1"/>
+          </a:fontRef>
+        </p:style>
+        <p:txBody>
+          <a:bodyPr tIns="72000" rtlCol="0" anchor="ctr"/>
+          <a:lstStyle/>
+          <a:p>
+            <a:pPr algn="ctr"/>
+            <a:r>
+              <a:rPr lang="ko-KR" altLang="en-US" sz="2400" b="1" dirty="0" smtClean="0"/>
+              <a:t>배열</a:t>
+            </a:r>
+            <a:endParaRPr lang="ko-KR" altLang="en-US" sz="2400" b="1" dirty="0"/>
+          </a:p>
+        </p:txBody>
+      </p:sp>
+      <p:sp>
+        <p:nvSpPr>
+          <p:cNvPr id="26" name="순서도: 처리 25"/>
+          <p:cNvSpPr/>
+          <p:nvPr/>
+        </p:nvSpPr>
+        <p:spPr>
+          <a:xfrm>
+            <a:off x="611560" y="980728"/>
             <a:ext cx="3672408" cy="432047"/>
           </a:xfrm>
           <a:prstGeom prst="flowChartProcess">
@@ -20470,7 +21846,7 @@
                   <a:schemeClr val="tx1"/>
                 </a:solidFill>
               </a:rPr>
-              <a:t>(2) 1</a:t>
+              <a:t>(1) </a:t>
             </a:r>
             <a:r>
               <a:rPr lang="ko-KR" altLang="en-US" b="1" dirty="0" smtClean="0">
@@ -20478,7 +21854,15 @@
                   <a:schemeClr val="tx1"/>
                 </a:solidFill>
               </a:rPr>
-              <a:t>차원 배열의 표현</a:t>
+              <a:t>배열이란</a:t>
+            </a:r>
+            <a:r>
+              <a:rPr lang="en-US" altLang="ko-KR" b="1" dirty="0" smtClean="0">
+                <a:solidFill>
+                  <a:schemeClr val="tx1"/>
+                </a:solidFill>
+              </a:rPr>
+              <a:t>?</a:t>
             </a:r>
             <a:endParaRPr lang="ko-KR" altLang="en-US" b="1" dirty="0">
               <a:solidFill>
@@ -20490,553 +21874,14 @@
       </p:sp>
       <p:sp>
         <p:nvSpPr>
-          <p:cNvPr id="10" name="순서도: 처리 9"/>
+          <p:cNvPr id="37" name="순서도: 처리 36"/>
           <p:cNvSpPr/>
           <p:nvPr/>
         </p:nvSpPr>
         <p:spPr>
           <a:xfrm>
-            <a:off x="899592" y="1353257"/>
-            <a:ext cx="2232248" cy="612750"/>
-          </a:xfrm>
-          <a:prstGeom prst="flowChartProcess">
-            <a:avLst/>
-          </a:prstGeom>
-          <a:ln/>
-        </p:spPr>
-        <p:style>
-          <a:lnRef idx="1">
-            <a:schemeClr val="accent2"/>
-          </a:lnRef>
-          <a:fillRef idx="2">
-            <a:schemeClr val="accent2"/>
-          </a:fillRef>
-          <a:effectRef idx="1">
-            <a:schemeClr val="accent2"/>
-          </a:effectRef>
-          <a:fontRef idx="minor">
-            <a:schemeClr val="dk1"/>
-          </a:fontRef>
-        </p:style>
-        <p:txBody>
-          <a:bodyPr tIns="72000" rtlCol="0" anchor="ctr"/>
-          <a:lstStyle/>
-          <a:p>
-            <a:pPr>
-              <a:lnSpc>
-                <a:spcPts val="2500"/>
-              </a:lnSpc>
-            </a:pPr>
-            <a:r>
-              <a:rPr lang="en-US" altLang="ko-KR" sz="1600" b="1" dirty="0" smtClean="0">
-                <a:solidFill>
-                  <a:schemeClr val="tx1"/>
-                </a:solidFill>
-              </a:rPr>
-              <a:t>•</a:t>
-            </a:r>
-            <a:r>
-              <a:rPr lang="ko-KR" altLang="en-US" sz="1600" b="1" dirty="0" smtClean="0">
-                <a:solidFill>
-                  <a:schemeClr val="tx1"/>
-                </a:solidFill>
-              </a:rPr>
-              <a:t> 배열을 선언한다</a:t>
-            </a:r>
-            <a:r>
-              <a:rPr lang="en-US" altLang="ko-KR" sz="1600" b="1" dirty="0" smtClean="0">
-                <a:solidFill>
-                  <a:schemeClr val="tx1"/>
-                </a:solidFill>
-              </a:rPr>
-              <a:t>.</a:t>
-            </a:r>
-            <a:endParaRPr lang="ko-KR" altLang="en-US" sz="1600" b="1" dirty="0">
-              <a:solidFill>
-                <a:schemeClr val="tx1"/>
-              </a:solidFill>
-            </a:endParaRPr>
-          </a:p>
-        </p:txBody>
-      </p:sp>
-      <p:sp>
-        <p:nvSpPr>
-          <p:cNvPr id="11" name="순서도: 처리 10"/>
-          <p:cNvSpPr/>
-          <p:nvPr/>
-        </p:nvSpPr>
-        <p:spPr>
-          <a:xfrm>
-            <a:off x="899592" y="2383418"/>
-            <a:ext cx="2232248" cy="612750"/>
-          </a:xfrm>
-          <a:prstGeom prst="flowChartProcess">
-            <a:avLst/>
-          </a:prstGeom>
-          <a:ln/>
-        </p:spPr>
-        <p:style>
-          <a:lnRef idx="1">
-            <a:schemeClr val="accent2"/>
-          </a:lnRef>
-          <a:fillRef idx="2">
-            <a:schemeClr val="accent2"/>
-          </a:fillRef>
-          <a:effectRef idx="1">
-            <a:schemeClr val="accent2"/>
-          </a:effectRef>
-          <a:fontRef idx="minor">
-            <a:schemeClr val="dk1"/>
-          </a:fontRef>
-        </p:style>
-        <p:txBody>
-          <a:bodyPr tIns="72000" rtlCol="0" anchor="ctr"/>
-          <a:lstStyle/>
-          <a:p>
-            <a:pPr>
-              <a:lnSpc>
-                <a:spcPts val="2500"/>
-              </a:lnSpc>
-            </a:pPr>
-            <a:r>
-              <a:rPr lang="en-US" altLang="ko-KR" sz="1600" b="1" dirty="0" smtClean="0">
-                <a:solidFill>
-                  <a:schemeClr val="tx1"/>
-                </a:solidFill>
-              </a:rPr>
-              <a:t>•</a:t>
-            </a:r>
-            <a:r>
-              <a:rPr lang="ko-KR" altLang="en-US" sz="1600" b="1" dirty="0" smtClean="0">
-                <a:solidFill>
-                  <a:schemeClr val="tx1"/>
-                </a:solidFill>
-              </a:rPr>
-              <a:t> 배열을 생성한다</a:t>
-            </a:r>
-            <a:r>
-              <a:rPr lang="en-US" altLang="ko-KR" sz="1600" b="1" dirty="0" smtClean="0">
-                <a:solidFill>
-                  <a:schemeClr val="tx1"/>
-                </a:solidFill>
-              </a:rPr>
-              <a:t>.</a:t>
-            </a:r>
-            <a:endParaRPr lang="ko-KR" altLang="en-US" sz="1600" b="1" dirty="0">
-              <a:solidFill>
-                <a:schemeClr val="tx1"/>
-              </a:solidFill>
-            </a:endParaRPr>
-          </a:p>
-        </p:txBody>
-      </p:sp>
-      <p:sp>
-        <p:nvSpPr>
-          <p:cNvPr id="12" name="순서도: 처리 11"/>
-          <p:cNvSpPr/>
-          <p:nvPr/>
-        </p:nvSpPr>
-        <p:spPr>
-          <a:xfrm>
-            <a:off x="899592" y="3392314"/>
-            <a:ext cx="2232248" cy="612750"/>
-          </a:xfrm>
-          <a:prstGeom prst="flowChartProcess">
-            <a:avLst/>
-          </a:prstGeom>
-          <a:ln/>
-        </p:spPr>
-        <p:style>
-          <a:lnRef idx="1">
-            <a:schemeClr val="accent2"/>
-          </a:lnRef>
-          <a:fillRef idx="2">
-            <a:schemeClr val="accent2"/>
-          </a:fillRef>
-          <a:effectRef idx="1">
-            <a:schemeClr val="accent2"/>
-          </a:effectRef>
-          <a:fontRef idx="minor">
-            <a:schemeClr val="dk1"/>
-          </a:fontRef>
-        </p:style>
-        <p:txBody>
-          <a:bodyPr tIns="72000" rtlCol="0" anchor="ctr"/>
-          <a:lstStyle/>
-          <a:p>
-            <a:pPr>
-              <a:lnSpc>
-                <a:spcPts val="2500"/>
-              </a:lnSpc>
-            </a:pPr>
-            <a:r>
-              <a:rPr lang="en-US" altLang="ko-KR" sz="1600" b="1" dirty="0" smtClean="0">
-                <a:solidFill>
-                  <a:schemeClr val="tx1"/>
-                </a:solidFill>
-              </a:rPr>
-              <a:t>•</a:t>
-            </a:r>
-            <a:r>
-              <a:rPr lang="ko-KR" altLang="en-US" sz="1600" b="1" dirty="0" smtClean="0">
-                <a:solidFill>
-                  <a:schemeClr val="tx1"/>
-                </a:solidFill>
-              </a:rPr>
-              <a:t> 값을 할당한다</a:t>
-            </a:r>
-            <a:r>
-              <a:rPr lang="en-US" altLang="ko-KR" sz="1600" b="1" dirty="0" smtClean="0">
-                <a:solidFill>
-                  <a:schemeClr val="tx1"/>
-                </a:solidFill>
-              </a:rPr>
-              <a:t>.</a:t>
-            </a:r>
-            <a:endParaRPr lang="ko-KR" altLang="en-US" sz="1600" b="1" dirty="0">
-              <a:solidFill>
-                <a:schemeClr val="tx1"/>
-              </a:solidFill>
-            </a:endParaRPr>
-          </a:p>
-        </p:txBody>
-      </p:sp>
-      <p:sp>
-        <p:nvSpPr>
-          <p:cNvPr id="3" name="아래쪽 화살표 2"/>
-          <p:cNvSpPr/>
-          <p:nvPr/>
-        </p:nvSpPr>
-        <p:spPr>
-          <a:xfrm>
-            <a:off x="1604596" y="1909190"/>
-            <a:ext cx="576064" cy="437612"/>
-          </a:xfrm>
-          <a:prstGeom prst="downArrow">
-            <a:avLst/>
-          </a:prstGeom>
-          <a:ln w="19050">
-            <a:solidFill>
-              <a:schemeClr val="bg1">
-                <a:lumMod val="50000"/>
-              </a:schemeClr>
-            </a:solidFill>
-          </a:ln>
-        </p:spPr>
-        <p:style>
-          <a:lnRef idx="2">
-            <a:schemeClr val="accent1"/>
-          </a:lnRef>
-          <a:fillRef idx="1">
-            <a:schemeClr val="lt1"/>
-          </a:fillRef>
-          <a:effectRef idx="0">
-            <a:schemeClr val="accent1"/>
-          </a:effectRef>
-          <a:fontRef idx="minor">
-            <a:schemeClr val="dk1"/>
-          </a:fontRef>
-        </p:style>
-        <p:txBody>
-          <a:bodyPr rtlCol="0" anchor="ctr"/>
-          <a:lstStyle/>
-          <a:p>
-            <a:pPr algn="ctr"/>
-            <a:endParaRPr lang="ko-KR" altLang="en-US" dirty="0"/>
-          </a:p>
-        </p:txBody>
-      </p:sp>
-      <p:sp>
-        <p:nvSpPr>
-          <p:cNvPr id="13" name="아래쪽 화살표 12"/>
-          <p:cNvSpPr/>
-          <p:nvPr/>
-        </p:nvSpPr>
-        <p:spPr>
-          <a:xfrm>
-            <a:off x="1604596" y="2947846"/>
-            <a:ext cx="576064" cy="437612"/>
-          </a:xfrm>
-          <a:prstGeom prst="downArrow">
-            <a:avLst/>
-          </a:prstGeom>
-          <a:ln w="19050">
-            <a:solidFill>
-              <a:schemeClr val="bg1">
-                <a:lumMod val="50000"/>
-              </a:schemeClr>
-            </a:solidFill>
-          </a:ln>
-        </p:spPr>
-        <p:style>
-          <a:lnRef idx="2">
-            <a:schemeClr val="accent1"/>
-          </a:lnRef>
-          <a:fillRef idx="1">
-            <a:schemeClr val="lt1"/>
-          </a:fillRef>
-          <a:effectRef idx="0">
-            <a:schemeClr val="accent1"/>
-          </a:effectRef>
-          <a:fontRef idx="minor">
-            <a:schemeClr val="dk1"/>
-          </a:fontRef>
-        </p:style>
-        <p:txBody>
-          <a:bodyPr rtlCol="0" anchor="ctr"/>
-          <a:lstStyle/>
-          <a:p>
-            <a:pPr algn="ctr"/>
-            <a:endParaRPr lang="ko-KR" altLang="en-US" dirty="0"/>
-          </a:p>
-        </p:txBody>
-      </p:sp>
-      <p:sp>
-        <p:nvSpPr>
-          <p:cNvPr id="14" name="순서도: 처리 13"/>
-          <p:cNvSpPr/>
-          <p:nvPr/>
-        </p:nvSpPr>
-        <p:spPr>
-          <a:xfrm>
-            <a:off x="3275856" y="1324229"/>
-            <a:ext cx="5040560" cy="627264"/>
-          </a:xfrm>
-          <a:prstGeom prst="flowChartProcess">
-            <a:avLst/>
-          </a:prstGeom>
-          <a:solidFill>
-            <a:srgbClr val="FFF3FF"/>
-          </a:solidFill>
-          <a:ln>
-            <a:noFill/>
-          </a:ln>
-        </p:spPr>
-        <p:style>
-          <a:lnRef idx="2">
-            <a:schemeClr val="dk1"/>
-          </a:lnRef>
-          <a:fillRef idx="1">
-            <a:schemeClr val="lt1"/>
-          </a:fillRef>
-          <a:effectRef idx="0">
-            <a:schemeClr val="dk1"/>
-          </a:effectRef>
-          <a:fontRef idx="minor">
-            <a:schemeClr val="dk1"/>
-          </a:fontRef>
-        </p:style>
-        <p:txBody>
-          <a:bodyPr tIns="72000" rtlCol="0" anchor="ctr"/>
-          <a:lstStyle/>
-          <a:p>
-            <a:pPr>
-              <a:lnSpc>
-                <a:spcPts val="2500"/>
-              </a:lnSpc>
-            </a:pPr>
-            <a:r>
-              <a:rPr lang="en-US" altLang="ko-KR" sz="2400" b="1" dirty="0" err="1" smtClean="0">
-                <a:solidFill>
-                  <a:schemeClr val="tx1"/>
-                </a:solidFill>
-              </a:rPr>
-              <a:t>int</a:t>
-            </a:r>
-            <a:r>
-              <a:rPr lang="en-US" altLang="ko-KR" sz="2400" b="1" dirty="0" smtClean="0">
-                <a:solidFill>
-                  <a:schemeClr val="tx1"/>
-                </a:solidFill>
-              </a:rPr>
-              <a:t> a[]; </a:t>
-            </a:r>
-            <a:r>
-              <a:rPr lang="ko-KR" altLang="en-US" sz="2400" b="1" dirty="0" smtClean="0">
-                <a:solidFill>
-                  <a:schemeClr val="tx1"/>
-                </a:solidFill>
-              </a:rPr>
-              <a:t>또는 </a:t>
-            </a:r>
-            <a:r>
-              <a:rPr lang="en-US" altLang="ko-KR" sz="2400" b="1" dirty="0" err="1" smtClean="0">
-                <a:solidFill>
-                  <a:schemeClr val="tx1"/>
-                </a:solidFill>
-              </a:rPr>
-              <a:t>int</a:t>
-            </a:r>
-            <a:r>
-              <a:rPr lang="en-US" altLang="ko-KR" sz="2400" b="1" dirty="0" smtClean="0">
-                <a:solidFill>
-                  <a:schemeClr val="tx1"/>
-                </a:solidFill>
-              </a:rPr>
-              <a:t>[] a;</a:t>
-            </a:r>
-            <a:endParaRPr lang="ko-KR" altLang="en-US" sz="2400" b="1" dirty="0">
-              <a:solidFill>
-                <a:schemeClr val="tx1"/>
-              </a:solidFill>
-            </a:endParaRPr>
-          </a:p>
-        </p:txBody>
-      </p:sp>
-      <p:sp>
-        <p:nvSpPr>
-          <p:cNvPr id="15" name="순서도: 처리 14"/>
-          <p:cNvSpPr/>
-          <p:nvPr/>
-        </p:nvSpPr>
-        <p:spPr>
-          <a:xfrm>
-            <a:off x="3275856" y="2335650"/>
-            <a:ext cx="5040560" cy="627264"/>
-          </a:xfrm>
-          <a:prstGeom prst="flowChartProcess">
-            <a:avLst/>
-          </a:prstGeom>
-          <a:solidFill>
-            <a:srgbClr val="FFF3FF"/>
-          </a:solidFill>
-          <a:ln>
-            <a:noFill/>
-          </a:ln>
-        </p:spPr>
-        <p:style>
-          <a:lnRef idx="2">
-            <a:schemeClr val="dk1"/>
-          </a:lnRef>
-          <a:fillRef idx="1">
-            <a:schemeClr val="lt1"/>
-          </a:fillRef>
-          <a:effectRef idx="0">
-            <a:schemeClr val="dk1"/>
-          </a:effectRef>
-          <a:fontRef idx="minor">
-            <a:schemeClr val="dk1"/>
-          </a:fontRef>
-        </p:style>
-        <p:txBody>
-          <a:bodyPr tIns="72000" rtlCol="0" anchor="ctr"/>
-          <a:lstStyle/>
-          <a:p>
-            <a:pPr>
-              <a:lnSpc>
-                <a:spcPts val="2500"/>
-              </a:lnSpc>
-            </a:pPr>
-            <a:r>
-              <a:rPr lang="en-US" altLang="ko-KR" sz="2400" b="1" dirty="0" smtClean="0">
-                <a:solidFill>
-                  <a:schemeClr val="tx1"/>
-                </a:solidFill>
-              </a:rPr>
-              <a:t>a = new </a:t>
-            </a:r>
-            <a:r>
-              <a:rPr lang="en-US" altLang="ko-KR" sz="2400" b="1" dirty="0" err="1" smtClean="0">
-                <a:solidFill>
-                  <a:schemeClr val="tx1"/>
-                </a:solidFill>
-              </a:rPr>
-              <a:t>int</a:t>
-            </a:r>
-            <a:r>
-              <a:rPr lang="en-US" altLang="ko-KR" sz="2400" b="1" dirty="0" smtClean="0">
-                <a:solidFill>
-                  <a:schemeClr val="tx1"/>
-                </a:solidFill>
-              </a:rPr>
-              <a:t>[5];</a:t>
-            </a:r>
-            <a:endParaRPr lang="ko-KR" altLang="en-US" sz="2400" b="1" dirty="0">
-              <a:solidFill>
-                <a:schemeClr val="tx1"/>
-              </a:solidFill>
-            </a:endParaRPr>
-          </a:p>
-        </p:txBody>
-      </p:sp>
-      <p:sp>
-        <p:nvSpPr>
-          <p:cNvPr id="17" name="순서도: 처리 16"/>
-          <p:cNvSpPr/>
-          <p:nvPr/>
-        </p:nvSpPr>
-        <p:spPr>
-          <a:xfrm>
-            <a:off x="3275856" y="3377800"/>
-            <a:ext cx="5040560" cy="627264"/>
-          </a:xfrm>
-          <a:prstGeom prst="flowChartProcess">
-            <a:avLst/>
-          </a:prstGeom>
-          <a:solidFill>
-            <a:srgbClr val="FFF3FF"/>
-          </a:solidFill>
-          <a:ln>
-            <a:noFill/>
-          </a:ln>
-        </p:spPr>
-        <p:style>
-          <a:lnRef idx="2">
-            <a:schemeClr val="dk1"/>
-          </a:lnRef>
-          <a:fillRef idx="1">
-            <a:schemeClr val="lt1"/>
-          </a:fillRef>
-          <a:effectRef idx="0">
-            <a:schemeClr val="dk1"/>
-          </a:effectRef>
-          <a:fontRef idx="minor">
-            <a:schemeClr val="dk1"/>
-          </a:fontRef>
-        </p:style>
-        <p:txBody>
-          <a:bodyPr tIns="72000" rtlCol="0" anchor="ctr"/>
-          <a:lstStyle/>
-          <a:p>
-            <a:pPr>
-              <a:lnSpc>
-                <a:spcPts val="2500"/>
-              </a:lnSpc>
-            </a:pPr>
-            <a:r>
-              <a:rPr lang="en-US" altLang="ko-KR" sz="2400" b="1" dirty="0">
-                <a:solidFill>
-                  <a:schemeClr val="tx1"/>
-                </a:solidFill>
-              </a:rPr>
-              <a:t>a</a:t>
-            </a:r>
-            <a:r>
-              <a:rPr lang="en-US" altLang="ko-KR" sz="2400" b="1" dirty="0" smtClean="0">
-                <a:solidFill>
-                  <a:schemeClr val="tx1"/>
-                </a:solidFill>
-              </a:rPr>
-              <a:t>[0] = 10;</a:t>
-            </a:r>
-            <a:endParaRPr lang="ko-KR" altLang="en-US" sz="2400" b="1" dirty="0">
-              <a:solidFill>
-                <a:schemeClr val="tx1"/>
-              </a:solidFill>
-            </a:endParaRPr>
-          </a:p>
-        </p:txBody>
-      </p:sp>
-      <p:sp>
-        <p:nvSpPr>
-          <p:cNvPr id="16" name="순서도: 처리 15"/>
-          <p:cNvSpPr/>
-          <p:nvPr/>
-        </p:nvSpPr>
-        <p:spPr>
-          <a:xfrm>
-            <a:off x="827584" y="4297818"/>
-            <a:ext cx="7128792" cy="745058"/>
+            <a:off x="827584" y="1531814"/>
+            <a:ext cx="7128792" cy="1033090"/>
           </a:xfrm>
           <a:prstGeom prst="flowChartProcess">
             <a:avLst/>
@@ -21070,29 +21915,34 @@
               </a:lnSpc>
             </a:pPr>
             <a:r>
-              <a:rPr lang="en-US" altLang="ko-KR" sz="1200" b="1" dirty="0" smtClean="0">
-                <a:solidFill>
-                  <a:schemeClr val="tx1"/>
-                </a:solidFill>
-              </a:rPr>
-              <a:t>※ </a:t>
-            </a:r>
-            <a:r>
               <a:rPr lang="ko-KR" altLang="en-US" sz="1200" b="1" dirty="0" smtClean="0">
                 <a:solidFill>
                   <a:schemeClr val="tx1"/>
                 </a:solidFill>
               </a:rPr>
-              <a:t>배열 선언과 배열 생성을 동시에 할 수 있다</a:t>
-            </a:r>
-            <a:r>
-              <a:rPr lang="en-US" altLang="ko-KR" sz="1200" b="1" dirty="0" smtClean="0">
-                <a:solidFill>
-                  <a:schemeClr val="tx1"/>
-                </a:solidFill>
-              </a:rPr>
-              <a:t>.</a:t>
-            </a:r>
+              <a:t>① </a:t>
+            </a:r>
+            <a:r>
+              <a:rPr lang="ko-KR" altLang="en-US" sz="1200" b="1" dirty="0" err="1" smtClean="0">
+                <a:solidFill>
+                  <a:schemeClr val="tx1"/>
+                </a:solidFill>
+              </a:rPr>
+              <a:t>자료형이</a:t>
+            </a:r>
+            <a:r>
+              <a:rPr lang="ko-KR" altLang="en-US" sz="1200" b="1" dirty="0" smtClean="0">
+                <a:solidFill>
+                  <a:schemeClr val="tx1"/>
+                </a:solidFill>
+              </a:rPr>
+              <a:t> 서로 같은 자료들을 연속적인 공간에 저장할 수 있도록 만든 자료 구조</a:t>
+            </a:r>
+            <a:endParaRPr lang="en-US" altLang="ko-KR" sz="1200" b="1" dirty="0" smtClean="0">
+              <a:solidFill>
+                <a:schemeClr val="tx1"/>
+              </a:solidFill>
+            </a:endParaRPr>
           </a:p>
           <a:p>
             <a:pPr marL="203200" indent="-203200">
@@ -21101,12 +21951,12 @@
               </a:lnSpc>
             </a:pPr>
             <a:r>
-              <a:rPr lang="en-US" altLang="ko-KR" sz="1200" b="1" dirty="0">
-                <a:solidFill>
-                  <a:schemeClr val="tx1"/>
-                </a:solidFill>
-              </a:rPr>
-              <a:t> </a:t>
+              <a:rPr lang="ko-KR" altLang="en-US" sz="1200" b="1" dirty="0" smtClean="0">
+                <a:solidFill>
+                  <a:schemeClr val="tx1"/>
+                </a:solidFill>
+              </a:rPr>
+              <a:t>② 자바는 배열을 객체로 취급한다</a:t>
             </a:r>
             <a:r>
               <a:rPr lang="en-US" altLang="ko-KR" sz="1200" b="1" dirty="0" smtClean="0">
@@ -21114,103 +21964,9 @@
                   <a:schemeClr val="tx1"/>
                 </a:solidFill>
               </a:rPr>
-              <a:t> </a:t>
-            </a:r>
-            <a:r>
-              <a:rPr lang="en-US" altLang="ko-KR" sz="2000" b="1" dirty="0" smtClean="0">
-                <a:solidFill>
-                  <a:schemeClr val="tx1"/>
-                </a:solidFill>
-              </a:rPr>
-              <a:t> </a:t>
-            </a:r>
-            <a:r>
-              <a:rPr lang="en-US" altLang="ko-KR" sz="2000" b="1" dirty="0" err="1" smtClean="0">
-                <a:solidFill>
-                  <a:schemeClr val="tx1"/>
-                </a:solidFill>
-              </a:rPr>
-              <a:t>int</a:t>
-            </a:r>
-            <a:r>
-              <a:rPr lang="en-US" altLang="ko-KR" sz="2000" b="1" dirty="0" smtClean="0">
-                <a:solidFill>
-                  <a:schemeClr val="tx1"/>
-                </a:solidFill>
-              </a:rPr>
-              <a:t> a[] = </a:t>
-            </a:r>
-            <a:r>
-              <a:rPr lang="en-US" altLang="ko-KR" sz="2000" b="1" dirty="0" smtClean="0">
-                <a:solidFill>
-                  <a:srgbClr val="FF0000"/>
-                </a:solidFill>
-              </a:rPr>
-              <a:t>new </a:t>
-            </a:r>
-            <a:r>
-              <a:rPr lang="en-US" altLang="ko-KR" sz="2000" b="1" dirty="0" err="1" smtClean="0">
-                <a:solidFill>
-                  <a:srgbClr val="FF0000"/>
-                </a:solidFill>
-              </a:rPr>
-              <a:t>int</a:t>
-            </a:r>
-            <a:r>
-              <a:rPr lang="en-US" altLang="ko-KR" sz="2000" b="1" dirty="0" smtClean="0">
-                <a:solidFill>
-                  <a:srgbClr val="FF0000"/>
-                </a:solidFill>
-              </a:rPr>
-              <a:t>[5]</a:t>
-            </a:r>
-            <a:r>
-              <a:rPr lang="en-US" altLang="ko-KR" sz="2000" b="1" dirty="0" smtClean="0">
-                <a:solidFill>
-                  <a:schemeClr val="tx1"/>
-                </a:solidFill>
-              </a:rPr>
-              <a:t>;</a:t>
-            </a:r>
-          </a:p>
-        </p:txBody>
-      </p:sp>
-      <p:sp>
-        <p:nvSpPr>
-          <p:cNvPr id="18" name="순서도: 처리 17"/>
-          <p:cNvSpPr/>
-          <p:nvPr/>
-        </p:nvSpPr>
-        <p:spPr>
-          <a:xfrm>
-            <a:off x="827584" y="5132214"/>
-            <a:ext cx="7128792" cy="745058"/>
-          </a:xfrm>
-          <a:prstGeom prst="flowChartProcess">
-            <a:avLst/>
-          </a:prstGeom>
-          <a:noFill/>
-          <a:ln>
-            <a:noFill/>
-          </a:ln>
-        </p:spPr>
-        <p:style>
-          <a:lnRef idx="2">
-            <a:schemeClr val="dk1"/>
-          </a:lnRef>
-          <a:fillRef idx="1">
-            <a:schemeClr val="lt1"/>
-          </a:fillRef>
-          <a:effectRef idx="0">
-            <a:schemeClr val="dk1"/>
-          </a:effectRef>
-          <a:fontRef idx="minor">
-            <a:schemeClr val="dk1"/>
-          </a:fontRef>
-        </p:style>
-        <p:txBody>
-          <a:bodyPr tIns="72000" rtlCol="0" anchor="ctr"/>
-          <a:lstStyle/>
+              <a:t>.</a:t>
+            </a:r>
+          </a:p>
           <a:p>
             <a:pPr marL="203200" indent="-203200">
               <a:lnSpc>
@@ -21218,139 +21974,90 @@
               </a:lnSpc>
             </a:pPr>
             <a:r>
+              <a:rPr lang="ko-KR" altLang="en-US" sz="1200" b="1" dirty="0" smtClean="0">
+                <a:solidFill>
+                  <a:schemeClr val="tx1"/>
+                </a:solidFill>
+              </a:rPr>
+              <a:t>③ 배열을 사용하는 가장 큰 이유는 </a:t>
+            </a:r>
+            <a:r>
+              <a:rPr lang="ko-KR" altLang="en-US" sz="1200" b="1" dirty="0" err="1" smtClean="0">
+                <a:solidFill>
+                  <a:schemeClr val="tx1"/>
+                </a:solidFill>
+              </a:rPr>
+              <a:t>반복문을</a:t>
+            </a:r>
+            <a:r>
+              <a:rPr lang="ko-KR" altLang="en-US" sz="1200" b="1" dirty="0" smtClean="0">
+                <a:solidFill>
+                  <a:schemeClr val="tx1"/>
+                </a:solidFill>
+              </a:rPr>
+              <a:t> 이용하여 기억공간에 접근할 수 있기 때문이다</a:t>
+            </a:r>
+            <a:r>
               <a:rPr lang="en-US" altLang="ko-KR" sz="1200" b="1" dirty="0" smtClean="0">
                 <a:solidFill>
                   <a:schemeClr val="tx1"/>
                 </a:solidFill>
               </a:rPr>
-              <a:t>※ </a:t>
-            </a:r>
-            <a:r>
-              <a:rPr lang="ko-KR" altLang="en-US" sz="1200" b="1" dirty="0" smtClean="0">
-                <a:solidFill>
-                  <a:schemeClr val="tx1"/>
-                </a:solidFill>
-              </a:rPr>
-              <a:t>배열 선언</a:t>
-            </a:r>
-            <a:r>
-              <a:rPr lang="en-US" altLang="ko-KR" sz="1200" b="1" dirty="0" smtClean="0">
-                <a:solidFill>
-                  <a:schemeClr val="tx1"/>
-                </a:solidFill>
-              </a:rPr>
-              <a:t>, </a:t>
-            </a:r>
-            <a:r>
-              <a:rPr lang="ko-KR" altLang="en-US" sz="1200" b="1" dirty="0" smtClean="0">
-                <a:solidFill>
-                  <a:schemeClr val="tx1"/>
-                </a:solidFill>
-              </a:rPr>
-              <a:t>배열 생성</a:t>
-            </a:r>
-            <a:r>
-              <a:rPr lang="en-US" altLang="ko-KR" sz="1200" b="1" dirty="0" smtClean="0">
-                <a:solidFill>
-                  <a:schemeClr val="tx1"/>
-                </a:solidFill>
-              </a:rPr>
-              <a:t>, </a:t>
-            </a:r>
-            <a:r>
-              <a:rPr lang="ko-KR" altLang="en-US" sz="1200" b="1" dirty="0" err="1" smtClean="0">
-                <a:solidFill>
-                  <a:schemeClr val="tx1"/>
-                </a:solidFill>
-              </a:rPr>
-              <a:t>초깃값</a:t>
-            </a:r>
-            <a:r>
-              <a:rPr lang="ko-KR" altLang="en-US" sz="1200" b="1" dirty="0" smtClean="0">
-                <a:solidFill>
-                  <a:schemeClr val="tx1"/>
-                </a:solidFill>
-              </a:rPr>
-              <a:t> 할당을 을 동시에 할 수 있다</a:t>
-            </a:r>
-            <a:r>
-              <a:rPr lang="en-US" altLang="ko-KR" sz="1200" b="1" dirty="0" smtClean="0">
-                <a:solidFill>
-                  <a:schemeClr val="tx1"/>
-                </a:solidFill>
-              </a:rPr>
               <a:t>.</a:t>
             </a:r>
-          </a:p>
-          <a:p>
-            <a:pPr marL="203200" indent="-203200">
-              <a:lnSpc>
-                <a:spcPts val="2500"/>
-              </a:lnSpc>
-            </a:pPr>
-            <a:r>
-              <a:rPr lang="en-US" altLang="ko-KR" sz="1200" b="1" dirty="0">
-                <a:solidFill>
-                  <a:schemeClr val="tx1"/>
-                </a:solidFill>
-              </a:rPr>
-              <a:t> </a:t>
-            </a:r>
-            <a:r>
-              <a:rPr lang="en-US" altLang="ko-KR" sz="1200" b="1" dirty="0" smtClean="0">
-                <a:solidFill>
-                  <a:schemeClr val="tx1"/>
-                </a:solidFill>
-              </a:rPr>
-              <a:t> </a:t>
-            </a:r>
-            <a:r>
-              <a:rPr lang="en-US" altLang="ko-KR" sz="2000" b="1" dirty="0" smtClean="0">
-                <a:solidFill>
-                  <a:schemeClr val="tx1"/>
-                </a:solidFill>
-              </a:rPr>
-              <a:t> </a:t>
-            </a:r>
-            <a:r>
-              <a:rPr lang="en-US" altLang="ko-KR" sz="2000" b="1" dirty="0" err="1" smtClean="0">
-                <a:solidFill>
-                  <a:schemeClr val="tx1"/>
-                </a:solidFill>
-              </a:rPr>
-              <a:t>int</a:t>
-            </a:r>
-            <a:r>
-              <a:rPr lang="en-US" altLang="ko-KR" sz="2000" b="1" dirty="0" smtClean="0">
-                <a:solidFill>
-                  <a:schemeClr val="tx1"/>
-                </a:solidFill>
-              </a:rPr>
-              <a:t> a[] = </a:t>
-            </a:r>
-            <a:r>
-              <a:rPr lang="en-US" altLang="ko-KR" sz="2000" b="1" dirty="0" smtClean="0">
-                <a:solidFill>
-                  <a:srgbClr val="FF0000"/>
-                </a:solidFill>
-              </a:rPr>
-              <a:t>{10, 15, 20, 23, 35}</a:t>
-            </a:r>
-            <a:r>
-              <a:rPr lang="en-US" altLang="ko-KR" sz="2000" b="1" dirty="0" smtClean="0">
-                <a:solidFill>
-                  <a:schemeClr val="tx1"/>
-                </a:solidFill>
-              </a:rPr>
-              <a:t>;</a:t>
-            </a:r>
+            <a:endParaRPr lang="en-US" altLang="ko-KR" sz="1200" b="1" dirty="0">
+              <a:solidFill>
+                <a:schemeClr val="tx1"/>
+              </a:solidFill>
+            </a:endParaRPr>
           </a:p>
         </p:txBody>
       </p:sp>
+      <p:pic>
+        <p:nvPicPr>
+          <p:cNvPr id="5122" name="Picture 2" descr="ë°°ì´ì ëí ì´ë¯¸ì§ ê²ìê²°ê³¼"/>
+          <p:cNvPicPr>
+            <a:picLocks noChangeAspect="1" noChangeArrowheads="1"/>
+          </p:cNvPicPr>
+          <p:nvPr/>
+        </p:nvPicPr>
+        <p:blipFill>
+          <a:blip r:embed="rId3">
+            <a:extLst>
+              <a:ext uri="{28A0092B-C50C-407E-A947-70E740481C1C}">
+                <a14:useLocalDpi xmlns:a14="http://schemas.microsoft.com/office/drawing/2010/main" val="0"/>
+              </a:ext>
+            </a:extLst>
+          </a:blip>
+          <a:srcRect/>
+          <a:stretch>
+            <a:fillRect/>
+          </a:stretch>
+        </p:blipFill>
+        <p:spPr bwMode="auto">
+          <a:xfrm>
+            <a:off x="1403648" y="3212976"/>
+            <a:ext cx="6042466" cy="2232248"/>
+          </a:xfrm>
+          <a:prstGeom prst="rect">
+            <a:avLst/>
+          </a:prstGeom>
+          <a:noFill/>
+          <a:extLst>
+            <a:ext uri="{909E8E84-426E-40DD-AFC4-6F175D3DCCD1}">
+              <a14:hiddenFill xmlns:a14="http://schemas.microsoft.com/office/drawing/2010/main">
+                <a:solidFill>
+                  <a:srgbClr val="FFFFFF"/>
+                </a:solidFill>
+              </a14:hiddenFill>
+            </a:ext>
+          </a:extLst>
+        </p:spPr>
+      </p:pic>
     </p:spTree>
     <p:extLst>
       <p:ext uri="{BB962C8B-B14F-4D97-AF65-F5344CB8AC3E}">
-        <p14:creationId xmlns:p14="http://schemas.microsoft.com/office/powerpoint/2010/main" val="1504367013"/>
+        <p14:creationId xmlns:p14="http://schemas.microsoft.com/office/powerpoint/2010/main" val="1159179487"/>
       </p:ext>
     </p:extLst>
   </p:cSld>
@@ -21453,7 +22160,7 @@
                   <a:schemeClr val="tx1"/>
                 </a:solidFill>
               </a:rPr>
-              <a:t>(3) 2</a:t>
+              <a:t>(2) 1</a:t>
             </a:r>
             <a:r>
               <a:rPr lang="ko-KR" altLang="en-US" b="1" dirty="0" smtClean="0">
@@ -21821,7 +22528,7 @@
             <a:r>
               <a:rPr lang="en-US" altLang="ko-KR" sz="2400" b="1" dirty="0" err="1" smtClean="0">
                 <a:solidFill>
-                  <a:srgbClr val="FF0000"/>
+                  <a:schemeClr val="tx1"/>
                 </a:solidFill>
               </a:rPr>
               <a:t>int</a:t>
@@ -21829,10 +22536,26 @@
             <a:r>
               <a:rPr lang="en-US" altLang="ko-KR" sz="2400" b="1" dirty="0" smtClean="0">
                 <a:solidFill>
-                  <a:srgbClr val="FF0000"/>
-                </a:solidFill>
-              </a:rPr>
-              <a:t> b[][]</a:t>
+                  <a:schemeClr val="tx1"/>
+                </a:solidFill>
+              </a:rPr>
+              <a:t> a[]; </a:t>
+            </a:r>
+            <a:r>
+              <a:rPr lang="ko-KR" altLang="en-US" sz="2400" b="1" dirty="0" smtClean="0">
+                <a:solidFill>
+                  <a:schemeClr val="tx1"/>
+                </a:solidFill>
+              </a:rPr>
+              <a:t>또는 </a:t>
+            </a:r>
+            <a:r>
+              <a:rPr lang="en-US" altLang="ko-KR" sz="2400" b="1" dirty="0" err="1" smtClean="0">
+                <a:solidFill>
+                  <a:schemeClr val="tx1"/>
+                </a:solidFill>
+              </a:rPr>
+              <a:t>int</a:t>
             </a:r>
             <a:r>
               <a:rPr lang="en-US" altLang="ko-KR" sz="2400" b="1" dirty="0" smtClean="0">
@@ -21840,39 +22563,7 @@
                   <a:schemeClr val="tx1"/>
                 </a:solidFill>
               </a:rPr>
-              <a:t>; </a:t>
-            </a:r>
-            <a:r>
-              <a:rPr lang="ko-KR" altLang="en-US" sz="2400" b="1" dirty="0" smtClean="0">
-                <a:solidFill>
-                  <a:schemeClr val="tx1"/>
-                </a:solidFill>
-              </a:rPr>
-              <a:t>또는 </a:t>
-            </a:r>
-            <a:r>
-              <a:rPr lang="en-US" altLang="ko-KR" sz="2400" b="1" dirty="0" err="1" smtClean="0">
-                <a:solidFill>
-                  <a:srgbClr val="FF0000"/>
-                </a:solidFill>
-              </a:rPr>
-              <a:t>int</a:t>
-            </a:r>
-            <a:r>
-              <a:rPr lang="en-US" altLang="ko-KR" sz="2400" b="1" dirty="0" smtClean="0">
-                <a:solidFill>
-                  <a:srgbClr val="FF0000"/>
-                </a:solidFill>
-              </a:rPr>
-              <a:t>[][] b</a:t>
-            </a:r>
-            <a:r>
-              <a:rPr lang="en-US" altLang="ko-KR" sz="2400" b="1" dirty="0" smtClean="0">
-                <a:solidFill>
-                  <a:schemeClr val="tx1"/>
-                </a:solidFill>
-              </a:rPr>
-              <a:t>;</a:t>
+              <a:t>[] a;</a:t>
             </a:r>
             <a:endParaRPr lang="ko-KR" altLang="en-US" sz="2400" b="1" dirty="0">
               <a:solidFill>
@@ -21932,39 +22623,23 @@
                   <a:schemeClr val="tx1"/>
                 </a:solidFill>
               </a:rPr>
-              <a:t>b = </a:t>
+              <a:t>a = new </a:t>
+            </a:r>
+            <a:r>
+              <a:rPr lang="en-US" altLang="ko-KR" sz="2400" b="1" dirty="0" err="1" smtClean="0">
+                <a:solidFill>
+                  <a:schemeClr val="tx1"/>
+                </a:solidFill>
+              </a:rPr>
+              <a:t>int</a:t>
             </a:r>
             <a:r>
               <a:rPr lang="en-US" altLang="ko-KR" sz="2400" b="1" dirty="0" smtClean="0">
                 <a:solidFill>
-                  <a:srgbClr val="FF0000"/>
-                </a:solidFill>
-              </a:rPr>
-              <a:t>new </a:t>
-            </a:r>
-            <a:r>
-              <a:rPr lang="en-US" altLang="ko-KR" sz="2400" b="1" dirty="0" err="1" smtClean="0">
-                <a:solidFill>
-                  <a:srgbClr val="FF0000"/>
-                </a:solidFill>
-              </a:rPr>
-              <a:t>int</a:t>
-            </a:r>
-            <a:r>
-              <a:rPr lang="en-US" altLang="ko-KR" sz="2400" b="1" dirty="0" smtClean="0">
-                <a:solidFill>
-                  <a:srgbClr val="FF0000"/>
-                </a:solidFill>
-              </a:rPr>
-              <a:t>[3][3]</a:t>
-            </a:r>
-            <a:r>
-              <a:rPr lang="en-US" altLang="ko-KR" sz="2400" b="1" dirty="0" smtClean="0">
-                <a:solidFill>
-                  <a:schemeClr val="tx1"/>
-                </a:solidFill>
-              </a:rPr>
-              <a:t>;</a:t>
+                  <a:schemeClr val="tx1"/>
+                </a:solidFill>
+              </a:rPr>
+              <a:t>[5];</a:t>
             </a:r>
             <a:endParaRPr lang="ko-KR" altLang="en-US" sz="2400" b="1" dirty="0">
               <a:solidFill>
@@ -22019,12 +22694,20 @@
               </a:lnSpc>
             </a:pPr>
             <a:r>
+              <a:rPr lang="en-US" altLang="ko-KR" sz="2400" b="1" dirty="0">
+                <a:solidFill>
+                  <a:schemeClr val="tx1"/>
+                </a:solidFill>
+              </a:rPr>
+              <a:t>a</a:t>
+            </a:r>
+            <a:r>
               <a:rPr lang="en-US" altLang="ko-KR" sz="2400" b="1" dirty="0" smtClean="0">
                 <a:solidFill>
                   <a:schemeClr val="tx1"/>
                 </a:solidFill>
               </a:rPr>
-              <a:t>b[0][2] = 30;</a:t>
+              <a:t>[0] = 10;</a:t>
             </a:r>
             <a:endParaRPr lang="ko-KR" altLang="en-US" sz="2400" b="1" dirty="0">
               <a:solidFill>
@@ -22145,7 +22828,7 @@
                   <a:schemeClr val="tx1"/>
                 </a:solidFill>
               </a:rPr>
-              <a:t> b[][] = </a:t>
+              <a:t> a[] = </a:t>
             </a:r>
             <a:r>
               <a:rPr lang="en-US" altLang="ko-KR" sz="2000" b="1" dirty="0" smtClean="0">
@@ -22169,7 +22852,7 @@
                   <a:srgbClr val="FF0000"/>
                 </a:solidFill>
               </a:rPr>
-              <a:t>[3][3]</a:t>
+              <a:t>[5]</a:t>
             </a:r>
             <a:r>
               <a:rPr lang="en-US" altLang="ko-KR" sz="2000" b="1" dirty="0" smtClean="0">
@@ -22190,8 +22873,8 @@
         </p:nvSpPr>
         <p:spPr>
           <a:xfrm>
-            <a:off x="827584" y="5132213"/>
-            <a:ext cx="7128792" cy="1238651"/>
+            <a:off x="827584" y="5132214"/>
+            <a:ext cx="7128792" cy="745058"/>
           </a:xfrm>
           <a:prstGeom prst="flowChartProcess">
             <a:avLst/>
@@ -22333,7 +23016,7 @@
                   <a:schemeClr val="tx1"/>
                 </a:solidFill>
               </a:rPr>
-              <a:t> b[][] = </a:t>
+              <a:t> a[] = </a:t>
             </a:r>
             <a:r>
               <a:rPr lang="en-US" altLang="ko-KR" sz="2000" b="1" dirty="0" smtClean="0">
@@ -22341,53 +23024,7 @@
                   <a:srgbClr val="FF0000"/>
                 </a:solidFill>
               </a:rPr>
-              <a:t>{ {1, 2, 3}, </a:t>
-            </a:r>
-          </a:p>
-          <a:p>
-            <a:pPr marL="203200" indent="-203200">
-              <a:lnSpc>
-                <a:spcPts val="2500"/>
-              </a:lnSpc>
-            </a:pPr>
-            <a:r>
-              <a:rPr lang="en-US" altLang="ko-KR" sz="2000" b="1" dirty="0">
-                <a:solidFill>
-                  <a:srgbClr val="FF0000"/>
-                </a:solidFill>
-              </a:rPr>
-              <a:t> </a:t>
-            </a:r>
-            <a:r>
-              <a:rPr lang="en-US" altLang="ko-KR" sz="2000" b="1" dirty="0" smtClean="0">
-                <a:solidFill>
-                  <a:srgbClr val="FF0000"/>
-                </a:solidFill>
-              </a:rPr>
-              <a:t>                  {4, 5, 6},</a:t>
-            </a:r>
-          </a:p>
-          <a:p>
-            <a:pPr marL="203200" indent="-203200">
-              <a:lnSpc>
-                <a:spcPts val="2500"/>
-              </a:lnSpc>
-            </a:pPr>
-            <a:r>
-              <a:rPr lang="en-US" altLang="ko-KR" sz="2000" b="1" dirty="0">
-                <a:solidFill>
-                  <a:srgbClr val="FF0000"/>
-                </a:solidFill>
-              </a:rPr>
-              <a:t> </a:t>
-            </a:r>
-            <a:r>
-              <a:rPr lang="en-US" altLang="ko-KR" sz="2000" b="1" dirty="0" smtClean="0">
-                <a:solidFill>
-                  <a:srgbClr val="FF0000"/>
-                </a:solidFill>
-              </a:rPr>
-              <a:t>                  {7, 8, 9} }</a:t>
+              <a:t>{10, 15, 20, 23, 35}</a:t>
             </a:r>
             <a:r>
               <a:rPr lang="en-US" altLang="ko-KR" sz="2000" b="1" dirty="0" smtClean="0">
@@ -22403,7 +23040,7 @@
     </p:spTree>
     <p:extLst>
       <p:ext uri="{BB962C8B-B14F-4D97-AF65-F5344CB8AC3E}">
-        <p14:creationId xmlns:p14="http://schemas.microsoft.com/office/powerpoint/2010/main" val="377635006"/>
+        <p14:creationId xmlns:p14="http://schemas.microsoft.com/office/powerpoint/2010/main" val="1504367013"/>
       </p:ext>
     </p:extLst>
   </p:cSld>
@@ -22506,7 +23143,7 @@
                   <a:schemeClr val="tx1"/>
                 </a:solidFill>
               </a:rPr>
-              <a:t>(4) </a:t>
+              <a:t>(3) 2</a:t>
             </a:r>
             <a:r>
               <a:rPr lang="ko-KR" altLang="en-US" b="1" dirty="0" smtClean="0">
@@ -22514,21 +23151,316 @@
                   <a:schemeClr val="tx1"/>
                 </a:solidFill>
               </a:rPr>
-              <a:t>배열의 크기 속성</a:t>
-            </a:r>
-            <a:r>
-              <a:rPr lang="en-US" altLang="ko-KR" b="1" dirty="0" smtClean="0">
-                <a:solidFill>
-                  <a:schemeClr val="tx1"/>
-                </a:solidFill>
-              </a:rPr>
-              <a:t>: length</a:t>
+              <a:t>차원 배열의 표현</a:t>
             </a:r>
             <a:endParaRPr lang="ko-KR" altLang="en-US" b="1" dirty="0">
               <a:solidFill>
                 <a:schemeClr val="tx1"/>
               </a:solidFill>
             </a:endParaRPr>
+          </a:p>
+        </p:txBody>
+      </p:sp>
+      <p:sp>
+        <p:nvSpPr>
+          <p:cNvPr id="10" name="순서도: 처리 9"/>
+          <p:cNvSpPr/>
+          <p:nvPr/>
+        </p:nvSpPr>
+        <p:spPr>
+          <a:xfrm>
+            <a:off x="899592" y="1353257"/>
+            <a:ext cx="2232248" cy="612750"/>
+          </a:xfrm>
+          <a:prstGeom prst="flowChartProcess">
+            <a:avLst/>
+          </a:prstGeom>
+          <a:ln/>
+        </p:spPr>
+        <p:style>
+          <a:lnRef idx="1">
+            <a:schemeClr val="accent2"/>
+          </a:lnRef>
+          <a:fillRef idx="2">
+            <a:schemeClr val="accent2"/>
+          </a:fillRef>
+          <a:effectRef idx="1">
+            <a:schemeClr val="accent2"/>
+          </a:effectRef>
+          <a:fontRef idx="minor">
+            <a:schemeClr val="dk1"/>
+          </a:fontRef>
+        </p:style>
+        <p:txBody>
+          <a:bodyPr tIns="72000" rtlCol="0" anchor="ctr"/>
+          <a:lstStyle/>
+          <a:p>
+            <a:pPr>
+              <a:lnSpc>
+                <a:spcPts val="2500"/>
+              </a:lnSpc>
+            </a:pPr>
+            <a:r>
+              <a:rPr lang="en-US" altLang="ko-KR" sz="1600" b="1" dirty="0" smtClean="0">
+                <a:solidFill>
+                  <a:schemeClr val="tx1"/>
+                </a:solidFill>
+              </a:rPr>
+              <a:t>•</a:t>
+            </a:r>
+            <a:r>
+              <a:rPr lang="ko-KR" altLang="en-US" sz="1600" b="1" dirty="0" smtClean="0">
+                <a:solidFill>
+                  <a:schemeClr val="tx1"/>
+                </a:solidFill>
+              </a:rPr>
+              <a:t> 배열을 선언한다</a:t>
+            </a:r>
+            <a:r>
+              <a:rPr lang="en-US" altLang="ko-KR" sz="1600" b="1" dirty="0" smtClean="0">
+                <a:solidFill>
+                  <a:schemeClr val="tx1"/>
+                </a:solidFill>
+              </a:rPr>
+              <a:t>.</a:t>
+            </a:r>
+            <a:endParaRPr lang="ko-KR" altLang="en-US" sz="1600" b="1" dirty="0">
+              <a:solidFill>
+                <a:schemeClr val="tx1"/>
+              </a:solidFill>
+            </a:endParaRPr>
+          </a:p>
+        </p:txBody>
+      </p:sp>
+      <p:sp>
+        <p:nvSpPr>
+          <p:cNvPr id="11" name="순서도: 처리 10"/>
+          <p:cNvSpPr/>
+          <p:nvPr/>
+        </p:nvSpPr>
+        <p:spPr>
+          <a:xfrm>
+            <a:off x="899592" y="2383418"/>
+            <a:ext cx="2232248" cy="612750"/>
+          </a:xfrm>
+          <a:prstGeom prst="flowChartProcess">
+            <a:avLst/>
+          </a:prstGeom>
+          <a:ln/>
+        </p:spPr>
+        <p:style>
+          <a:lnRef idx="1">
+            <a:schemeClr val="accent2"/>
+          </a:lnRef>
+          <a:fillRef idx="2">
+            <a:schemeClr val="accent2"/>
+          </a:fillRef>
+          <a:effectRef idx="1">
+            <a:schemeClr val="accent2"/>
+          </a:effectRef>
+          <a:fontRef idx="minor">
+            <a:schemeClr val="dk1"/>
+          </a:fontRef>
+        </p:style>
+        <p:txBody>
+          <a:bodyPr tIns="72000" rtlCol="0" anchor="ctr"/>
+          <a:lstStyle/>
+          <a:p>
+            <a:pPr>
+              <a:lnSpc>
+                <a:spcPts val="2500"/>
+              </a:lnSpc>
+            </a:pPr>
+            <a:r>
+              <a:rPr lang="en-US" altLang="ko-KR" sz="1600" b="1" dirty="0" smtClean="0">
+                <a:solidFill>
+                  <a:schemeClr val="tx1"/>
+                </a:solidFill>
+              </a:rPr>
+              <a:t>•</a:t>
+            </a:r>
+            <a:r>
+              <a:rPr lang="ko-KR" altLang="en-US" sz="1600" b="1" dirty="0" smtClean="0">
+                <a:solidFill>
+                  <a:schemeClr val="tx1"/>
+                </a:solidFill>
+              </a:rPr>
+              <a:t> 배열을 생성한다</a:t>
+            </a:r>
+            <a:r>
+              <a:rPr lang="en-US" altLang="ko-KR" sz="1600" b="1" dirty="0" smtClean="0">
+                <a:solidFill>
+                  <a:schemeClr val="tx1"/>
+                </a:solidFill>
+              </a:rPr>
+              <a:t>.</a:t>
+            </a:r>
+            <a:endParaRPr lang="ko-KR" altLang="en-US" sz="1600" b="1" dirty="0">
+              <a:solidFill>
+                <a:schemeClr val="tx1"/>
+              </a:solidFill>
+            </a:endParaRPr>
+          </a:p>
+        </p:txBody>
+      </p:sp>
+      <p:sp>
+        <p:nvSpPr>
+          <p:cNvPr id="12" name="순서도: 처리 11"/>
+          <p:cNvSpPr/>
+          <p:nvPr/>
+        </p:nvSpPr>
+        <p:spPr>
+          <a:xfrm>
+            <a:off x="899592" y="3392314"/>
+            <a:ext cx="2232248" cy="612750"/>
+          </a:xfrm>
+          <a:prstGeom prst="flowChartProcess">
+            <a:avLst/>
+          </a:prstGeom>
+          <a:ln/>
+        </p:spPr>
+        <p:style>
+          <a:lnRef idx="1">
+            <a:schemeClr val="accent2"/>
+          </a:lnRef>
+          <a:fillRef idx="2">
+            <a:schemeClr val="accent2"/>
+          </a:fillRef>
+          <a:effectRef idx="1">
+            <a:schemeClr val="accent2"/>
+          </a:effectRef>
+          <a:fontRef idx="minor">
+            <a:schemeClr val="dk1"/>
+          </a:fontRef>
+        </p:style>
+        <p:txBody>
+          <a:bodyPr tIns="72000" rtlCol="0" anchor="ctr"/>
+          <a:lstStyle/>
+          <a:p>
+            <a:pPr>
+              <a:lnSpc>
+                <a:spcPts val="2500"/>
+              </a:lnSpc>
+            </a:pPr>
+            <a:r>
+              <a:rPr lang="en-US" altLang="ko-KR" sz="1600" b="1" dirty="0" smtClean="0">
+                <a:solidFill>
+                  <a:schemeClr val="tx1"/>
+                </a:solidFill>
+              </a:rPr>
+              <a:t>•</a:t>
+            </a:r>
+            <a:r>
+              <a:rPr lang="ko-KR" altLang="en-US" sz="1600" b="1" dirty="0" smtClean="0">
+                <a:solidFill>
+                  <a:schemeClr val="tx1"/>
+                </a:solidFill>
+              </a:rPr>
+              <a:t> 값을 할당한다</a:t>
+            </a:r>
+            <a:r>
+              <a:rPr lang="en-US" altLang="ko-KR" sz="1600" b="1" dirty="0" smtClean="0">
+                <a:solidFill>
+                  <a:schemeClr val="tx1"/>
+                </a:solidFill>
+              </a:rPr>
+              <a:t>.</a:t>
+            </a:r>
+            <a:endParaRPr lang="ko-KR" altLang="en-US" sz="1600" b="1" dirty="0">
+              <a:solidFill>
+                <a:schemeClr val="tx1"/>
+              </a:solidFill>
+            </a:endParaRPr>
+          </a:p>
+        </p:txBody>
+      </p:sp>
+      <p:sp>
+        <p:nvSpPr>
+          <p:cNvPr id="3" name="아래쪽 화살표 2"/>
+          <p:cNvSpPr/>
+          <p:nvPr/>
+        </p:nvSpPr>
+        <p:spPr>
+          <a:xfrm>
+            <a:off x="1604596" y="1909190"/>
+            <a:ext cx="576064" cy="437612"/>
+          </a:xfrm>
+          <a:prstGeom prst="downArrow">
+            <a:avLst/>
+          </a:prstGeom>
+          <a:ln w="19050">
+            <a:solidFill>
+              <a:schemeClr val="bg1">
+                <a:lumMod val="50000"/>
+              </a:schemeClr>
+            </a:solidFill>
+          </a:ln>
+        </p:spPr>
+        <p:style>
+          <a:lnRef idx="2">
+            <a:schemeClr val="accent1"/>
+          </a:lnRef>
+          <a:fillRef idx="1">
+            <a:schemeClr val="lt1"/>
+          </a:fillRef>
+          <a:effectRef idx="0">
+            <a:schemeClr val="accent1"/>
+          </a:effectRef>
+          <a:fontRef idx="minor">
+            <a:schemeClr val="dk1"/>
+          </a:fontRef>
+        </p:style>
+        <p:txBody>
+          <a:bodyPr rtlCol="0" anchor="ctr"/>
+          <a:lstStyle/>
+          <a:p>
+            <a:pPr algn="ctr"/>
+            <a:endParaRPr lang="ko-KR" altLang="en-US" dirty="0"/>
+          </a:p>
+        </p:txBody>
+      </p:sp>
+      <p:sp>
+        <p:nvSpPr>
+          <p:cNvPr id="13" name="아래쪽 화살표 12"/>
+          <p:cNvSpPr/>
+          <p:nvPr/>
+        </p:nvSpPr>
+        <p:spPr>
+          <a:xfrm>
+            <a:off x="1604596" y="2947846"/>
+            <a:ext cx="576064" cy="437612"/>
+          </a:xfrm>
+          <a:prstGeom prst="downArrow">
+            <a:avLst/>
+          </a:prstGeom>
+          <a:ln w="19050">
+            <a:solidFill>
+              <a:schemeClr val="bg1">
+                <a:lumMod val="50000"/>
+              </a:schemeClr>
+            </a:solidFill>
+          </a:ln>
+        </p:spPr>
+        <p:style>
+          <a:lnRef idx="2">
+            <a:schemeClr val="accent1"/>
+          </a:lnRef>
+          <a:fillRef idx="1">
+            <a:schemeClr val="lt1"/>
+          </a:fillRef>
+          <a:effectRef idx="0">
+            <a:schemeClr val="accent1"/>
+          </a:effectRef>
+          <a:fontRef idx="minor">
+            <a:schemeClr val="dk1"/>
+          </a:fontRef>
+        </p:style>
+        <p:txBody>
+          <a:bodyPr rtlCol="0" anchor="ctr"/>
+          <a:lstStyle/>
+          <a:p>
+            <a:pPr algn="ctr"/>
+            <a:endParaRPr lang="ko-KR" altLang="en-US" dirty="0"/>
           </a:p>
         </p:txBody>
       </p:sp>
@@ -22540,8 +23472,8 @@
         </p:nvSpPr>
         <p:spPr>
           <a:xfrm>
-            <a:off x="1475656" y="1612260"/>
-            <a:ext cx="5976664" cy="1024652"/>
+            <a:off x="3275856" y="1324229"/>
+            <a:ext cx="5040560" cy="627264"/>
           </a:xfrm>
           <a:prstGeom prst="flowChartProcess">
             <a:avLst/>
@@ -22573,13 +23505,13 @@
           <a:p>
             <a:pPr>
               <a:lnSpc>
-                <a:spcPct val="150000"/>
+                <a:spcPts val="2500"/>
               </a:lnSpc>
             </a:pPr>
             <a:r>
               <a:rPr lang="en-US" altLang="ko-KR" sz="2400" b="1" dirty="0" err="1" smtClean="0">
                 <a:solidFill>
-                  <a:schemeClr val="tx1"/>
+                  <a:srgbClr val="FF0000"/>
                 </a:solidFill>
               </a:rPr>
               <a:t>int</a:t>
@@ -22587,15 +23519,31 @@
             <a:r>
               <a:rPr lang="en-US" altLang="ko-KR" sz="2400" b="1" dirty="0" smtClean="0">
                 <a:solidFill>
-                  <a:schemeClr val="tx1"/>
-                </a:solidFill>
-              </a:rPr>
-              <a:t> a[]=new </a:t>
+                  <a:srgbClr val="FF0000"/>
+                </a:solidFill>
+              </a:rPr>
+              <a:t> b[][]</a:t>
+            </a:r>
+            <a:r>
+              <a:rPr lang="en-US" altLang="ko-KR" sz="2400" b="1" dirty="0" smtClean="0">
+                <a:solidFill>
+                  <a:schemeClr val="tx1"/>
+                </a:solidFill>
+              </a:rPr>
+              <a:t>; </a:t>
+            </a:r>
+            <a:r>
+              <a:rPr lang="ko-KR" altLang="en-US" sz="2400" b="1" dirty="0" smtClean="0">
+                <a:solidFill>
+                  <a:schemeClr val="tx1"/>
+                </a:solidFill>
+              </a:rPr>
+              <a:t>또는 </a:t>
             </a:r>
             <a:r>
               <a:rPr lang="en-US" altLang="ko-KR" sz="2400" b="1" dirty="0" err="1" smtClean="0">
                 <a:solidFill>
-                  <a:schemeClr val="tx1"/>
+                  <a:srgbClr val="FF0000"/>
                 </a:solidFill>
               </a:rPr>
               <a:t>int</a:t>
@@ -22603,25 +23551,10 @@
             <a:r>
               <a:rPr lang="en-US" altLang="ko-KR" sz="2400" b="1" dirty="0" smtClean="0">
                 <a:solidFill>
-                  <a:schemeClr val="tx1"/>
-                </a:solidFill>
-              </a:rPr>
-              <a:t>[5];</a:t>
-            </a:r>
-          </a:p>
-          <a:p>
-            <a:pPr>
-              <a:lnSpc>
-                <a:spcPct val="150000"/>
-              </a:lnSpc>
-            </a:pPr>
-            <a:r>
-              <a:rPr lang="en-US" altLang="ko-KR" sz="2400" b="1" dirty="0" err="1" smtClean="0">
-                <a:solidFill>
-                  <a:schemeClr val="tx1"/>
-                </a:solidFill>
-              </a:rPr>
-              <a:t>System.out.println</a:t>
+                  <a:srgbClr val="FF0000"/>
+                </a:solidFill>
+              </a:rPr>
+              <a:t>[][] b</a:t>
             </a:r>
             <a:r>
               <a:rPr lang="en-US" altLang="ko-KR" sz="2400" b="1" dirty="0" smtClean="0">
@@ -22629,23 +23562,7 @@
                   <a:schemeClr val="tx1"/>
                 </a:solidFill>
               </a:rPr>
-              <a:t>(</a:t>
-            </a:r>
-            <a:r>
-              <a:rPr lang="en-US" altLang="ko-KR" sz="2400" b="1" dirty="0" err="1" smtClean="0">
-                <a:solidFill>
-                  <a:srgbClr val="FF0000"/>
-                </a:solidFill>
-              </a:rPr>
-              <a:t>a.length</a:t>
-            </a:r>
-            <a:r>
-              <a:rPr lang="en-US" altLang="ko-KR" sz="2400" b="1" dirty="0" smtClean="0">
-                <a:solidFill>
-                  <a:schemeClr val="tx1"/>
-                </a:solidFill>
-              </a:rPr>
-              <a:t>);</a:t>
+              <a:t>;</a:t>
             </a:r>
             <a:endParaRPr lang="ko-KR" altLang="en-US" sz="2400" b="1" dirty="0">
               <a:solidFill>
@@ -22663,8 +23580,8 @@
         </p:nvSpPr>
         <p:spPr>
           <a:xfrm>
-            <a:off x="1475656" y="3559786"/>
-            <a:ext cx="5976664" cy="1813430"/>
+            <a:off x="3275856" y="2335650"/>
+            <a:ext cx="5040560" cy="627264"/>
           </a:xfrm>
           <a:prstGeom prst="flowChartProcess">
             <a:avLst/>
@@ -22696,13 +23613,29 @@
           <a:p>
             <a:pPr>
               <a:lnSpc>
-                <a:spcPct val="150000"/>
+                <a:spcPts val="2500"/>
               </a:lnSpc>
             </a:pPr>
             <a:r>
+              <a:rPr lang="en-US" altLang="ko-KR" sz="2400" b="1" dirty="0" smtClean="0">
+                <a:solidFill>
+                  <a:schemeClr val="tx1"/>
+                </a:solidFill>
+              </a:rPr>
+              <a:t>b = </a:t>
+            </a:r>
+            <a:r>
+              <a:rPr lang="en-US" altLang="ko-KR" sz="2400" b="1" dirty="0" smtClean="0">
+                <a:solidFill>
+                  <a:srgbClr val="FF0000"/>
+                </a:solidFill>
+              </a:rPr>
+              <a:t>new </a:t>
+            </a:r>
+            <a:r>
               <a:rPr lang="en-US" altLang="ko-KR" sz="2400" b="1" dirty="0" err="1" smtClean="0">
                 <a:solidFill>
-                  <a:schemeClr val="tx1"/>
+                  <a:srgbClr val="FF0000"/>
                 </a:solidFill>
               </a:rPr>
               <a:t>int</a:t>
@@ -22710,18 +23643,10 @@
             <a:r>
               <a:rPr lang="en-US" altLang="ko-KR" sz="2400" b="1" dirty="0" smtClean="0">
                 <a:solidFill>
-                  <a:schemeClr val="tx1"/>
-                </a:solidFill>
-              </a:rPr>
-              <a:t> b[][]=new </a:t>
-            </a:r>
-            <a:r>
-              <a:rPr lang="en-US" altLang="ko-KR" sz="2400" b="1" dirty="0" err="1" smtClean="0">
-                <a:solidFill>
-                  <a:schemeClr val="tx1"/>
-                </a:solidFill>
-              </a:rPr>
-              <a:t>int</a:t>
+                  <a:srgbClr val="FF0000"/>
+                </a:solidFill>
+              </a:rPr>
+              <a:t>[3][3]</a:t>
             </a:r>
             <a:r>
               <a:rPr lang="en-US" altLang="ko-KR" sz="2400" b="1" dirty="0" smtClean="0">
@@ -22729,46 +23654,7 @@
                   <a:schemeClr val="tx1"/>
                 </a:solidFill>
               </a:rPr>
-              <a:t>[3][3];</a:t>
-            </a:r>
-          </a:p>
-          <a:p>
-            <a:pPr>
-              <a:lnSpc>
-                <a:spcPct val="150000"/>
-              </a:lnSpc>
-            </a:pPr>
-            <a:r>
-              <a:rPr lang="en-US" altLang="ko-KR" sz="2400" b="1" dirty="0" err="1" smtClean="0">
-                <a:solidFill>
-                  <a:schemeClr val="tx1"/>
-                </a:solidFill>
-              </a:rPr>
-              <a:t>System.out.println</a:t>
-            </a:r>
-            <a:r>
-              <a:rPr lang="en-US" altLang="ko-KR" sz="2400" b="1" dirty="0" smtClean="0">
-                <a:solidFill>
-                  <a:schemeClr val="tx1"/>
-                </a:solidFill>
-              </a:rPr>
-              <a:t>(</a:t>
-            </a:r>
-            <a:r>
-              <a:rPr lang="en-US" altLang="ko-KR" sz="2400" b="1" dirty="0" err="1" smtClean="0">
-                <a:solidFill>
-                  <a:srgbClr val="FF0000"/>
-                </a:solidFill>
-              </a:rPr>
-              <a:t>b.length</a:t>
-            </a:r>
-            <a:r>
-              <a:rPr lang="en-US" altLang="ko-KR" sz="2400" b="1" dirty="0">
-                <a:solidFill>
-                  <a:schemeClr val="tx1"/>
-                </a:solidFill>
-              </a:rPr>
-              <a:t>);</a:t>
+              <a:t>;</a:t>
             </a:r>
             <a:endParaRPr lang="ko-KR" altLang="en-US" sz="2400" b="1" dirty="0">
               <a:solidFill>
@@ -22776,43 +23662,59 @@
               </a:solidFill>
             </a:endParaRPr>
           </a:p>
+        </p:txBody>
+      </p:sp>
+      <p:sp>
+        <p:nvSpPr>
+          <p:cNvPr id="17" name="순서도: 처리 16"/>
+          <p:cNvSpPr/>
+          <p:nvPr/>
+        </p:nvSpPr>
+        <p:spPr>
+          <a:xfrm>
+            <a:off x="3275856" y="3377800"/>
+            <a:ext cx="5040560" cy="627264"/>
+          </a:xfrm>
+          <a:prstGeom prst="flowChartProcess">
+            <a:avLst/>
+          </a:prstGeom>
+          <a:solidFill>
+            <a:srgbClr val="FFF3FF"/>
+          </a:solidFill>
+          <a:ln>
+            <a:noFill/>
+          </a:ln>
+        </p:spPr>
+        <p:style>
+          <a:lnRef idx="2">
+            <a:schemeClr val="dk1"/>
+          </a:lnRef>
+          <a:fillRef idx="1">
+            <a:schemeClr val="lt1"/>
+          </a:fillRef>
+          <a:effectRef idx="0">
+            <a:schemeClr val="dk1"/>
+          </a:effectRef>
+          <a:fontRef idx="minor">
+            <a:schemeClr val="dk1"/>
+          </a:fontRef>
+        </p:style>
+        <p:txBody>
+          <a:bodyPr tIns="72000" rtlCol="0" anchor="ctr"/>
+          <a:lstStyle/>
           <a:p>
             <a:pPr>
               <a:lnSpc>
-                <a:spcPct val="150000"/>
+                <a:spcPts val="2500"/>
               </a:lnSpc>
             </a:pPr>
             <a:r>
-              <a:rPr lang="en-US" altLang="ko-KR" sz="2400" b="1" dirty="0" err="1" smtClean="0">
-                <a:solidFill>
-                  <a:schemeClr val="tx1"/>
-                </a:solidFill>
-              </a:rPr>
-              <a:t>System.out.println</a:t>
-            </a:r>
-            <a:r>
               <a:rPr lang="en-US" altLang="ko-KR" sz="2400" b="1" dirty="0" smtClean="0">
                 <a:solidFill>
                   <a:schemeClr val="tx1"/>
                 </a:solidFill>
               </a:rPr>
-              <a:t>(</a:t>
-            </a:r>
-            <a:r>
-              <a:rPr lang="en-US" altLang="ko-KR" sz="2400" b="1" dirty="0" smtClean="0">
-                <a:solidFill>
-                  <a:srgbClr val="FF0000"/>
-                </a:solidFill>
-              </a:rPr>
-              <a:t>b[1].length</a:t>
-            </a:r>
-            <a:r>
-              <a:rPr lang="en-US" altLang="ko-KR" sz="2400" b="1" dirty="0" smtClean="0">
-                <a:solidFill>
-                  <a:schemeClr val="tx1"/>
-                </a:solidFill>
-              </a:rPr>
-              <a:t>);</a:t>
+              <a:t>b[0][2] = 30;</a:t>
             </a:r>
             <a:endParaRPr lang="ko-KR" altLang="en-US" sz="2400" b="1" dirty="0">
               <a:solidFill>
@@ -22824,14 +23726,14 @@
       </p:sp>
       <p:sp>
         <p:nvSpPr>
-          <p:cNvPr id="19" name="순서도: 처리 18"/>
+          <p:cNvPr id="16" name="순서도: 처리 15"/>
           <p:cNvSpPr/>
           <p:nvPr/>
         </p:nvSpPr>
         <p:spPr>
           <a:xfrm>
-            <a:off x="1475656" y="1243782"/>
-            <a:ext cx="1224136" cy="368477"/>
+            <a:off x="827584" y="4297818"/>
+            <a:ext cx="7128792" cy="745058"/>
           </a:xfrm>
           <a:prstGeom prst="flowChartProcess">
             <a:avLst/>
@@ -22842,14 +23744,14 @@
           </a:ln>
         </p:spPr>
         <p:style>
-          <a:lnRef idx="1">
-            <a:schemeClr val="accent3"/>
+          <a:lnRef idx="2">
+            <a:schemeClr val="dk1"/>
           </a:lnRef>
-          <a:fillRef idx="2">
-            <a:schemeClr val="accent3"/>
+          <a:fillRef idx="1">
+            <a:schemeClr val="lt1"/>
           </a:fillRef>
-          <a:effectRef idx="1">
-            <a:schemeClr val="accent3"/>
+          <a:effectRef idx="0">
+            <a:schemeClr val="dk1"/>
           </a:effectRef>
           <a:fontRef idx="minor">
             <a:schemeClr val="dk1"/>
@@ -22859,53 +23761,127 @@
           <a:bodyPr tIns="72000" rtlCol="0" anchor="ctr"/>
           <a:lstStyle/>
           <a:p>
-            <a:pPr>
+            <a:pPr marL="203200" indent="-203200">
               <a:lnSpc>
                 <a:spcPts val="2500"/>
               </a:lnSpc>
             </a:pPr>
             <a:r>
-              <a:rPr lang="en-US" altLang="ko-KR" sz="1600" b="1" dirty="0" smtClean="0">
-                <a:solidFill>
-                  <a:schemeClr val="tx1"/>
-                </a:solidFill>
-              </a:rPr>
-              <a:t>&lt;</a:t>
-            </a:r>
-            <a:r>
-              <a:rPr lang="ko-KR" altLang="en-US" sz="1600" b="1" dirty="0" smtClean="0">
-                <a:solidFill>
-                  <a:schemeClr val="tx1"/>
-                </a:solidFill>
-              </a:rPr>
-              <a:t>예문</a:t>
-            </a:r>
-            <a:r>
-              <a:rPr lang="en-US" altLang="ko-KR" sz="1600" b="1" dirty="0" smtClean="0">
-                <a:solidFill>
-                  <a:schemeClr val="tx1"/>
-                </a:solidFill>
-              </a:rPr>
-              <a:t>1&gt;</a:t>
-            </a:r>
-            <a:endParaRPr lang="ko-KR" altLang="en-US" sz="1600" b="1" dirty="0">
-              <a:solidFill>
-                <a:schemeClr val="tx1"/>
-              </a:solidFill>
-            </a:endParaRPr>
+              <a:rPr lang="en-US" altLang="ko-KR" sz="1200" b="1" dirty="0" smtClean="0">
+                <a:solidFill>
+                  <a:schemeClr val="tx1"/>
+                </a:solidFill>
+              </a:rPr>
+              <a:t>※ </a:t>
+            </a:r>
+            <a:r>
+              <a:rPr lang="ko-KR" altLang="en-US" sz="1200" b="1" dirty="0" smtClean="0">
+                <a:solidFill>
+                  <a:schemeClr val="tx1"/>
+                </a:solidFill>
+              </a:rPr>
+              <a:t>배열 선언과 배열 생성을 동시에 할 수 있다</a:t>
+            </a:r>
+            <a:r>
+              <a:rPr lang="en-US" altLang="ko-KR" sz="1200" b="1" dirty="0" smtClean="0">
+                <a:solidFill>
+                  <a:schemeClr val="tx1"/>
+                </a:solidFill>
+              </a:rPr>
+              <a:t>.</a:t>
+            </a:r>
+          </a:p>
+          <a:p>
+            <a:pPr marL="203200" indent="-203200">
+              <a:lnSpc>
+                <a:spcPts val="2500"/>
+              </a:lnSpc>
+            </a:pPr>
+            <a:r>
+              <a:rPr lang="en-US" altLang="ko-KR" sz="1200" b="1" dirty="0">
+                <a:solidFill>
+                  <a:schemeClr val="tx1"/>
+                </a:solidFill>
+              </a:rPr>
+              <a:t> </a:t>
+            </a:r>
+            <a:r>
+              <a:rPr lang="en-US" altLang="ko-KR" sz="1200" b="1" dirty="0" smtClean="0">
+                <a:solidFill>
+                  <a:schemeClr val="tx1"/>
+                </a:solidFill>
+              </a:rPr>
+              <a:t> </a:t>
+            </a:r>
+            <a:r>
+              <a:rPr lang="en-US" altLang="ko-KR" sz="2000" b="1" dirty="0" smtClean="0">
+                <a:solidFill>
+                  <a:schemeClr val="tx1"/>
+                </a:solidFill>
+              </a:rPr>
+              <a:t> </a:t>
+            </a:r>
+            <a:r>
+              <a:rPr lang="en-US" altLang="ko-KR" sz="2000" b="1" dirty="0" err="1" smtClean="0">
+                <a:solidFill>
+                  <a:schemeClr val="tx1"/>
+                </a:solidFill>
+              </a:rPr>
+              <a:t>int</a:t>
+            </a:r>
+            <a:r>
+              <a:rPr lang="en-US" altLang="ko-KR" sz="2000" b="1" dirty="0" smtClean="0">
+                <a:solidFill>
+                  <a:schemeClr val="tx1"/>
+                </a:solidFill>
+              </a:rPr>
+              <a:t> b[][] = </a:t>
+            </a:r>
+            <a:r>
+              <a:rPr lang="en-US" altLang="ko-KR" sz="2000" b="1" dirty="0" smtClean="0">
+                <a:solidFill>
+                  <a:srgbClr val="FF0000"/>
+                </a:solidFill>
+              </a:rPr>
+              <a:t>new </a:t>
+            </a:r>
+            <a:r>
+              <a:rPr lang="en-US" altLang="ko-KR" sz="2000" b="1" dirty="0" err="1" smtClean="0">
+                <a:solidFill>
+                  <a:srgbClr val="FF0000"/>
+                </a:solidFill>
+              </a:rPr>
+              <a:t>int</a:t>
+            </a:r>
+            <a:r>
+              <a:rPr lang="en-US" altLang="ko-KR" sz="2000" b="1" dirty="0" smtClean="0">
+                <a:solidFill>
+                  <a:srgbClr val="FF0000"/>
+                </a:solidFill>
+              </a:rPr>
+              <a:t>[3][3]</a:t>
+            </a:r>
+            <a:r>
+              <a:rPr lang="en-US" altLang="ko-KR" sz="2000" b="1" dirty="0" smtClean="0">
+                <a:solidFill>
+                  <a:schemeClr val="tx1"/>
+                </a:solidFill>
+              </a:rPr>
+              <a:t>;</a:t>
+            </a:r>
           </a:p>
         </p:txBody>
       </p:sp>
       <p:sp>
         <p:nvSpPr>
-          <p:cNvPr id="20" name="순서도: 처리 19"/>
+          <p:cNvPr id="18" name="순서도: 처리 17"/>
           <p:cNvSpPr/>
           <p:nvPr/>
         </p:nvSpPr>
         <p:spPr>
           <a:xfrm>
-            <a:off x="1475656" y="3160265"/>
-            <a:ext cx="1224136" cy="368477"/>
+            <a:off x="827584" y="5132213"/>
+            <a:ext cx="7128792" cy="1238651"/>
           </a:xfrm>
           <a:prstGeom prst="flowChartProcess">
             <a:avLst/>
@@ -22916,14 +23892,14 @@
           </a:ln>
         </p:spPr>
         <p:style>
-          <a:lnRef idx="1">
-            <a:schemeClr val="accent3"/>
+          <a:lnRef idx="2">
+            <a:schemeClr val="dk1"/>
           </a:lnRef>
-          <a:fillRef idx="2">
-            <a:schemeClr val="accent3"/>
+          <a:fillRef idx="1">
+            <a:schemeClr val="lt1"/>
           </a:fillRef>
-          <a:effectRef idx="1">
-            <a:schemeClr val="accent3"/>
+          <a:effectRef idx="0">
+            <a:schemeClr val="dk1"/>
           </a:effectRef>
           <a:fontRef idx="minor">
             <a:schemeClr val="dk1"/>
@@ -22933,47 +23909,191 @@
           <a:bodyPr tIns="72000" rtlCol="0" anchor="ctr"/>
           <a:lstStyle/>
           <a:p>
-            <a:pPr>
+            <a:pPr marL="203200" indent="-203200">
               <a:lnSpc>
                 <a:spcPts val="2500"/>
               </a:lnSpc>
             </a:pPr>
             <a:r>
-              <a:rPr lang="en-US" altLang="ko-KR" sz="1600" b="1" dirty="0" smtClean="0">
-                <a:solidFill>
-                  <a:schemeClr val="tx1"/>
-                </a:solidFill>
-              </a:rPr>
-              <a:t>&lt;</a:t>
-            </a:r>
-            <a:r>
-              <a:rPr lang="ko-KR" altLang="en-US" sz="1600" b="1" dirty="0" smtClean="0">
-                <a:solidFill>
-                  <a:schemeClr val="tx1"/>
-                </a:solidFill>
-              </a:rPr>
-              <a:t>예문</a:t>
-            </a:r>
-            <a:r>
-              <a:rPr lang="en-US" altLang="ko-KR" sz="1600" b="1" dirty="0" smtClean="0">
-                <a:solidFill>
-                  <a:schemeClr val="tx1"/>
-                </a:solidFill>
-              </a:rPr>
-              <a:t>2&gt;</a:t>
-            </a:r>
-            <a:endParaRPr lang="ko-KR" altLang="en-US" sz="1600" b="1" dirty="0">
-              <a:solidFill>
-                <a:schemeClr val="tx1"/>
-              </a:solidFill>
-            </a:endParaRPr>
+              <a:rPr lang="en-US" altLang="ko-KR" sz="1200" b="1" dirty="0" smtClean="0">
+                <a:solidFill>
+                  <a:schemeClr val="tx1"/>
+                </a:solidFill>
+              </a:rPr>
+              <a:t>※ </a:t>
+            </a:r>
+            <a:r>
+              <a:rPr lang="ko-KR" altLang="en-US" sz="1200" b="1" dirty="0" smtClean="0">
+                <a:solidFill>
+                  <a:schemeClr val="tx1"/>
+                </a:solidFill>
+              </a:rPr>
+              <a:t>배열 선언</a:t>
+            </a:r>
+            <a:r>
+              <a:rPr lang="en-US" altLang="ko-KR" sz="1200" b="1" dirty="0" smtClean="0">
+                <a:solidFill>
+                  <a:schemeClr val="tx1"/>
+                </a:solidFill>
+              </a:rPr>
+              <a:t>, </a:t>
+            </a:r>
+            <a:r>
+              <a:rPr lang="ko-KR" altLang="en-US" sz="1200" b="1" dirty="0" smtClean="0">
+                <a:solidFill>
+                  <a:schemeClr val="tx1"/>
+                </a:solidFill>
+              </a:rPr>
+              <a:t>배열 생성</a:t>
+            </a:r>
+            <a:r>
+              <a:rPr lang="en-US" altLang="ko-KR" sz="1200" b="1" dirty="0" smtClean="0">
+                <a:solidFill>
+                  <a:schemeClr val="tx1"/>
+                </a:solidFill>
+              </a:rPr>
+              <a:t>, </a:t>
+            </a:r>
+            <a:r>
+              <a:rPr lang="ko-KR" altLang="en-US" sz="1200" b="1" dirty="0" err="1" smtClean="0">
+                <a:solidFill>
+                  <a:schemeClr val="tx1"/>
+                </a:solidFill>
+              </a:rPr>
+              <a:t>초깃값</a:t>
+            </a:r>
+            <a:r>
+              <a:rPr lang="ko-KR" altLang="en-US" sz="1200" b="1" dirty="0" smtClean="0">
+                <a:solidFill>
+                  <a:schemeClr val="tx1"/>
+                </a:solidFill>
+              </a:rPr>
+              <a:t> 할당을 을 동시에 할 수 있다</a:t>
+            </a:r>
+            <a:r>
+              <a:rPr lang="en-US" altLang="ko-KR" sz="1200" b="1" dirty="0" smtClean="0">
+                <a:solidFill>
+                  <a:schemeClr val="tx1"/>
+                </a:solidFill>
+              </a:rPr>
+              <a:t>.</a:t>
+            </a:r>
+          </a:p>
+          <a:p>
+            <a:pPr marL="203200" indent="-203200">
+              <a:lnSpc>
+                <a:spcPts val="2500"/>
+              </a:lnSpc>
+            </a:pPr>
+            <a:r>
+              <a:rPr lang="en-US" altLang="ko-KR" sz="1200" b="1" dirty="0">
+                <a:solidFill>
+                  <a:schemeClr val="tx1"/>
+                </a:solidFill>
+              </a:rPr>
+              <a:t> </a:t>
+            </a:r>
+            <a:r>
+              <a:rPr lang="en-US" altLang="ko-KR" sz="1200" b="1" dirty="0" smtClean="0">
+                <a:solidFill>
+                  <a:schemeClr val="tx1"/>
+                </a:solidFill>
+              </a:rPr>
+              <a:t> </a:t>
+            </a:r>
+            <a:r>
+              <a:rPr lang="en-US" altLang="ko-KR" sz="2000" b="1" dirty="0" smtClean="0">
+                <a:solidFill>
+                  <a:schemeClr val="tx1"/>
+                </a:solidFill>
+              </a:rPr>
+              <a:t> </a:t>
+            </a:r>
+            <a:r>
+              <a:rPr lang="en-US" altLang="ko-KR" sz="2000" b="1" dirty="0" err="1" smtClean="0">
+                <a:solidFill>
+                  <a:schemeClr val="tx1"/>
+                </a:solidFill>
+              </a:rPr>
+              <a:t>int</a:t>
+            </a:r>
+            <a:r>
+              <a:rPr lang="en-US" altLang="ko-KR" sz="2000" b="1" dirty="0" smtClean="0">
+                <a:solidFill>
+                  <a:schemeClr val="tx1"/>
+                </a:solidFill>
+              </a:rPr>
+              <a:t> b[][] = </a:t>
+            </a:r>
+            <a:r>
+              <a:rPr lang="en-US" altLang="ko-KR" sz="2000" b="1" dirty="0" smtClean="0">
+                <a:solidFill>
+                  <a:srgbClr val="FF0000"/>
+                </a:solidFill>
+              </a:rPr>
+              <a:t>{ {1, 2, 3}, </a:t>
+            </a:r>
+          </a:p>
+          <a:p>
+            <a:pPr marL="203200" indent="-203200">
+              <a:lnSpc>
+                <a:spcPts val="2500"/>
+              </a:lnSpc>
+            </a:pPr>
+            <a:r>
+              <a:rPr lang="en-US" altLang="ko-KR" sz="2000" b="1" dirty="0">
+                <a:solidFill>
+                  <a:srgbClr val="FF0000"/>
+                </a:solidFill>
+              </a:rPr>
+              <a:t> </a:t>
+            </a:r>
+            <a:r>
+              <a:rPr lang="en-US" altLang="ko-KR" sz="2000" b="1" dirty="0" smtClean="0">
+                <a:solidFill>
+                  <a:srgbClr val="FF0000"/>
+                </a:solidFill>
+              </a:rPr>
+              <a:t>                  {4, 5, 6},</a:t>
+            </a:r>
+          </a:p>
+          <a:p>
+            <a:pPr marL="203200" indent="-203200">
+              <a:lnSpc>
+                <a:spcPts val="2500"/>
+              </a:lnSpc>
+            </a:pPr>
+            <a:r>
+              <a:rPr lang="en-US" altLang="ko-KR" sz="2000" b="1" dirty="0">
+                <a:solidFill>
+                  <a:srgbClr val="FF0000"/>
+                </a:solidFill>
+              </a:rPr>
+              <a:t> </a:t>
+            </a:r>
+            <a:r>
+              <a:rPr lang="en-US" altLang="ko-KR" sz="2000" b="1" dirty="0" smtClean="0">
+                <a:solidFill>
+                  <a:srgbClr val="FF0000"/>
+                </a:solidFill>
+              </a:rPr>
+              <a:t>                  {7, 8, 9} }</a:t>
+            </a:r>
+            <a:r>
+              <a:rPr lang="en-US" altLang="ko-KR" sz="2000" b="1" dirty="0" smtClean="0">
+                <a:solidFill>
+                  <a:schemeClr val="tx1"/>
+                </a:solidFill>
+              </a:rPr>
+              <a:t>;</a:t>
+            </a:r>
           </a:p>
         </p:txBody>
       </p:sp>
     </p:spTree>
     <p:extLst>
       <p:ext uri="{BB962C8B-B14F-4D97-AF65-F5344CB8AC3E}">
-        <p14:creationId xmlns:p14="http://schemas.microsoft.com/office/powerpoint/2010/main" val="2629273800"/>
+        <p14:creationId xmlns:p14="http://schemas.microsoft.com/office/powerpoint/2010/main" val="377635006"/>
       </p:ext>
     </p:extLst>
   </p:cSld>
@@ -23026,6 +24146,576 @@
               <a:rPr lang="ko-KR" altLang="en-US" smtClean="0"/>
               <a:pPr/>
               <a:t>27</a:t>
+            </a:fld>
+            <a:endParaRPr lang="ko-KR" altLang="en-US"/>
+          </a:p>
+        </p:txBody>
+      </p:sp>
+      <p:sp>
+        <p:nvSpPr>
+          <p:cNvPr id="9" name="순서도: 처리 8"/>
+          <p:cNvSpPr/>
+          <p:nvPr/>
+        </p:nvSpPr>
+        <p:spPr>
+          <a:xfrm>
+            <a:off x="611560" y="620688"/>
+            <a:ext cx="3672408" cy="432047"/>
+          </a:xfrm>
+          <a:prstGeom prst="flowChartProcess">
+            <a:avLst/>
+          </a:prstGeom>
+          <a:ln/>
+        </p:spPr>
+        <p:style>
+          <a:lnRef idx="3">
+            <a:schemeClr val="lt1"/>
+          </a:lnRef>
+          <a:fillRef idx="1">
+            <a:schemeClr val="accent5"/>
+          </a:fillRef>
+          <a:effectRef idx="1">
+            <a:schemeClr val="accent5"/>
+          </a:effectRef>
+          <a:fontRef idx="minor">
+            <a:schemeClr val="lt1"/>
+          </a:fontRef>
+        </p:style>
+        <p:txBody>
+          <a:bodyPr tIns="72000" rtlCol="0" anchor="ctr"/>
+          <a:lstStyle/>
+          <a:p>
+            <a:pPr>
+              <a:lnSpc>
+                <a:spcPts val="2500"/>
+              </a:lnSpc>
+            </a:pPr>
+            <a:r>
+              <a:rPr lang="en-US" altLang="ko-KR" b="1" dirty="0" smtClean="0">
+                <a:solidFill>
+                  <a:schemeClr val="tx1"/>
+                </a:solidFill>
+              </a:rPr>
+              <a:t>(4) </a:t>
+            </a:r>
+            <a:r>
+              <a:rPr lang="ko-KR" altLang="en-US" b="1" dirty="0" smtClean="0">
+                <a:solidFill>
+                  <a:schemeClr val="tx1"/>
+                </a:solidFill>
+              </a:rPr>
+              <a:t>배열의 크기 속성</a:t>
+            </a:r>
+            <a:r>
+              <a:rPr lang="en-US" altLang="ko-KR" b="1" dirty="0" smtClean="0">
+                <a:solidFill>
+                  <a:schemeClr val="tx1"/>
+                </a:solidFill>
+              </a:rPr>
+              <a:t>: length</a:t>
+            </a:r>
+            <a:endParaRPr lang="ko-KR" altLang="en-US" b="1" dirty="0">
+              <a:solidFill>
+                <a:schemeClr val="tx1"/>
+              </a:solidFill>
+            </a:endParaRPr>
+          </a:p>
+        </p:txBody>
+      </p:sp>
+      <p:sp>
+        <p:nvSpPr>
+          <p:cNvPr id="14" name="순서도: 처리 13"/>
+          <p:cNvSpPr/>
+          <p:nvPr/>
+        </p:nvSpPr>
+        <p:spPr>
+          <a:xfrm>
+            <a:off x="1475656" y="1612260"/>
+            <a:ext cx="5976664" cy="1024652"/>
+          </a:xfrm>
+          <a:prstGeom prst="flowChartProcess">
+            <a:avLst/>
+          </a:prstGeom>
+          <a:solidFill>
+            <a:srgbClr val="FFF3FF"/>
+          </a:solidFill>
+          <a:ln>
+            <a:noFill/>
+          </a:ln>
+        </p:spPr>
+        <p:style>
+          <a:lnRef idx="2">
+            <a:schemeClr val="dk1"/>
+          </a:lnRef>
+          <a:fillRef idx="1">
+            <a:schemeClr val="lt1"/>
+          </a:fillRef>
+          <a:effectRef idx="0">
+            <a:schemeClr val="dk1"/>
+          </a:effectRef>
+          <a:fontRef idx="minor">
+            <a:schemeClr val="dk1"/>
+          </a:fontRef>
+        </p:style>
+        <p:txBody>
+          <a:bodyPr tIns="72000" rtlCol="0" anchor="ctr"/>
+          <a:lstStyle/>
+          <a:p>
+            <a:pPr>
+              <a:lnSpc>
+                <a:spcPct val="150000"/>
+              </a:lnSpc>
+            </a:pPr>
+            <a:r>
+              <a:rPr lang="en-US" altLang="ko-KR" sz="2400" b="1" dirty="0" err="1" smtClean="0">
+                <a:solidFill>
+                  <a:schemeClr val="tx1"/>
+                </a:solidFill>
+              </a:rPr>
+              <a:t>int</a:t>
+            </a:r>
+            <a:r>
+              <a:rPr lang="en-US" altLang="ko-KR" sz="2400" b="1" dirty="0" smtClean="0">
+                <a:solidFill>
+                  <a:schemeClr val="tx1"/>
+                </a:solidFill>
+              </a:rPr>
+              <a:t> a[]=new </a:t>
+            </a:r>
+            <a:r>
+              <a:rPr lang="en-US" altLang="ko-KR" sz="2400" b="1" dirty="0" err="1" smtClean="0">
+                <a:solidFill>
+                  <a:schemeClr val="tx1"/>
+                </a:solidFill>
+              </a:rPr>
+              <a:t>int</a:t>
+            </a:r>
+            <a:r>
+              <a:rPr lang="en-US" altLang="ko-KR" sz="2400" b="1" dirty="0" smtClean="0">
+                <a:solidFill>
+                  <a:schemeClr val="tx1"/>
+                </a:solidFill>
+              </a:rPr>
+              <a:t>[5];</a:t>
+            </a:r>
+          </a:p>
+          <a:p>
+            <a:pPr>
+              <a:lnSpc>
+                <a:spcPct val="150000"/>
+              </a:lnSpc>
+            </a:pPr>
+            <a:r>
+              <a:rPr lang="en-US" altLang="ko-KR" sz="2400" b="1" dirty="0" err="1" smtClean="0">
+                <a:solidFill>
+                  <a:schemeClr val="tx1"/>
+                </a:solidFill>
+              </a:rPr>
+              <a:t>System.out.println</a:t>
+            </a:r>
+            <a:r>
+              <a:rPr lang="en-US" altLang="ko-KR" sz="2400" b="1" dirty="0" smtClean="0">
+                <a:solidFill>
+                  <a:schemeClr val="tx1"/>
+                </a:solidFill>
+              </a:rPr>
+              <a:t>(</a:t>
+            </a:r>
+            <a:r>
+              <a:rPr lang="en-US" altLang="ko-KR" sz="2400" b="1" dirty="0" err="1" smtClean="0">
+                <a:solidFill>
+                  <a:srgbClr val="FF0000"/>
+                </a:solidFill>
+              </a:rPr>
+              <a:t>a.length</a:t>
+            </a:r>
+            <a:r>
+              <a:rPr lang="en-US" altLang="ko-KR" sz="2400" b="1" dirty="0" smtClean="0">
+                <a:solidFill>
+                  <a:schemeClr val="tx1"/>
+                </a:solidFill>
+              </a:rPr>
+              <a:t>);</a:t>
+            </a:r>
+            <a:endParaRPr lang="ko-KR" altLang="en-US" sz="2400" b="1" dirty="0">
+              <a:solidFill>
+                <a:schemeClr val="tx1"/>
+              </a:solidFill>
+            </a:endParaRPr>
+          </a:p>
+        </p:txBody>
+      </p:sp>
+      <p:sp>
+        <p:nvSpPr>
+          <p:cNvPr id="15" name="순서도: 처리 14"/>
+          <p:cNvSpPr/>
+          <p:nvPr/>
+        </p:nvSpPr>
+        <p:spPr>
+          <a:xfrm>
+            <a:off x="1475656" y="3559786"/>
+            <a:ext cx="5976664" cy="1813430"/>
+          </a:xfrm>
+          <a:prstGeom prst="flowChartProcess">
+            <a:avLst/>
+          </a:prstGeom>
+          <a:solidFill>
+            <a:srgbClr val="FFF3FF"/>
+          </a:solidFill>
+          <a:ln>
+            <a:noFill/>
+          </a:ln>
+        </p:spPr>
+        <p:style>
+          <a:lnRef idx="2">
+            <a:schemeClr val="dk1"/>
+          </a:lnRef>
+          <a:fillRef idx="1">
+            <a:schemeClr val="lt1"/>
+          </a:fillRef>
+          <a:effectRef idx="0">
+            <a:schemeClr val="dk1"/>
+          </a:effectRef>
+          <a:fontRef idx="minor">
+            <a:schemeClr val="dk1"/>
+          </a:fontRef>
+        </p:style>
+        <p:txBody>
+          <a:bodyPr tIns="72000" rtlCol="0" anchor="ctr"/>
+          <a:lstStyle/>
+          <a:p>
+            <a:pPr>
+              <a:lnSpc>
+                <a:spcPct val="150000"/>
+              </a:lnSpc>
+            </a:pPr>
+            <a:r>
+              <a:rPr lang="en-US" altLang="ko-KR" sz="2400" b="1" dirty="0" err="1" smtClean="0">
+                <a:solidFill>
+                  <a:schemeClr val="tx1"/>
+                </a:solidFill>
+              </a:rPr>
+              <a:t>int</a:t>
+            </a:r>
+            <a:r>
+              <a:rPr lang="en-US" altLang="ko-KR" sz="2400" b="1" dirty="0" smtClean="0">
+                <a:solidFill>
+                  <a:schemeClr val="tx1"/>
+                </a:solidFill>
+              </a:rPr>
+              <a:t> b[][]=new </a:t>
+            </a:r>
+            <a:r>
+              <a:rPr lang="en-US" altLang="ko-KR" sz="2400" b="1" dirty="0" err="1" smtClean="0">
+                <a:solidFill>
+                  <a:schemeClr val="tx1"/>
+                </a:solidFill>
+              </a:rPr>
+              <a:t>int</a:t>
+            </a:r>
+            <a:r>
+              <a:rPr lang="en-US" altLang="ko-KR" sz="2400" b="1" dirty="0" smtClean="0">
+                <a:solidFill>
+                  <a:schemeClr val="tx1"/>
+                </a:solidFill>
+              </a:rPr>
+              <a:t>[3][3];</a:t>
+            </a:r>
+          </a:p>
+          <a:p>
+            <a:pPr>
+              <a:lnSpc>
+                <a:spcPct val="150000"/>
+              </a:lnSpc>
+            </a:pPr>
+            <a:r>
+              <a:rPr lang="en-US" altLang="ko-KR" sz="2400" b="1" dirty="0" err="1" smtClean="0">
+                <a:solidFill>
+                  <a:schemeClr val="tx1"/>
+                </a:solidFill>
+              </a:rPr>
+              <a:t>System.out.println</a:t>
+            </a:r>
+            <a:r>
+              <a:rPr lang="en-US" altLang="ko-KR" sz="2400" b="1" dirty="0" smtClean="0">
+                <a:solidFill>
+                  <a:schemeClr val="tx1"/>
+                </a:solidFill>
+              </a:rPr>
+              <a:t>(</a:t>
+            </a:r>
+            <a:r>
+              <a:rPr lang="en-US" altLang="ko-KR" sz="2400" b="1" dirty="0" err="1" smtClean="0">
+                <a:solidFill>
+                  <a:srgbClr val="FF0000"/>
+                </a:solidFill>
+              </a:rPr>
+              <a:t>b.length</a:t>
+            </a:r>
+            <a:r>
+              <a:rPr lang="en-US" altLang="ko-KR" sz="2400" b="1" dirty="0">
+                <a:solidFill>
+                  <a:schemeClr val="tx1"/>
+                </a:solidFill>
+              </a:rPr>
+              <a:t>);</a:t>
+            </a:r>
+            <a:endParaRPr lang="ko-KR" altLang="en-US" sz="2400" b="1" dirty="0">
+              <a:solidFill>
+                <a:schemeClr val="tx1"/>
+              </a:solidFill>
+            </a:endParaRPr>
+          </a:p>
+          <a:p>
+            <a:pPr>
+              <a:lnSpc>
+                <a:spcPct val="150000"/>
+              </a:lnSpc>
+            </a:pPr>
+            <a:r>
+              <a:rPr lang="en-US" altLang="ko-KR" sz="2400" b="1" dirty="0" err="1" smtClean="0">
+                <a:solidFill>
+                  <a:schemeClr val="tx1"/>
+                </a:solidFill>
+              </a:rPr>
+              <a:t>System.out.println</a:t>
+            </a:r>
+            <a:r>
+              <a:rPr lang="en-US" altLang="ko-KR" sz="2400" b="1" dirty="0" smtClean="0">
+                <a:solidFill>
+                  <a:schemeClr val="tx1"/>
+                </a:solidFill>
+              </a:rPr>
+              <a:t>(</a:t>
+            </a:r>
+            <a:r>
+              <a:rPr lang="en-US" altLang="ko-KR" sz="2400" b="1" dirty="0" smtClean="0">
+                <a:solidFill>
+                  <a:srgbClr val="FF0000"/>
+                </a:solidFill>
+              </a:rPr>
+              <a:t>b[1].length</a:t>
+            </a:r>
+            <a:r>
+              <a:rPr lang="en-US" altLang="ko-KR" sz="2400" b="1" dirty="0" smtClean="0">
+                <a:solidFill>
+                  <a:schemeClr val="tx1"/>
+                </a:solidFill>
+              </a:rPr>
+              <a:t>);</a:t>
+            </a:r>
+            <a:endParaRPr lang="ko-KR" altLang="en-US" sz="2400" b="1" dirty="0">
+              <a:solidFill>
+                <a:schemeClr val="tx1"/>
+              </a:solidFill>
+            </a:endParaRPr>
+          </a:p>
+        </p:txBody>
+      </p:sp>
+      <p:sp>
+        <p:nvSpPr>
+          <p:cNvPr id="19" name="순서도: 처리 18"/>
+          <p:cNvSpPr/>
+          <p:nvPr/>
+        </p:nvSpPr>
+        <p:spPr>
+          <a:xfrm>
+            <a:off x="1475656" y="1243782"/>
+            <a:ext cx="1224136" cy="368477"/>
+          </a:xfrm>
+          <a:prstGeom prst="flowChartProcess">
+            <a:avLst/>
+          </a:prstGeom>
+          <a:noFill/>
+          <a:ln>
+            <a:noFill/>
+          </a:ln>
+        </p:spPr>
+        <p:style>
+          <a:lnRef idx="1">
+            <a:schemeClr val="accent3"/>
+          </a:lnRef>
+          <a:fillRef idx="2">
+            <a:schemeClr val="accent3"/>
+          </a:fillRef>
+          <a:effectRef idx="1">
+            <a:schemeClr val="accent3"/>
+          </a:effectRef>
+          <a:fontRef idx="minor">
+            <a:schemeClr val="dk1"/>
+          </a:fontRef>
+        </p:style>
+        <p:txBody>
+          <a:bodyPr tIns="72000" rtlCol="0" anchor="ctr"/>
+          <a:lstStyle/>
+          <a:p>
+            <a:pPr>
+              <a:lnSpc>
+                <a:spcPts val="2500"/>
+              </a:lnSpc>
+            </a:pPr>
+            <a:r>
+              <a:rPr lang="en-US" altLang="ko-KR" sz="1600" b="1" dirty="0" smtClean="0">
+                <a:solidFill>
+                  <a:schemeClr val="tx1"/>
+                </a:solidFill>
+              </a:rPr>
+              <a:t>&lt;</a:t>
+            </a:r>
+            <a:r>
+              <a:rPr lang="ko-KR" altLang="en-US" sz="1600" b="1" dirty="0" smtClean="0">
+                <a:solidFill>
+                  <a:schemeClr val="tx1"/>
+                </a:solidFill>
+              </a:rPr>
+              <a:t>예문</a:t>
+            </a:r>
+            <a:r>
+              <a:rPr lang="en-US" altLang="ko-KR" sz="1600" b="1" dirty="0" smtClean="0">
+                <a:solidFill>
+                  <a:schemeClr val="tx1"/>
+                </a:solidFill>
+              </a:rPr>
+              <a:t>1&gt;</a:t>
+            </a:r>
+            <a:endParaRPr lang="ko-KR" altLang="en-US" sz="1600" b="1" dirty="0">
+              <a:solidFill>
+                <a:schemeClr val="tx1"/>
+              </a:solidFill>
+            </a:endParaRPr>
+          </a:p>
+        </p:txBody>
+      </p:sp>
+      <p:sp>
+        <p:nvSpPr>
+          <p:cNvPr id="20" name="순서도: 처리 19"/>
+          <p:cNvSpPr/>
+          <p:nvPr/>
+        </p:nvSpPr>
+        <p:spPr>
+          <a:xfrm>
+            <a:off x="1475656" y="3160265"/>
+            <a:ext cx="1224136" cy="368477"/>
+          </a:xfrm>
+          <a:prstGeom prst="flowChartProcess">
+            <a:avLst/>
+          </a:prstGeom>
+          <a:noFill/>
+          <a:ln>
+            <a:noFill/>
+          </a:ln>
+        </p:spPr>
+        <p:style>
+          <a:lnRef idx="1">
+            <a:schemeClr val="accent3"/>
+          </a:lnRef>
+          <a:fillRef idx="2">
+            <a:schemeClr val="accent3"/>
+          </a:fillRef>
+          <a:effectRef idx="1">
+            <a:schemeClr val="accent3"/>
+          </a:effectRef>
+          <a:fontRef idx="minor">
+            <a:schemeClr val="dk1"/>
+          </a:fontRef>
+        </p:style>
+        <p:txBody>
+          <a:bodyPr tIns="72000" rtlCol="0" anchor="ctr"/>
+          <a:lstStyle/>
+          <a:p>
+            <a:pPr>
+              <a:lnSpc>
+                <a:spcPts val="2500"/>
+              </a:lnSpc>
+            </a:pPr>
+            <a:r>
+              <a:rPr lang="en-US" altLang="ko-KR" sz="1600" b="1" dirty="0" smtClean="0">
+                <a:solidFill>
+                  <a:schemeClr val="tx1"/>
+                </a:solidFill>
+              </a:rPr>
+              <a:t>&lt;</a:t>
+            </a:r>
+            <a:r>
+              <a:rPr lang="ko-KR" altLang="en-US" sz="1600" b="1" dirty="0" smtClean="0">
+                <a:solidFill>
+                  <a:schemeClr val="tx1"/>
+                </a:solidFill>
+              </a:rPr>
+              <a:t>예문</a:t>
+            </a:r>
+            <a:r>
+              <a:rPr lang="en-US" altLang="ko-KR" sz="1600" b="1" dirty="0" smtClean="0">
+                <a:solidFill>
+                  <a:schemeClr val="tx1"/>
+                </a:solidFill>
+              </a:rPr>
+              <a:t>2&gt;</a:t>
+            </a:r>
+            <a:endParaRPr lang="ko-KR" altLang="en-US" sz="1600" b="1" dirty="0">
+              <a:solidFill>
+                <a:schemeClr val="tx1"/>
+              </a:solidFill>
+            </a:endParaRPr>
+          </a:p>
+        </p:txBody>
+      </p:sp>
+    </p:spTree>
+    <p:extLst>
+      <p:ext uri="{BB962C8B-B14F-4D97-AF65-F5344CB8AC3E}">
+        <p14:creationId xmlns:p14="http://schemas.microsoft.com/office/powerpoint/2010/main" val="2629273800"/>
+      </p:ext>
+    </p:extLst>
+  </p:cSld>
+  <p:clrMapOvr>
+    <a:masterClrMapping/>
+  </p:clrMapOvr>
+  <p:timing>
+    <p:tnLst>
+      <p:par>
+        <p:cTn id="1" dur="indefinite" restart="never" nodeType="tmRoot"/>
+      </p:par>
+    </p:tnLst>
+  </p:timing>
+</p:sld>
+</file>
+
+<file path=ppt/slides/slide28.xml><?xml version="1.0" encoding="utf-8"?>
+<p:sld xmlns:a="http://schemas.openxmlformats.org/drawingml/2006/main" xmlns:r="http://schemas.openxmlformats.org/officeDocument/2006/relationships" xmlns:p="http://schemas.openxmlformats.org/presentationml/2006/main">
+  <p:cSld>
+    <p:spTree>
+      <p:nvGrpSpPr>
+        <p:cNvPr id="1" name=""/>
+        <p:cNvGrpSpPr/>
+        <p:nvPr/>
+      </p:nvGrpSpPr>
+      <p:grpSpPr>
+        <a:xfrm>
+          <a:off x="0" y="0"/>
+          <a:ext cx="0" cy="0"/>
+          <a:chOff x="0" y="0"/>
+          <a:chExt cx="0" cy="0"/>
+        </a:xfrm>
+      </p:grpSpPr>
+      <p:sp>
+        <p:nvSpPr>
+          <p:cNvPr id="2" name="슬라이드 번호 개체 틀 1"/>
+          <p:cNvSpPr>
+            <a:spLocks noGrp="1"/>
+          </p:cNvSpPr>
+          <p:nvPr>
+            <p:ph type="sldNum" sz="quarter" idx="12"/>
+          </p:nvPr>
+        </p:nvSpPr>
+        <p:spPr/>
+        <p:txBody>
+          <a:bodyPr/>
+          <a:lstStyle/>
+          <a:p>
+            <a:fld id="{77B71057-D4FF-4ED0-970E-E0EF26DA9503}" type="slidenum">
+              <a:rPr lang="ko-KR" altLang="en-US" smtClean="0"/>
+              <a:pPr/>
+              <a:t>28</a:t>
             </a:fld>
             <a:endParaRPr lang="ko-KR" altLang="en-US"/>
           </a:p>

--- a/수업자료/06_자바 기본 문법.pptx
+++ b/수업자료/06_자바 기본 문법.pptx
@@ -136,7 +136,7 @@
   </p:defaultTextStyle>
   <p:extLst>
     <p:ext uri="{EFAFB233-063F-42B5-8137-9DF3F51BA10A}">
-      <p15:sldGuideLst xmlns:p15="http://schemas.microsoft.com/office/powerpoint/2012/main" xmlns="">
+      <p15:sldGuideLst xmlns="" xmlns:p15="http://schemas.microsoft.com/office/powerpoint/2012/main">
         <p15:guide id="1" orient="horz" pos="2160">
           <p15:clr>
             <a:srgbClr val="A4A3A4"/>
@@ -236,7 +236,7 @@
             <a:fld id="{533164E2-541E-45D9-AF32-08622E33600A}" type="datetimeFigureOut">
               <a:rPr lang="ko-KR" altLang="en-US" smtClean="0"/>
               <a:pPr/>
-              <a:t>2018-09-04</a:t>
+              <a:t>2018-10-22</a:t>
             </a:fld>
             <a:endParaRPr lang="ko-KR" altLang="en-US"/>
           </a:p>
@@ -2983,7 +2983,7 @@
           <a:p>
             <a:fld id="{5B224BE5-D226-49F3-AB40-B9C377A86165}" type="datetime1">
               <a:rPr lang="ko-KR" altLang="en-US" smtClean="0"/>
-              <a:t>2018-09-04</a:t>
+              <a:t>2018-10-22</a:t>
             </a:fld>
             <a:endParaRPr lang="ko-KR" altLang="en-US"/>
           </a:p>
@@ -3149,7 +3149,7 @@
           <a:p>
             <a:fld id="{E531B096-71EC-4E39-87EC-87DE91DFDAD5}" type="datetime1">
               <a:rPr lang="ko-KR" altLang="en-US" smtClean="0"/>
-              <a:t>2018-09-04</a:t>
+              <a:t>2018-10-22</a:t>
             </a:fld>
             <a:endParaRPr lang="ko-KR" altLang="en-US"/>
           </a:p>
@@ -3325,7 +3325,7 @@
           <a:p>
             <a:fld id="{87998491-270F-4155-ABF1-CC9E2FA131CA}" type="datetime1">
               <a:rPr lang="ko-KR" altLang="en-US" smtClean="0"/>
-              <a:t>2018-09-04</a:t>
+              <a:t>2018-10-22</a:t>
             </a:fld>
             <a:endParaRPr lang="ko-KR" altLang="en-US"/>
           </a:p>
@@ -3416,7 +3416,7 @@
           <a:p>
             <a:fld id="{3A8D6124-CF2E-4D0B-929F-6E18AB953AD4}" type="datetime1">
               <a:rPr lang="ko-KR" altLang="en-US" smtClean="0"/>
-              <a:t>2018-09-04</a:t>
+              <a:t>2018-10-22</a:t>
             </a:fld>
             <a:endParaRPr lang="ko-KR" altLang="en-US"/>
           </a:p>
@@ -3658,7 +3658,7 @@
           <a:p>
             <a:fld id="{90CD4FF4-A25C-4B8C-BC7E-9158BC871168}" type="datetime1">
               <a:rPr lang="ko-KR" altLang="en-US" smtClean="0"/>
-              <a:t>2018-09-04</a:t>
+              <a:t>2018-10-22</a:t>
             </a:fld>
             <a:endParaRPr lang="ko-KR" altLang="en-US"/>
           </a:p>
@@ -3942,7 +3942,7 @@
           <a:p>
             <a:fld id="{F79FBE8D-B19F-4A94-B19B-26909D8E1969}" type="datetime1">
               <a:rPr lang="ko-KR" altLang="en-US" smtClean="0"/>
-              <a:t>2018-09-04</a:t>
+              <a:t>2018-10-22</a:t>
             </a:fld>
             <a:endParaRPr lang="ko-KR" altLang="en-US"/>
           </a:p>
@@ -4360,7 +4360,7 @@
           <a:p>
             <a:fld id="{413B4439-0DD4-4C39-A83D-F9B3BDA7DFA8}" type="datetime1">
               <a:rPr lang="ko-KR" altLang="en-US" smtClean="0"/>
-              <a:t>2018-09-04</a:t>
+              <a:t>2018-10-22</a:t>
             </a:fld>
             <a:endParaRPr lang="ko-KR" altLang="en-US"/>
           </a:p>
@@ -4474,7 +4474,7 @@
           <a:p>
             <a:fld id="{6BA39EF4-8235-4B33-8ED4-370B88BBE966}" type="datetime1">
               <a:rPr lang="ko-KR" altLang="en-US" smtClean="0"/>
-              <a:t>2018-09-04</a:t>
+              <a:t>2018-10-22</a:t>
             </a:fld>
             <a:endParaRPr lang="ko-KR" altLang="en-US"/>
           </a:p>
@@ -4565,7 +4565,7 @@
           <a:p>
             <a:fld id="{4AE8D239-193A-4AE8-ABF2-5BFD45FBF3B0}" type="datetime1">
               <a:rPr lang="ko-KR" altLang="en-US" smtClean="0"/>
-              <a:t>2018-09-04</a:t>
+              <a:t>2018-10-22</a:t>
             </a:fld>
             <a:endParaRPr lang="ko-KR" altLang="en-US"/>
           </a:p>
@@ -4838,7 +4838,7 @@
           <a:p>
             <a:fld id="{9FC46919-B9A5-422E-AC9E-830197846D7D}" type="datetime1">
               <a:rPr lang="ko-KR" altLang="en-US" smtClean="0"/>
-              <a:t>2018-09-04</a:t>
+              <a:t>2018-10-22</a:t>
             </a:fld>
             <a:endParaRPr lang="ko-KR" altLang="en-US"/>
           </a:p>
@@ -5087,7 +5087,7 @@
           <a:p>
             <a:fld id="{41DD7485-075A-440B-9AAE-969EB727F004}" type="datetime1">
               <a:rPr lang="ko-KR" altLang="en-US" smtClean="0"/>
-              <a:t>2018-09-04</a:t>
+              <a:t>2018-10-22</a:t>
             </a:fld>
             <a:endParaRPr lang="ko-KR" altLang="en-US"/>
           </a:p>
@@ -5296,7 +5296,7 @@
           <a:p>
             <a:fld id="{3895310E-B5AE-4952-A007-08EF1D8FAE3A}" type="datetime1">
               <a:rPr lang="ko-KR" altLang="en-US" smtClean="0"/>
-              <a:t>2018-09-04</a:t>
+              <a:t>2018-10-22</a:t>
             </a:fld>
             <a:endParaRPr lang="ko-KR" altLang="en-US"/>
           </a:p>
@@ -13422,7 +13422,7 @@
                 </a:solidFill>
                 <a:latin typeface="Consolas"/>
               </a:rPr>
-              <a:t>(0b10010100 </a:t>
+              <a:t>(-1 </a:t>
             </a:r>
             <a:r>
               <a:rPr lang="en-US" altLang="ko-KR" sz="1200" b="1" i="1" dirty="0">
@@ -13479,7 +13479,7 @@
                 </a:solidFill>
                 <a:latin typeface="Consolas"/>
               </a:rPr>
-              <a:t>(0b10010100 </a:t>
+              <a:t>(-1 </a:t>
             </a:r>
             <a:r>
               <a:rPr lang="en-US" altLang="ko-KR" sz="1200" b="1" i="1" dirty="0">
@@ -14363,12 +14363,6 @@
               </a:rPr>
               <a:t>}</a:t>
             </a:r>
-            <a:endParaRPr lang="en-US" altLang="ko-KR" sz="1200" dirty="0">
-              <a:solidFill>
-                <a:srgbClr val="000000"/>
-              </a:solidFill>
-              <a:latin typeface="Consolas" panose="020B0609020204030204" pitchFamily="49" charset="0"/>
-            </a:endParaRPr>
           </a:p>
         </p:txBody>
       </p:sp>
@@ -15660,7 +15654,7 @@
                   <a:schemeClr val="tx1"/>
                 </a:solidFill>
               </a:rPr>
-              <a:t>   case default:</a:t>
+              <a:t>   default:</a:t>
             </a:r>
           </a:p>
           <a:p>
@@ -28442,7 +28436,15 @@
                   <a:schemeClr val="tx1"/>
                 </a:solidFill>
               </a:rPr>
-              <a:t>객체 변수</a:t>
+              <a:t>객체 참조</a:t>
+            </a:r>
+            <a:r>
+              <a:rPr lang="ko-KR" altLang="en-US" sz="1400" b="1" dirty="0" smtClean="0">
+                <a:solidFill>
+                  <a:schemeClr val="tx1"/>
+                </a:solidFill>
+              </a:rPr>
+              <a:t>변수</a:t>
             </a:r>
             <a:endParaRPr lang="ko-KR" altLang="en-US" sz="1400" b="1" dirty="0">
               <a:solidFill>
